--- a/Journey_template.pptx
+++ b/Journey_template.pptx
@@ -6,7 +6,7 @@
     <p:sldMasterId id="2147484723" r:id="rId2"/>
   </p:sldMasterIdLst>
   <p:notesMasterIdLst>
-    <p:notesMasterId r:id="rId9"/>
+    <p:notesMasterId r:id="rId8"/>
   </p:notesMasterIdLst>
   <p:sldIdLst>
     <p:sldId id="2124817332" r:id="rId3"/>
@@ -14,7 +14,6 @@
     <p:sldId id="2124817334" r:id="rId5"/>
     <p:sldId id="2124817335" r:id="rId6"/>
     <p:sldId id="2124817336" r:id="rId7"/>
-    <p:sldId id="2124817337" r:id="rId8"/>
   </p:sldIdLst>
   <p:sldSz cx="12188825" cy="6858000"/>
   <p:notesSz cx="6858000" cy="9144000"/>
@@ -202,7 +201,7 @@
   <pc:docChgLst>
     <pc:chgData name="Arbour, Duncan" userId="f8c76c83-f09a-4702-8a60-e00215c8b89f" providerId="ADAL" clId="{846C3E24-5A9E-3744-9959-40C2AD777FAA}"/>
     <pc:docChg chg="custSel addSld delSld modSld addMainMaster modMainMaster">
-      <pc:chgData name="Arbour, Duncan" userId="f8c76c83-f09a-4702-8a60-e00215c8b89f" providerId="ADAL" clId="{846C3E24-5A9E-3744-9959-40C2AD777FAA}" dt="2024-08-26T06:05:37.575" v="262" actId="2890"/>
+      <pc:chgData name="Arbour, Duncan" userId="f8c76c83-f09a-4702-8a60-e00215c8b89f" providerId="ADAL" clId="{846C3E24-5A9E-3744-9959-40C2AD777FAA}" dt="2024-08-26T06:52:57.202" v="263" actId="2696"/>
       <pc:docMkLst>
         <pc:docMk/>
       </pc:docMkLst>
@@ -387,8 +386,8 @@
           <pc:sldMk cId="152920915" sldId="2124817336"/>
         </pc:sldMkLst>
       </pc:sldChg>
-      <pc:sldChg chg="add">
-        <pc:chgData name="Arbour, Duncan" userId="f8c76c83-f09a-4702-8a60-e00215c8b89f" providerId="ADAL" clId="{846C3E24-5A9E-3744-9959-40C2AD777FAA}" dt="2024-08-26T06:05:37.575" v="262" actId="2890"/>
+      <pc:sldChg chg="add del">
+        <pc:chgData name="Arbour, Duncan" userId="f8c76c83-f09a-4702-8a60-e00215c8b89f" providerId="ADAL" clId="{846C3E24-5A9E-3744-9959-40C2AD777FAA}" dt="2024-08-26T06:52:57.202" v="263" actId="2696"/>
         <pc:sldMkLst>
           <pc:docMk/>
           <pc:sldMk cId="2791176710" sldId="2124817337"/>
@@ -1455,90 +1454,6 @@
     <p:extLst>
       <p:ext uri="{BB962C8B-B14F-4D97-AF65-F5344CB8AC3E}">
         <p14:creationId xmlns:p14="http://schemas.microsoft.com/office/powerpoint/2010/main" val="642779349"/>
-      </p:ext>
-    </p:extLst>
-  </p:cSld>
-  <p:clrMapOvr>
-    <a:masterClrMapping/>
-  </p:clrMapOvr>
-</p:notes>
-</file>
-
-<file path=ppt/notesSlides/notesSlide6.xml><?xml version="1.0" encoding="utf-8"?>
-<p:notes xmlns:a="http://schemas.openxmlformats.org/drawingml/2006/main" xmlns:r="http://schemas.openxmlformats.org/officeDocument/2006/relationships" xmlns:p="http://schemas.openxmlformats.org/presentationml/2006/main">
-  <p:cSld>
-    <p:spTree>
-      <p:nvGrpSpPr>
-        <p:cNvPr id="1" name=""/>
-        <p:cNvGrpSpPr/>
-        <p:nvPr/>
-      </p:nvGrpSpPr>
-      <p:grpSpPr>
-        <a:xfrm>
-          <a:off x="0" y="0"/>
-          <a:ext cx="0" cy="0"/>
-          <a:chOff x="0" y="0"/>
-          <a:chExt cx="0" cy="0"/>
-        </a:xfrm>
-      </p:grpSpPr>
-      <p:sp>
-        <p:nvSpPr>
-          <p:cNvPr id="2" name="Slide Image Placeholder 1"/>
-          <p:cNvSpPr>
-            <a:spLocks noGrp="1" noRot="1" noChangeAspect="1"/>
-          </p:cNvSpPr>
-          <p:nvPr>
-            <p:ph type="sldImg"/>
-          </p:nvPr>
-        </p:nvSpPr>
-        <p:spPr/>
-      </p:sp>
-      <p:sp>
-        <p:nvSpPr>
-          <p:cNvPr id="3" name="Notes Placeholder 2"/>
-          <p:cNvSpPr>
-            <a:spLocks noGrp="1"/>
-          </p:cNvSpPr>
-          <p:nvPr>
-            <p:ph type="body" idx="1"/>
-          </p:nvPr>
-        </p:nvSpPr>
-        <p:spPr/>
-        <p:txBody>
-          <a:bodyPr/>
-          <a:lstStyle/>
-          <a:p>
-            <a:endParaRPr lang="en-GB" dirty="0"/>
-          </a:p>
-        </p:txBody>
-      </p:sp>
-      <p:sp>
-        <p:nvSpPr>
-          <p:cNvPr id="4" name="Slide Number Placeholder 3"/>
-          <p:cNvSpPr>
-            <a:spLocks noGrp="1"/>
-          </p:cNvSpPr>
-          <p:nvPr>
-            <p:ph type="sldNum" sz="quarter" idx="5"/>
-          </p:nvPr>
-        </p:nvSpPr>
-        <p:spPr/>
-        <p:txBody>
-          <a:bodyPr/>
-          <a:lstStyle/>
-          <a:p>
-            <a:fld id="{E48E721A-00FE-6747-863C-C15498854AF9}" type="slidenum">
-              <a:rPr lang="en-US" smtClean="0"/>
-              <a:t>6</a:t>
-            </a:fld>
-            <a:endParaRPr lang="en-US" dirty="0"/>
-          </a:p>
-        </p:txBody>
-      </p:sp>
-    </p:spTree>
-    <p:extLst>
-      <p:ext uri="{BB962C8B-B14F-4D97-AF65-F5344CB8AC3E}">
-        <p14:creationId xmlns:p14="http://schemas.microsoft.com/office/powerpoint/2010/main" val="941908380"/>
       </p:ext>
     </p:extLst>
   </p:cSld>
@@ -4106,244 +4021,6 @@
 </p:sld>
 </file>
 
-<file path=ppt/slides/slide6.xml><?xml version="1.0" encoding="utf-8"?>
-<p:sld xmlns:a="http://schemas.openxmlformats.org/drawingml/2006/main" xmlns:r="http://schemas.openxmlformats.org/officeDocument/2006/relationships" xmlns:p="http://schemas.openxmlformats.org/presentationml/2006/main">
-  <p:cSld>
-    <p:spTree>
-      <p:nvGrpSpPr>
-        <p:cNvPr id="1" name=""/>
-        <p:cNvGrpSpPr/>
-        <p:nvPr/>
-      </p:nvGrpSpPr>
-      <p:grpSpPr>
-        <a:xfrm>
-          <a:off x="0" y="0"/>
-          <a:ext cx="0" cy="0"/>
-          <a:chOff x="0" y="0"/>
-          <a:chExt cx="0" cy="0"/>
-        </a:xfrm>
-      </p:grpSpPr>
-      <p:sp>
-        <p:nvSpPr>
-          <p:cNvPr id="9" name="Title 1">
-            <a:extLst>
-              <a:ext uri="{FF2B5EF4-FFF2-40B4-BE49-F238E27FC236}">
-                <a16:creationId xmlns:a16="http://schemas.microsoft.com/office/drawing/2014/main" id="{8D98AFA7-D1A4-536E-1BA7-A91416484302}"/>
-              </a:ext>
-            </a:extLst>
-          </p:cNvPr>
-          <p:cNvSpPr txBox="1">
-            <a:spLocks/>
-          </p:cNvSpPr>
-          <p:nvPr/>
-        </p:nvSpPr>
-        <p:spPr>
-          <a:xfrm>
-            <a:off x="487767" y="118875"/>
-            <a:ext cx="11204324" cy="914400"/>
-          </a:xfrm>
-          <a:prstGeom prst="rect">
-            <a:avLst/>
-          </a:prstGeom>
-        </p:spPr>
-        <p:txBody>
-          <a:bodyPr lIns="0" tIns="0" rIns="0" bIns="0" anchor="ctr" anchorCtr="0">
-            <a:noAutofit/>
-          </a:bodyPr>
-          <a:lstStyle>
-            <a:lvl1pPr algn="l" defTabSz="609265" rtl="0" eaLnBrk="1" latinLnBrk="0" hangingPunct="1">
-              <a:lnSpc>
-                <a:spcPct val="85000"/>
-              </a:lnSpc>
-              <a:spcBef>
-                <a:spcPct val="0"/>
-              </a:spcBef>
-              <a:buNone/>
-              <a:defRPr sz="2665" b="1" kern="1200" spc="-120" baseline="0">
-                <a:solidFill>
-                  <a:schemeClr val="bg1"/>
-                </a:solidFill>
-                <a:latin typeface="+mj-lt"/>
-                <a:ea typeface="+mj-ea"/>
-                <a:cs typeface="+mj-cs"/>
-              </a:defRPr>
-            </a:lvl1pPr>
-          </a:lstStyle>
-          <a:p>
-            <a:pPr marL="0" marR="0" lvl="0" indent="0" algn="l" defTabSz="609265" rtl="0" eaLnBrk="1" fontAlgn="auto" latinLnBrk="0" hangingPunct="1">
-              <a:lnSpc>
-                <a:spcPct val="85000"/>
-              </a:lnSpc>
-              <a:spcBef>
-                <a:spcPct val="0"/>
-              </a:spcBef>
-              <a:spcAft>
-                <a:spcPts val="0"/>
-              </a:spcAft>
-              <a:buClrTx/>
-              <a:buSzTx/>
-              <a:buFontTx/>
-              <a:buNone/>
-              <a:tabLst/>
-              <a:defRPr/>
-            </a:pPr>
-            <a:r>
-              <a:rPr kumimoji="0" lang="en-GB" sz="2665" b="1" i="0" u="none" strike="noStrike" kern="1200" cap="none" spc="-120" normalizeH="0" baseline="0" noProof="0">
-                <a:ln>
-                  <a:noFill/>
-                </a:ln>
-                <a:solidFill>
-                  <a:srgbClr val="EB3300"/>
-                </a:solidFill>
-                <a:effectLst/>
-                <a:uLnTx/>
-                <a:uFillTx/>
-                <a:latin typeface="Arial"/>
-                <a:ea typeface="+mj-ea"/>
-                <a:cs typeface="+mj-cs"/>
-              </a:rPr>
-              <a:t>Stage_name</a:t>
-            </a:r>
-            <a:endParaRPr kumimoji="0" lang="en-GB" sz="2665" b="1" i="0" u="none" strike="noStrike" kern="1200" cap="none" spc="-120" normalizeH="0" baseline="0" noProof="0" dirty="0">
-              <a:ln>
-                <a:noFill/>
-              </a:ln>
-              <a:solidFill>
-                <a:srgbClr val="63666A"/>
-              </a:solidFill>
-              <a:effectLst/>
-              <a:highlight>
-                <a:srgbClr val="FFFF00"/>
-              </a:highlight>
-              <a:uLnTx/>
-              <a:uFillTx/>
-              <a:latin typeface="Arial"/>
-              <a:ea typeface="+mj-ea"/>
-              <a:cs typeface="+mj-cs"/>
-            </a:endParaRPr>
-          </a:p>
-        </p:txBody>
-      </p:sp>
-      <p:sp>
-        <p:nvSpPr>
-          <p:cNvPr id="10" name="Rectangle 9">
-            <a:extLst>
-              <a:ext uri="{FF2B5EF4-FFF2-40B4-BE49-F238E27FC236}">
-                <a16:creationId xmlns:a16="http://schemas.microsoft.com/office/drawing/2014/main" id="{A0FA270B-C971-EF53-6C4C-B54677EC7B09}"/>
-              </a:ext>
-            </a:extLst>
-          </p:cNvPr>
-          <p:cNvSpPr/>
-          <p:nvPr/>
-        </p:nvSpPr>
-        <p:spPr>
-          <a:xfrm>
-            <a:off x="8441473" y="858644"/>
-            <a:ext cx="3238906" cy="1828800"/>
-          </a:xfrm>
-          <a:prstGeom prst="rect">
-            <a:avLst/>
-          </a:prstGeom>
-          <a:noFill/>
-          <a:ln>
-            <a:solidFill>
-              <a:schemeClr val="bg2"/>
-            </a:solidFill>
-          </a:ln>
-          <a:effectLst/>
-        </p:spPr>
-        <p:style>
-          <a:lnRef idx="1">
-            <a:schemeClr val="accent1"/>
-          </a:lnRef>
-          <a:fillRef idx="3">
-            <a:schemeClr val="accent1"/>
-          </a:fillRef>
-          <a:effectRef idx="2">
-            <a:schemeClr val="accent1"/>
-          </a:effectRef>
-          <a:fontRef idx="minor">
-            <a:schemeClr val="lt1"/>
-          </a:fontRef>
-        </p:style>
-        <p:txBody>
-          <a:bodyPr lIns="0" tIns="0" rIns="0" bIns="0" rtlCol="0" anchor="ctr">
-            <a:normAutofit/>
-          </a:bodyPr>
-          <a:lstStyle/>
-          <a:p>
-            <a:pPr algn="ctr"/>
-            <a:endParaRPr lang="en-GB" dirty="0" err="1">
-              <a:solidFill>
-                <a:schemeClr val="tx2"/>
-              </a:solidFill>
-            </a:endParaRPr>
-          </a:p>
-        </p:txBody>
-      </p:sp>
-      <p:sp>
-        <p:nvSpPr>
-          <p:cNvPr id="12" name="TextBox 11">
-            <a:extLst>
-              <a:ext uri="{FF2B5EF4-FFF2-40B4-BE49-F238E27FC236}">
-                <a16:creationId xmlns:a16="http://schemas.microsoft.com/office/drawing/2014/main" id="{352F6627-1E23-4EBA-E680-28D3051E282E}"/>
-              </a:ext>
-            </a:extLst>
-          </p:cNvPr>
-          <p:cNvSpPr txBox="1"/>
-          <p:nvPr/>
-        </p:nvSpPr>
-        <p:spPr>
-          <a:xfrm>
-            <a:off x="1048871" y="3041982"/>
-            <a:ext cx="10112187" cy="369332"/>
-          </a:xfrm>
-          <a:prstGeom prst="rect">
-            <a:avLst/>
-          </a:prstGeom>
-          <a:noFill/>
-        </p:spPr>
-        <p:txBody>
-          <a:bodyPr wrap="square" rtlCol="0">
-            <a:spAutoFit/>
-          </a:bodyPr>
-          <a:lstStyle/>
-          <a:p>
-            <a:pPr algn="ctr"/>
-            <a:r>
-              <a:rPr lang="en-GB" sz="1800" b="1" i="1" dirty="0" err="1">
-                <a:solidFill>
-                  <a:srgbClr val="EB3300"/>
-                </a:solidFill>
-                <a:latin typeface="Calibri" panose="020F0502020204030204" pitchFamily="34" charset="0"/>
-                <a:ea typeface="Times New Roman" panose="02020603050405020304" pitchFamily="18" charset="0"/>
-                <a:cs typeface="Calibri" panose="020F0502020204030204" pitchFamily="34" charset="0"/>
-              </a:rPr>
-              <a:t>Short_quote</a:t>
-            </a:r>
-            <a:endParaRPr lang="en-GB" sz="1800" b="1" i="1" dirty="0">
-              <a:solidFill>
-                <a:srgbClr val="EB3300"/>
-              </a:solidFill>
-              <a:latin typeface="Calibri" panose="020F0502020204030204" pitchFamily="34" charset="0"/>
-              <a:cs typeface="Calibri" panose="020F0502020204030204" pitchFamily="34" charset="0"/>
-            </a:endParaRPr>
-          </a:p>
-        </p:txBody>
-      </p:sp>
-    </p:spTree>
-    <p:extLst>
-      <p:ext uri="{BB962C8B-B14F-4D97-AF65-F5344CB8AC3E}">
-        <p14:creationId xmlns:p14="http://schemas.microsoft.com/office/powerpoint/2010/main" val="2791176710"/>
-      </p:ext>
-    </p:extLst>
-  </p:cSld>
-  <p:clrMapOvr>
-    <a:masterClrMapping/>
-  </p:clrMapOvr>
-</p:sld>
-</file>
-
 <file path=ppt/theme/theme1.xml><?xml version="1.0" encoding="utf-8"?>
 <a:theme xmlns:a="http://schemas.openxmlformats.org/drawingml/2006/main" name="1_Syneos_PPT-16x9_01">
   <a:themeElements>

--- a/Journey_template.pptx
+++ b/Journey_template.pptx
@@ -191,7 +191,7 @@
 <file path=ppt/revisionInfo.xml><?xml version="1.0" encoding="utf-8"?>
 <p1510:revInfo xmlns:a="http://schemas.openxmlformats.org/drawingml/2006/main" xmlns:r="http://schemas.openxmlformats.org/officeDocument/2006/relationships" xmlns:p1510="http://schemas.microsoft.com/office/powerpoint/2015/10/main">
   <p1510:revLst>
-    <p1510:client id="{846C3E24-5A9E-3744-9959-40C2AD777FAA}" v="12" dt="2024-08-26T06:04:12.252"/>
+    <p1510:client id="{846C3E24-5A9E-3744-9959-40C2AD777FAA}" v="17" dt="2024-08-26T06:58:33.997"/>
   </p1510:revLst>
 </p1510:revInfo>
 </file>
@@ -201,7 +201,7 @@
   <pc:docChgLst>
     <pc:chgData name="Arbour, Duncan" userId="f8c76c83-f09a-4702-8a60-e00215c8b89f" providerId="ADAL" clId="{846C3E24-5A9E-3744-9959-40C2AD777FAA}"/>
     <pc:docChg chg="custSel addSld delSld modSld addMainMaster modMainMaster">
-      <pc:chgData name="Arbour, Duncan" userId="f8c76c83-f09a-4702-8a60-e00215c8b89f" providerId="ADAL" clId="{846C3E24-5A9E-3744-9959-40C2AD777FAA}" dt="2024-08-26T06:52:57.202" v="263" actId="2696"/>
+      <pc:chgData name="Arbour, Duncan" userId="f8c76c83-f09a-4702-8a60-e00215c8b89f" providerId="ADAL" clId="{846C3E24-5A9E-3744-9959-40C2AD777FAA}" dt="2024-08-26T07:01:11.332" v="320" actId="2890"/>
       <pc:docMkLst>
         <pc:docMk/>
       </pc:docMkLst>
@@ -264,11 +264,19 @@
         </pc:sldMkLst>
       </pc:sldChg>
       <pc:sldChg chg="addSp delSp modSp new mod modClrScheme chgLayout modNotesTx">
-        <pc:chgData name="Arbour, Duncan" userId="f8c76c83-f09a-4702-8a60-e00215c8b89f" providerId="ADAL" clId="{846C3E24-5A9E-3744-9959-40C2AD777FAA}" dt="2024-08-26T06:05:27.899" v="257" actId="20577"/>
+        <pc:chgData name="Arbour, Duncan" userId="f8c76c83-f09a-4702-8a60-e00215c8b89f" providerId="ADAL" clId="{846C3E24-5A9E-3744-9959-40C2AD777FAA}" dt="2024-08-26T07:01:02.664" v="316" actId="20577"/>
         <pc:sldMkLst>
           <pc:docMk/>
           <pc:sldMk cId="4009545171" sldId="2124817332"/>
         </pc:sldMkLst>
+        <pc:spChg chg="add mod">
+          <ac:chgData name="Arbour, Duncan" userId="f8c76c83-f09a-4702-8a60-e00215c8b89f" providerId="ADAL" clId="{846C3E24-5A9E-3744-9959-40C2AD777FAA}" dt="2024-08-26T06:56:48.804" v="278" actId="207"/>
+          <ac:spMkLst>
+            <pc:docMk/>
+            <pc:sldMk cId="4009545171" sldId="2124817332"/>
+            <ac:spMk id="2" creationId="{37FDBB6B-780B-5190-2B01-826E537D5FE2}"/>
+          </ac:spMkLst>
+        </pc:spChg>
         <pc:spChg chg="del">
           <ac:chgData name="Arbour, Duncan" userId="f8c76c83-f09a-4702-8a60-e00215c8b89f" providerId="ADAL" clId="{846C3E24-5A9E-3744-9959-40C2AD777FAA}" dt="2024-08-26T05:55:29.091" v="49" actId="700"/>
           <ac:spMkLst>
@@ -285,12 +293,36 @@
             <ac:spMk id="3" creationId="{78080EC2-EB38-9268-BD78-431EF5147FDD}"/>
           </ac:spMkLst>
         </pc:spChg>
+        <pc:spChg chg="add mod">
+          <ac:chgData name="Arbour, Duncan" userId="f8c76c83-f09a-4702-8a60-e00215c8b89f" providerId="ADAL" clId="{846C3E24-5A9E-3744-9959-40C2AD777FAA}" dt="2024-08-26T06:57:26.090" v="297" actId="20577"/>
+          <ac:spMkLst>
+            <pc:docMk/>
+            <pc:sldMk cId="4009545171" sldId="2124817332"/>
+            <ac:spMk id="3" creationId="{B92B9623-38BC-2F26-EB53-45F63398F9FC}"/>
+          </ac:spMkLst>
+        </pc:spChg>
         <pc:spChg chg="add del mod ord">
           <ac:chgData name="Arbour, Duncan" userId="f8c76c83-f09a-4702-8a60-e00215c8b89f" providerId="ADAL" clId="{846C3E24-5A9E-3744-9959-40C2AD777FAA}" dt="2024-08-26T05:55:53.017" v="50" actId="700"/>
           <ac:spMkLst>
             <pc:docMk/>
             <pc:sldMk cId="4009545171" sldId="2124817332"/>
             <ac:spMk id="4" creationId="{2B401C5A-DDAE-B9D5-D06C-00F35895D5D7}"/>
+          </ac:spMkLst>
+        </pc:spChg>
+        <pc:spChg chg="add del mod">
+          <ac:chgData name="Arbour, Duncan" userId="f8c76c83-f09a-4702-8a60-e00215c8b89f" providerId="ADAL" clId="{846C3E24-5A9E-3744-9959-40C2AD777FAA}" dt="2024-08-26T06:57:34.443" v="299" actId="478"/>
+          <ac:spMkLst>
+            <pc:docMk/>
+            <pc:sldMk cId="4009545171" sldId="2124817332"/>
+            <ac:spMk id="4" creationId="{75E4C9F2-8FFC-514A-8FBA-1DB765E2F7F6}"/>
+          </ac:spMkLst>
+        </pc:spChg>
+        <pc:spChg chg="add mod">
+          <ac:chgData name="Arbour, Duncan" userId="f8c76c83-f09a-4702-8a60-e00215c8b89f" providerId="ADAL" clId="{846C3E24-5A9E-3744-9959-40C2AD777FAA}" dt="2024-08-26T06:57:51.120" v="308" actId="20577"/>
+          <ac:spMkLst>
+            <pc:docMk/>
+            <pc:sldMk cId="4009545171" sldId="2124817332"/>
+            <ac:spMk id="5" creationId="{067DF1C6-91DC-77C7-43AD-D671E0B86C35}"/>
           </ac:spMkLst>
         </pc:spChg>
         <pc:spChg chg="add del mod ord">
@@ -307,6 +339,14 @@
             <pc:docMk/>
             <pc:sldMk cId="4009545171" sldId="2124817332"/>
             <ac:spMk id="6" creationId="{069A48B3-B132-E6C1-C749-6B9343A517A9}"/>
+          </ac:spMkLst>
+        </pc:spChg>
+        <pc:spChg chg="add mod">
+          <ac:chgData name="Arbour, Duncan" userId="f8c76c83-f09a-4702-8a60-e00215c8b89f" providerId="ADAL" clId="{846C3E24-5A9E-3744-9959-40C2AD777FAA}" dt="2024-08-26T06:58:42.542" v="315" actId="20577"/>
+          <ac:spMkLst>
+            <pc:docMk/>
+            <pc:sldMk cId="4009545171" sldId="2124817332"/>
+            <ac:spMk id="6" creationId="{391BAAFD-FBA1-A72F-ACD1-C891F9BFB7D8}"/>
           </ac:spMkLst>
         </pc:spChg>
         <pc:spChg chg="add del mod ord">
@@ -359,31 +399,59 @@
         </pc:spChg>
       </pc:sldChg>
       <pc:sldChg chg="add">
-        <pc:chgData name="Arbour, Duncan" userId="f8c76c83-f09a-4702-8a60-e00215c8b89f" providerId="ADAL" clId="{846C3E24-5A9E-3744-9959-40C2AD777FAA}" dt="2024-08-26T06:05:34.415" v="258" actId="2890"/>
+        <pc:chgData name="Arbour, Duncan" userId="f8c76c83-f09a-4702-8a60-e00215c8b89f" providerId="ADAL" clId="{846C3E24-5A9E-3744-9959-40C2AD777FAA}" dt="2024-08-26T07:01:09.449" v="317" actId="2890"/>
+        <pc:sldMkLst>
+          <pc:docMk/>
+          <pc:sldMk cId="1560654069" sldId="2124817333"/>
+        </pc:sldMkLst>
+      </pc:sldChg>
+      <pc:sldChg chg="add del">
+        <pc:chgData name="Arbour, Duncan" userId="f8c76c83-f09a-4702-8a60-e00215c8b89f" providerId="ADAL" clId="{846C3E24-5A9E-3744-9959-40C2AD777FAA}" dt="2024-08-26T06:56:26.101" v="271" actId="2696"/>
         <pc:sldMkLst>
           <pc:docMk/>
           <pc:sldMk cId="1832708570" sldId="2124817333"/>
         </pc:sldMkLst>
       </pc:sldChg>
-      <pc:sldChg chg="add">
-        <pc:chgData name="Arbour, Duncan" userId="f8c76c83-f09a-4702-8a60-e00215c8b89f" providerId="ADAL" clId="{846C3E24-5A9E-3744-9959-40C2AD777FAA}" dt="2024-08-26T06:05:35.747" v="259" actId="2890"/>
+      <pc:sldChg chg="add del">
+        <pc:chgData name="Arbour, Duncan" userId="f8c76c83-f09a-4702-8a60-e00215c8b89f" providerId="ADAL" clId="{846C3E24-5A9E-3744-9959-40C2AD777FAA}" dt="2024-08-26T06:56:26.117" v="273" actId="2696"/>
         <pc:sldMkLst>
           <pc:docMk/>
           <pc:sldMk cId="1005105253" sldId="2124817334"/>
         </pc:sldMkLst>
       </pc:sldChg>
       <pc:sldChg chg="add">
-        <pc:chgData name="Arbour, Duncan" userId="f8c76c83-f09a-4702-8a60-e00215c8b89f" providerId="ADAL" clId="{846C3E24-5A9E-3744-9959-40C2AD777FAA}" dt="2024-08-26T06:05:36.359" v="260" actId="2890"/>
+        <pc:chgData name="Arbour, Duncan" userId="f8c76c83-f09a-4702-8a60-e00215c8b89f" providerId="ADAL" clId="{846C3E24-5A9E-3744-9959-40C2AD777FAA}" dt="2024-08-26T07:01:10.223" v="318" actId="2890"/>
+        <pc:sldMkLst>
+          <pc:docMk/>
+          <pc:sldMk cId="1404980038" sldId="2124817334"/>
+        </pc:sldMkLst>
+      </pc:sldChg>
+      <pc:sldChg chg="add">
+        <pc:chgData name="Arbour, Duncan" userId="f8c76c83-f09a-4702-8a60-e00215c8b89f" providerId="ADAL" clId="{846C3E24-5A9E-3744-9959-40C2AD777FAA}" dt="2024-08-26T07:01:10.818" v="319" actId="2890"/>
+        <pc:sldMkLst>
+          <pc:docMk/>
+          <pc:sldMk cId="1649043317" sldId="2124817335"/>
+        </pc:sldMkLst>
+      </pc:sldChg>
+      <pc:sldChg chg="add del">
+        <pc:chgData name="Arbour, Duncan" userId="f8c76c83-f09a-4702-8a60-e00215c8b89f" providerId="ADAL" clId="{846C3E24-5A9E-3744-9959-40C2AD777FAA}" dt="2024-08-26T06:56:26.103" v="272" actId="2696"/>
         <pc:sldMkLst>
           <pc:docMk/>
           <pc:sldMk cId="2237579686" sldId="2124817335"/>
         </pc:sldMkLst>
       </pc:sldChg>
-      <pc:sldChg chg="add">
-        <pc:chgData name="Arbour, Duncan" userId="f8c76c83-f09a-4702-8a60-e00215c8b89f" providerId="ADAL" clId="{846C3E24-5A9E-3744-9959-40C2AD777FAA}" dt="2024-08-26T06:05:36.978" v="261" actId="2890"/>
+      <pc:sldChg chg="add del">
+        <pc:chgData name="Arbour, Duncan" userId="f8c76c83-f09a-4702-8a60-e00215c8b89f" providerId="ADAL" clId="{846C3E24-5A9E-3744-9959-40C2AD777FAA}" dt="2024-08-26T06:56:26.133" v="274" actId="2696"/>
         <pc:sldMkLst>
           <pc:docMk/>
           <pc:sldMk cId="152920915" sldId="2124817336"/>
+        </pc:sldMkLst>
+      </pc:sldChg>
+      <pc:sldChg chg="add">
+        <pc:chgData name="Arbour, Duncan" userId="f8c76c83-f09a-4702-8a60-e00215c8b89f" providerId="ADAL" clId="{846C3E24-5A9E-3744-9959-40C2AD777FAA}" dt="2024-08-26T07:01:11.332" v="320" actId="2890"/>
+        <pc:sldMkLst>
+          <pc:docMk/>
+          <pc:sldMk cId="534408419" sldId="2124817336"/>
         </pc:sldMkLst>
       </pc:sldChg>
       <pc:sldChg chg="add del">
@@ -1201,7 +1269,7 @@
     </p:spTree>
     <p:extLst>
       <p:ext uri="{BB962C8B-B14F-4D97-AF65-F5344CB8AC3E}">
-        <p14:creationId xmlns:p14="http://schemas.microsoft.com/office/powerpoint/2010/main" val="2948772956"/>
+        <p14:creationId xmlns:p14="http://schemas.microsoft.com/office/powerpoint/2010/main" val="1250433581"/>
       </p:ext>
     </p:extLst>
   </p:cSld>
@@ -1285,7 +1353,7 @@
     </p:spTree>
     <p:extLst>
       <p:ext uri="{BB962C8B-B14F-4D97-AF65-F5344CB8AC3E}">
-        <p14:creationId xmlns:p14="http://schemas.microsoft.com/office/powerpoint/2010/main" val="27835871"/>
+        <p14:creationId xmlns:p14="http://schemas.microsoft.com/office/powerpoint/2010/main" val="1843686804"/>
       </p:ext>
     </p:extLst>
   </p:cSld>
@@ -1369,7 +1437,7 @@
     </p:spTree>
     <p:extLst>
       <p:ext uri="{BB962C8B-B14F-4D97-AF65-F5344CB8AC3E}">
-        <p14:creationId xmlns:p14="http://schemas.microsoft.com/office/powerpoint/2010/main" val="3921730212"/>
+        <p14:creationId xmlns:p14="http://schemas.microsoft.com/office/powerpoint/2010/main" val="517378551"/>
       </p:ext>
     </p:extLst>
   </p:cSld>
@@ -1453,7 +1521,7 @@
     </p:spTree>
     <p:extLst>
       <p:ext uri="{BB962C8B-B14F-4D97-AF65-F5344CB8AC3E}">
-        <p14:creationId xmlns:p14="http://schemas.microsoft.com/office/powerpoint/2010/main" val="642779349"/>
+        <p14:creationId xmlns:p14="http://schemas.microsoft.com/office/powerpoint/2010/main" val="649322400"/>
       </p:ext>
     </p:extLst>
   </p:cSld>
@@ -3056,6 +3124,222 @@
           </a:p>
         </p:txBody>
       </p:sp>
+      <p:sp>
+        <p:nvSpPr>
+          <p:cNvPr id="2" name="TextBox 1">
+            <a:extLst>
+              <a:ext uri="{FF2B5EF4-FFF2-40B4-BE49-F238E27FC236}">
+                <a16:creationId xmlns:a16="http://schemas.microsoft.com/office/drawing/2014/main" id="{37FDBB6B-780B-5190-2B01-826E537D5FE2}"/>
+              </a:ext>
+            </a:extLst>
+          </p:cNvPr>
+          <p:cNvSpPr txBox="1"/>
+          <p:nvPr/>
+        </p:nvSpPr>
+        <p:spPr>
+          <a:xfrm>
+            <a:off x="487767" y="1033275"/>
+            <a:ext cx="7837367" cy="307777"/>
+          </a:xfrm>
+          <a:prstGeom prst="rect">
+            <a:avLst/>
+          </a:prstGeom>
+          <a:noFill/>
+        </p:spPr>
+        <p:txBody>
+          <a:bodyPr wrap="square" rtlCol="0">
+            <a:spAutoFit/>
+          </a:bodyPr>
+          <a:lstStyle/>
+          <a:p>
+            <a:r>
+              <a:rPr lang="en-GB" sz="1400" dirty="0" err="1">
+                <a:solidFill>
+                  <a:schemeClr val="tx1">
+                    <a:lumMod val="65000"/>
+                    <a:lumOff val="35000"/>
+                  </a:schemeClr>
+                </a:solidFill>
+                <a:latin typeface="Calibri" panose="020F0502020204030204" pitchFamily="34" charset="0"/>
+                <a:cs typeface="Calibri" panose="020F0502020204030204" pitchFamily="34" charset="0"/>
+              </a:rPr>
+              <a:t>dsdsds</a:t>
+            </a:r>
+            <a:endParaRPr lang="en-GB" sz="1400" dirty="0">
+              <a:solidFill>
+                <a:schemeClr val="tx1">
+                  <a:lumMod val="65000"/>
+                  <a:lumOff val="35000"/>
+                </a:schemeClr>
+              </a:solidFill>
+              <a:latin typeface="Calibri" panose="020F0502020204030204" pitchFamily="34" charset="0"/>
+              <a:cs typeface="Calibri" panose="020F0502020204030204" pitchFamily="34" charset="0"/>
+            </a:endParaRPr>
+          </a:p>
+        </p:txBody>
+      </p:sp>
+      <p:sp>
+        <p:nvSpPr>
+          <p:cNvPr id="3" name="TextBox 2">
+            <a:extLst>
+              <a:ext uri="{FF2B5EF4-FFF2-40B4-BE49-F238E27FC236}">
+                <a16:creationId xmlns:a16="http://schemas.microsoft.com/office/drawing/2014/main" id="{B92B9623-38BC-2F26-EB53-45F63398F9FC}"/>
+              </a:ext>
+            </a:extLst>
+          </p:cNvPr>
+          <p:cNvSpPr txBox="1"/>
+          <p:nvPr/>
+        </p:nvSpPr>
+        <p:spPr>
+          <a:xfrm>
+            <a:off x="487768" y="4095130"/>
+            <a:ext cx="3405360" cy="307777"/>
+          </a:xfrm>
+          <a:prstGeom prst="rect">
+            <a:avLst/>
+          </a:prstGeom>
+          <a:noFill/>
+        </p:spPr>
+        <p:txBody>
+          <a:bodyPr wrap="square" rtlCol="0">
+            <a:spAutoFit/>
+          </a:bodyPr>
+          <a:lstStyle/>
+          <a:p>
+            <a:r>
+              <a:rPr lang="en-GB" sz="1400" dirty="0" err="1">
+                <a:solidFill>
+                  <a:schemeClr val="tx1">
+                    <a:lumMod val="65000"/>
+                    <a:lumOff val="35000"/>
+                  </a:schemeClr>
+                </a:solidFill>
+                <a:latin typeface="Calibri" panose="020F0502020204030204" pitchFamily="34" charset="0"/>
+                <a:cs typeface="Calibri" panose="020F0502020204030204" pitchFamily="34" charset="0"/>
+              </a:rPr>
+              <a:t>Thinking_bullets</a:t>
+            </a:r>
+            <a:endParaRPr lang="en-GB" sz="1400" dirty="0">
+              <a:solidFill>
+                <a:schemeClr val="tx1">
+                  <a:lumMod val="65000"/>
+                  <a:lumOff val="35000"/>
+                </a:schemeClr>
+              </a:solidFill>
+              <a:latin typeface="Calibri" panose="020F0502020204030204" pitchFamily="34" charset="0"/>
+              <a:cs typeface="Calibri" panose="020F0502020204030204" pitchFamily="34" charset="0"/>
+            </a:endParaRPr>
+          </a:p>
+        </p:txBody>
+      </p:sp>
+      <p:sp>
+        <p:nvSpPr>
+          <p:cNvPr id="5" name="TextBox 4">
+            <a:extLst>
+              <a:ext uri="{FF2B5EF4-FFF2-40B4-BE49-F238E27FC236}">
+                <a16:creationId xmlns:a16="http://schemas.microsoft.com/office/drawing/2014/main" id="{067DF1C6-91DC-77C7-43AD-D671E0B86C35}"/>
+              </a:ext>
+            </a:extLst>
+          </p:cNvPr>
+          <p:cNvSpPr txBox="1"/>
+          <p:nvPr/>
+        </p:nvSpPr>
+        <p:spPr>
+          <a:xfrm>
+            <a:off x="4387249" y="4092292"/>
+            <a:ext cx="3405360" cy="307777"/>
+          </a:xfrm>
+          <a:prstGeom prst="rect">
+            <a:avLst/>
+          </a:prstGeom>
+          <a:noFill/>
+        </p:spPr>
+        <p:txBody>
+          <a:bodyPr wrap="square" rtlCol="0">
+            <a:spAutoFit/>
+          </a:bodyPr>
+          <a:lstStyle/>
+          <a:p>
+            <a:r>
+              <a:rPr lang="en-GB" sz="1400" dirty="0" err="1">
+                <a:solidFill>
+                  <a:schemeClr val="tx1">
+                    <a:lumMod val="65000"/>
+                    <a:lumOff val="35000"/>
+                  </a:schemeClr>
+                </a:solidFill>
+                <a:latin typeface="Calibri" panose="020F0502020204030204" pitchFamily="34" charset="0"/>
+                <a:cs typeface="Calibri" panose="020F0502020204030204" pitchFamily="34" charset="0"/>
+              </a:rPr>
+              <a:t>Feeling_bullets</a:t>
+            </a:r>
+            <a:endParaRPr lang="en-GB" sz="1400" dirty="0">
+              <a:solidFill>
+                <a:schemeClr val="tx1">
+                  <a:lumMod val="65000"/>
+                  <a:lumOff val="35000"/>
+                </a:schemeClr>
+              </a:solidFill>
+              <a:latin typeface="Calibri" panose="020F0502020204030204" pitchFamily="34" charset="0"/>
+              <a:cs typeface="Calibri" panose="020F0502020204030204" pitchFamily="34" charset="0"/>
+            </a:endParaRPr>
+          </a:p>
+        </p:txBody>
+      </p:sp>
+      <p:sp>
+        <p:nvSpPr>
+          <p:cNvPr id="6" name="TextBox 5">
+            <a:extLst>
+              <a:ext uri="{FF2B5EF4-FFF2-40B4-BE49-F238E27FC236}">
+                <a16:creationId xmlns:a16="http://schemas.microsoft.com/office/drawing/2014/main" id="{391BAAFD-FBA1-A72F-ACD1-C891F9BFB7D8}"/>
+              </a:ext>
+            </a:extLst>
+          </p:cNvPr>
+          <p:cNvSpPr txBox="1"/>
+          <p:nvPr/>
+        </p:nvSpPr>
+        <p:spPr>
+          <a:xfrm>
+            <a:off x="8275019" y="4092292"/>
+            <a:ext cx="3405360" cy="307777"/>
+          </a:xfrm>
+          <a:prstGeom prst="rect">
+            <a:avLst/>
+          </a:prstGeom>
+          <a:noFill/>
+        </p:spPr>
+        <p:txBody>
+          <a:bodyPr wrap="square" rtlCol="0">
+            <a:spAutoFit/>
+          </a:bodyPr>
+          <a:lstStyle/>
+          <a:p>
+            <a:r>
+              <a:rPr lang="en-GB" sz="1400" dirty="0" err="1">
+                <a:solidFill>
+                  <a:schemeClr val="tx1">
+                    <a:lumMod val="65000"/>
+                    <a:lumOff val="35000"/>
+                  </a:schemeClr>
+                </a:solidFill>
+                <a:latin typeface="Calibri" panose="020F0502020204030204" pitchFamily="34" charset="0"/>
+                <a:cs typeface="Calibri" panose="020F0502020204030204" pitchFamily="34" charset="0"/>
+              </a:rPr>
+              <a:t>Doing_bullets</a:t>
+            </a:r>
+            <a:endParaRPr lang="en-GB" sz="1400" dirty="0">
+              <a:solidFill>
+                <a:schemeClr val="tx1">
+                  <a:lumMod val="65000"/>
+                  <a:lumOff val="35000"/>
+                </a:schemeClr>
+              </a:solidFill>
+              <a:latin typeface="Calibri" panose="020F0502020204030204" pitchFamily="34" charset="0"/>
+              <a:cs typeface="Calibri" panose="020F0502020204030204" pitchFamily="34" charset="0"/>
+            </a:endParaRPr>
+          </a:p>
+        </p:txBody>
+      </p:sp>
     </p:spTree>
     <p:extLst>
       <p:ext uri="{BB962C8B-B14F-4D97-AF65-F5344CB8AC3E}">
@@ -3294,10 +3578,226 @@
           </a:p>
         </p:txBody>
       </p:sp>
+      <p:sp>
+        <p:nvSpPr>
+          <p:cNvPr id="2" name="TextBox 1">
+            <a:extLst>
+              <a:ext uri="{FF2B5EF4-FFF2-40B4-BE49-F238E27FC236}">
+                <a16:creationId xmlns:a16="http://schemas.microsoft.com/office/drawing/2014/main" id="{37FDBB6B-780B-5190-2B01-826E537D5FE2}"/>
+              </a:ext>
+            </a:extLst>
+          </p:cNvPr>
+          <p:cNvSpPr txBox="1"/>
+          <p:nvPr/>
+        </p:nvSpPr>
+        <p:spPr>
+          <a:xfrm>
+            <a:off x="487767" y="1033275"/>
+            <a:ext cx="7837367" cy="307777"/>
+          </a:xfrm>
+          <a:prstGeom prst="rect">
+            <a:avLst/>
+          </a:prstGeom>
+          <a:noFill/>
+        </p:spPr>
+        <p:txBody>
+          <a:bodyPr wrap="square" rtlCol="0">
+            <a:spAutoFit/>
+          </a:bodyPr>
+          <a:lstStyle/>
+          <a:p>
+            <a:r>
+              <a:rPr lang="en-GB" sz="1400" dirty="0" err="1">
+                <a:solidFill>
+                  <a:schemeClr val="tx1">
+                    <a:lumMod val="65000"/>
+                    <a:lumOff val="35000"/>
+                  </a:schemeClr>
+                </a:solidFill>
+                <a:latin typeface="Calibri" panose="020F0502020204030204" pitchFamily="34" charset="0"/>
+                <a:cs typeface="Calibri" panose="020F0502020204030204" pitchFamily="34" charset="0"/>
+              </a:rPr>
+              <a:t>dsdsds</a:t>
+            </a:r>
+            <a:endParaRPr lang="en-GB" sz="1400" dirty="0">
+              <a:solidFill>
+                <a:schemeClr val="tx1">
+                  <a:lumMod val="65000"/>
+                  <a:lumOff val="35000"/>
+                </a:schemeClr>
+              </a:solidFill>
+              <a:latin typeface="Calibri" panose="020F0502020204030204" pitchFamily="34" charset="0"/>
+              <a:cs typeface="Calibri" panose="020F0502020204030204" pitchFamily="34" charset="0"/>
+            </a:endParaRPr>
+          </a:p>
+        </p:txBody>
+      </p:sp>
+      <p:sp>
+        <p:nvSpPr>
+          <p:cNvPr id="3" name="TextBox 2">
+            <a:extLst>
+              <a:ext uri="{FF2B5EF4-FFF2-40B4-BE49-F238E27FC236}">
+                <a16:creationId xmlns:a16="http://schemas.microsoft.com/office/drawing/2014/main" id="{B92B9623-38BC-2F26-EB53-45F63398F9FC}"/>
+              </a:ext>
+            </a:extLst>
+          </p:cNvPr>
+          <p:cNvSpPr txBox="1"/>
+          <p:nvPr/>
+        </p:nvSpPr>
+        <p:spPr>
+          <a:xfrm>
+            <a:off x="487768" y="4095130"/>
+            <a:ext cx="3405360" cy="307777"/>
+          </a:xfrm>
+          <a:prstGeom prst="rect">
+            <a:avLst/>
+          </a:prstGeom>
+          <a:noFill/>
+        </p:spPr>
+        <p:txBody>
+          <a:bodyPr wrap="square" rtlCol="0">
+            <a:spAutoFit/>
+          </a:bodyPr>
+          <a:lstStyle/>
+          <a:p>
+            <a:r>
+              <a:rPr lang="en-GB" sz="1400" dirty="0" err="1">
+                <a:solidFill>
+                  <a:schemeClr val="tx1">
+                    <a:lumMod val="65000"/>
+                    <a:lumOff val="35000"/>
+                  </a:schemeClr>
+                </a:solidFill>
+                <a:latin typeface="Calibri" panose="020F0502020204030204" pitchFamily="34" charset="0"/>
+                <a:cs typeface="Calibri" panose="020F0502020204030204" pitchFamily="34" charset="0"/>
+              </a:rPr>
+              <a:t>Thinking_bullets</a:t>
+            </a:r>
+            <a:endParaRPr lang="en-GB" sz="1400" dirty="0">
+              <a:solidFill>
+                <a:schemeClr val="tx1">
+                  <a:lumMod val="65000"/>
+                  <a:lumOff val="35000"/>
+                </a:schemeClr>
+              </a:solidFill>
+              <a:latin typeface="Calibri" panose="020F0502020204030204" pitchFamily="34" charset="0"/>
+              <a:cs typeface="Calibri" panose="020F0502020204030204" pitchFamily="34" charset="0"/>
+            </a:endParaRPr>
+          </a:p>
+        </p:txBody>
+      </p:sp>
+      <p:sp>
+        <p:nvSpPr>
+          <p:cNvPr id="5" name="TextBox 4">
+            <a:extLst>
+              <a:ext uri="{FF2B5EF4-FFF2-40B4-BE49-F238E27FC236}">
+                <a16:creationId xmlns:a16="http://schemas.microsoft.com/office/drawing/2014/main" id="{067DF1C6-91DC-77C7-43AD-D671E0B86C35}"/>
+              </a:ext>
+            </a:extLst>
+          </p:cNvPr>
+          <p:cNvSpPr txBox="1"/>
+          <p:nvPr/>
+        </p:nvSpPr>
+        <p:spPr>
+          <a:xfrm>
+            <a:off x="4387249" y="4092292"/>
+            <a:ext cx="3405360" cy="307777"/>
+          </a:xfrm>
+          <a:prstGeom prst="rect">
+            <a:avLst/>
+          </a:prstGeom>
+          <a:noFill/>
+        </p:spPr>
+        <p:txBody>
+          <a:bodyPr wrap="square" rtlCol="0">
+            <a:spAutoFit/>
+          </a:bodyPr>
+          <a:lstStyle/>
+          <a:p>
+            <a:r>
+              <a:rPr lang="en-GB" sz="1400" dirty="0" err="1">
+                <a:solidFill>
+                  <a:schemeClr val="tx1">
+                    <a:lumMod val="65000"/>
+                    <a:lumOff val="35000"/>
+                  </a:schemeClr>
+                </a:solidFill>
+                <a:latin typeface="Calibri" panose="020F0502020204030204" pitchFamily="34" charset="0"/>
+                <a:cs typeface="Calibri" panose="020F0502020204030204" pitchFamily="34" charset="0"/>
+              </a:rPr>
+              <a:t>Feeling_bullets</a:t>
+            </a:r>
+            <a:endParaRPr lang="en-GB" sz="1400" dirty="0">
+              <a:solidFill>
+                <a:schemeClr val="tx1">
+                  <a:lumMod val="65000"/>
+                  <a:lumOff val="35000"/>
+                </a:schemeClr>
+              </a:solidFill>
+              <a:latin typeface="Calibri" panose="020F0502020204030204" pitchFamily="34" charset="0"/>
+              <a:cs typeface="Calibri" panose="020F0502020204030204" pitchFamily="34" charset="0"/>
+            </a:endParaRPr>
+          </a:p>
+        </p:txBody>
+      </p:sp>
+      <p:sp>
+        <p:nvSpPr>
+          <p:cNvPr id="6" name="TextBox 5">
+            <a:extLst>
+              <a:ext uri="{FF2B5EF4-FFF2-40B4-BE49-F238E27FC236}">
+                <a16:creationId xmlns:a16="http://schemas.microsoft.com/office/drawing/2014/main" id="{391BAAFD-FBA1-A72F-ACD1-C891F9BFB7D8}"/>
+              </a:ext>
+            </a:extLst>
+          </p:cNvPr>
+          <p:cNvSpPr txBox="1"/>
+          <p:nvPr/>
+        </p:nvSpPr>
+        <p:spPr>
+          <a:xfrm>
+            <a:off x="8275019" y="4092292"/>
+            <a:ext cx="3405360" cy="307777"/>
+          </a:xfrm>
+          <a:prstGeom prst="rect">
+            <a:avLst/>
+          </a:prstGeom>
+          <a:noFill/>
+        </p:spPr>
+        <p:txBody>
+          <a:bodyPr wrap="square" rtlCol="0">
+            <a:spAutoFit/>
+          </a:bodyPr>
+          <a:lstStyle/>
+          <a:p>
+            <a:r>
+              <a:rPr lang="en-GB" sz="1400" dirty="0" err="1">
+                <a:solidFill>
+                  <a:schemeClr val="tx1">
+                    <a:lumMod val="65000"/>
+                    <a:lumOff val="35000"/>
+                  </a:schemeClr>
+                </a:solidFill>
+                <a:latin typeface="Calibri" panose="020F0502020204030204" pitchFamily="34" charset="0"/>
+                <a:cs typeface="Calibri" panose="020F0502020204030204" pitchFamily="34" charset="0"/>
+              </a:rPr>
+              <a:t>Doing_bullets</a:t>
+            </a:r>
+            <a:endParaRPr lang="en-GB" sz="1400" dirty="0">
+              <a:solidFill>
+                <a:schemeClr val="tx1">
+                  <a:lumMod val="65000"/>
+                  <a:lumOff val="35000"/>
+                </a:schemeClr>
+              </a:solidFill>
+              <a:latin typeface="Calibri" panose="020F0502020204030204" pitchFamily="34" charset="0"/>
+              <a:cs typeface="Calibri" panose="020F0502020204030204" pitchFamily="34" charset="0"/>
+            </a:endParaRPr>
+          </a:p>
+        </p:txBody>
+      </p:sp>
     </p:spTree>
     <p:extLst>
       <p:ext uri="{BB962C8B-B14F-4D97-AF65-F5344CB8AC3E}">
-        <p14:creationId xmlns:p14="http://schemas.microsoft.com/office/powerpoint/2010/main" val="1832708570"/>
+        <p14:creationId xmlns:p14="http://schemas.microsoft.com/office/powerpoint/2010/main" val="1560654069"/>
       </p:ext>
     </p:extLst>
   </p:cSld>
@@ -3532,10 +4032,226 @@
           </a:p>
         </p:txBody>
       </p:sp>
+      <p:sp>
+        <p:nvSpPr>
+          <p:cNvPr id="2" name="TextBox 1">
+            <a:extLst>
+              <a:ext uri="{FF2B5EF4-FFF2-40B4-BE49-F238E27FC236}">
+                <a16:creationId xmlns:a16="http://schemas.microsoft.com/office/drawing/2014/main" id="{37FDBB6B-780B-5190-2B01-826E537D5FE2}"/>
+              </a:ext>
+            </a:extLst>
+          </p:cNvPr>
+          <p:cNvSpPr txBox="1"/>
+          <p:nvPr/>
+        </p:nvSpPr>
+        <p:spPr>
+          <a:xfrm>
+            <a:off x="487767" y="1033275"/>
+            <a:ext cx="7837367" cy="307777"/>
+          </a:xfrm>
+          <a:prstGeom prst="rect">
+            <a:avLst/>
+          </a:prstGeom>
+          <a:noFill/>
+        </p:spPr>
+        <p:txBody>
+          <a:bodyPr wrap="square" rtlCol="0">
+            <a:spAutoFit/>
+          </a:bodyPr>
+          <a:lstStyle/>
+          <a:p>
+            <a:r>
+              <a:rPr lang="en-GB" sz="1400" dirty="0" err="1">
+                <a:solidFill>
+                  <a:schemeClr val="tx1">
+                    <a:lumMod val="65000"/>
+                    <a:lumOff val="35000"/>
+                  </a:schemeClr>
+                </a:solidFill>
+                <a:latin typeface="Calibri" panose="020F0502020204030204" pitchFamily="34" charset="0"/>
+                <a:cs typeface="Calibri" panose="020F0502020204030204" pitchFamily="34" charset="0"/>
+              </a:rPr>
+              <a:t>dsdsds</a:t>
+            </a:r>
+            <a:endParaRPr lang="en-GB" sz="1400" dirty="0">
+              <a:solidFill>
+                <a:schemeClr val="tx1">
+                  <a:lumMod val="65000"/>
+                  <a:lumOff val="35000"/>
+                </a:schemeClr>
+              </a:solidFill>
+              <a:latin typeface="Calibri" panose="020F0502020204030204" pitchFamily="34" charset="0"/>
+              <a:cs typeface="Calibri" panose="020F0502020204030204" pitchFamily="34" charset="0"/>
+            </a:endParaRPr>
+          </a:p>
+        </p:txBody>
+      </p:sp>
+      <p:sp>
+        <p:nvSpPr>
+          <p:cNvPr id="3" name="TextBox 2">
+            <a:extLst>
+              <a:ext uri="{FF2B5EF4-FFF2-40B4-BE49-F238E27FC236}">
+                <a16:creationId xmlns:a16="http://schemas.microsoft.com/office/drawing/2014/main" id="{B92B9623-38BC-2F26-EB53-45F63398F9FC}"/>
+              </a:ext>
+            </a:extLst>
+          </p:cNvPr>
+          <p:cNvSpPr txBox="1"/>
+          <p:nvPr/>
+        </p:nvSpPr>
+        <p:spPr>
+          <a:xfrm>
+            <a:off x="487768" y="4095130"/>
+            <a:ext cx="3405360" cy="307777"/>
+          </a:xfrm>
+          <a:prstGeom prst="rect">
+            <a:avLst/>
+          </a:prstGeom>
+          <a:noFill/>
+        </p:spPr>
+        <p:txBody>
+          <a:bodyPr wrap="square" rtlCol="0">
+            <a:spAutoFit/>
+          </a:bodyPr>
+          <a:lstStyle/>
+          <a:p>
+            <a:r>
+              <a:rPr lang="en-GB" sz="1400" dirty="0" err="1">
+                <a:solidFill>
+                  <a:schemeClr val="tx1">
+                    <a:lumMod val="65000"/>
+                    <a:lumOff val="35000"/>
+                  </a:schemeClr>
+                </a:solidFill>
+                <a:latin typeface="Calibri" panose="020F0502020204030204" pitchFamily="34" charset="0"/>
+                <a:cs typeface="Calibri" panose="020F0502020204030204" pitchFamily="34" charset="0"/>
+              </a:rPr>
+              <a:t>Thinking_bullets</a:t>
+            </a:r>
+            <a:endParaRPr lang="en-GB" sz="1400" dirty="0">
+              <a:solidFill>
+                <a:schemeClr val="tx1">
+                  <a:lumMod val="65000"/>
+                  <a:lumOff val="35000"/>
+                </a:schemeClr>
+              </a:solidFill>
+              <a:latin typeface="Calibri" panose="020F0502020204030204" pitchFamily="34" charset="0"/>
+              <a:cs typeface="Calibri" panose="020F0502020204030204" pitchFamily="34" charset="0"/>
+            </a:endParaRPr>
+          </a:p>
+        </p:txBody>
+      </p:sp>
+      <p:sp>
+        <p:nvSpPr>
+          <p:cNvPr id="5" name="TextBox 4">
+            <a:extLst>
+              <a:ext uri="{FF2B5EF4-FFF2-40B4-BE49-F238E27FC236}">
+                <a16:creationId xmlns:a16="http://schemas.microsoft.com/office/drawing/2014/main" id="{067DF1C6-91DC-77C7-43AD-D671E0B86C35}"/>
+              </a:ext>
+            </a:extLst>
+          </p:cNvPr>
+          <p:cNvSpPr txBox="1"/>
+          <p:nvPr/>
+        </p:nvSpPr>
+        <p:spPr>
+          <a:xfrm>
+            <a:off x="4387249" y="4092292"/>
+            <a:ext cx="3405360" cy="307777"/>
+          </a:xfrm>
+          <a:prstGeom prst="rect">
+            <a:avLst/>
+          </a:prstGeom>
+          <a:noFill/>
+        </p:spPr>
+        <p:txBody>
+          <a:bodyPr wrap="square" rtlCol="0">
+            <a:spAutoFit/>
+          </a:bodyPr>
+          <a:lstStyle/>
+          <a:p>
+            <a:r>
+              <a:rPr lang="en-GB" sz="1400" dirty="0" err="1">
+                <a:solidFill>
+                  <a:schemeClr val="tx1">
+                    <a:lumMod val="65000"/>
+                    <a:lumOff val="35000"/>
+                  </a:schemeClr>
+                </a:solidFill>
+                <a:latin typeface="Calibri" panose="020F0502020204030204" pitchFamily="34" charset="0"/>
+                <a:cs typeface="Calibri" panose="020F0502020204030204" pitchFamily="34" charset="0"/>
+              </a:rPr>
+              <a:t>Feeling_bullets</a:t>
+            </a:r>
+            <a:endParaRPr lang="en-GB" sz="1400" dirty="0">
+              <a:solidFill>
+                <a:schemeClr val="tx1">
+                  <a:lumMod val="65000"/>
+                  <a:lumOff val="35000"/>
+                </a:schemeClr>
+              </a:solidFill>
+              <a:latin typeface="Calibri" panose="020F0502020204030204" pitchFamily="34" charset="0"/>
+              <a:cs typeface="Calibri" panose="020F0502020204030204" pitchFamily="34" charset="0"/>
+            </a:endParaRPr>
+          </a:p>
+        </p:txBody>
+      </p:sp>
+      <p:sp>
+        <p:nvSpPr>
+          <p:cNvPr id="6" name="TextBox 5">
+            <a:extLst>
+              <a:ext uri="{FF2B5EF4-FFF2-40B4-BE49-F238E27FC236}">
+                <a16:creationId xmlns:a16="http://schemas.microsoft.com/office/drawing/2014/main" id="{391BAAFD-FBA1-A72F-ACD1-C891F9BFB7D8}"/>
+              </a:ext>
+            </a:extLst>
+          </p:cNvPr>
+          <p:cNvSpPr txBox="1"/>
+          <p:nvPr/>
+        </p:nvSpPr>
+        <p:spPr>
+          <a:xfrm>
+            <a:off x="8275019" y="4092292"/>
+            <a:ext cx="3405360" cy="307777"/>
+          </a:xfrm>
+          <a:prstGeom prst="rect">
+            <a:avLst/>
+          </a:prstGeom>
+          <a:noFill/>
+        </p:spPr>
+        <p:txBody>
+          <a:bodyPr wrap="square" rtlCol="0">
+            <a:spAutoFit/>
+          </a:bodyPr>
+          <a:lstStyle/>
+          <a:p>
+            <a:r>
+              <a:rPr lang="en-GB" sz="1400" dirty="0" err="1">
+                <a:solidFill>
+                  <a:schemeClr val="tx1">
+                    <a:lumMod val="65000"/>
+                    <a:lumOff val="35000"/>
+                  </a:schemeClr>
+                </a:solidFill>
+                <a:latin typeface="Calibri" panose="020F0502020204030204" pitchFamily="34" charset="0"/>
+                <a:cs typeface="Calibri" panose="020F0502020204030204" pitchFamily="34" charset="0"/>
+              </a:rPr>
+              <a:t>Doing_bullets</a:t>
+            </a:r>
+            <a:endParaRPr lang="en-GB" sz="1400" dirty="0">
+              <a:solidFill>
+                <a:schemeClr val="tx1">
+                  <a:lumMod val="65000"/>
+                  <a:lumOff val="35000"/>
+                </a:schemeClr>
+              </a:solidFill>
+              <a:latin typeface="Calibri" panose="020F0502020204030204" pitchFamily="34" charset="0"/>
+              <a:cs typeface="Calibri" panose="020F0502020204030204" pitchFamily="34" charset="0"/>
+            </a:endParaRPr>
+          </a:p>
+        </p:txBody>
+      </p:sp>
     </p:spTree>
     <p:extLst>
       <p:ext uri="{BB962C8B-B14F-4D97-AF65-F5344CB8AC3E}">
-        <p14:creationId xmlns:p14="http://schemas.microsoft.com/office/powerpoint/2010/main" val="1005105253"/>
+        <p14:creationId xmlns:p14="http://schemas.microsoft.com/office/powerpoint/2010/main" val="1404980038"/>
       </p:ext>
     </p:extLst>
   </p:cSld>
@@ -3770,10 +4486,226 @@
           </a:p>
         </p:txBody>
       </p:sp>
+      <p:sp>
+        <p:nvSpPr>
+          <p:cNvPr id="2" name="TextBox 1">
+            <a:extLst>
+              <a:ext uri="{FF2B5EF4-FFF2-40B4-BE49-F238E27FC236}">
+                <a16:creationId xmlns:a16="http://schemas.microsoft.com/office/drawing/2014/main" id="{37FDBB6B-780B-5190-2B01-826E537D5FE2}"/>
+              </a:ext>
+            </a:extLst>
+          </p:cNvPr>
+          <p:cNvSpPr txBox="1"/>
+          <p:nvPr/>
+        </p:nvSpPr>
+        <p:spPr>
+          <a:xfrm>
+            <a:off x="487767" y="1033275"/>
+            <a:ext cx="7837367" cy="307777"/>
+          </a:xfrm>
+          <a:prstGeom prst="rect">
+            <a:avLst/>
+          </a:prstGeom>
+          <a:noFill/>
+        </p:spPr>
+        <p:txBody>
+          <a:bodyPr wrap="square" rtlCol="0">
+            <a:spAutoFit/>
+          </a:bodyPr>
+          <a:lstStyle/>
+          <a:p>
+            <a:r>
+              <a:rPr lang="en-GB" sz="1400" dirty="0" err="1">
+                <a:solidFill>
+                  <a:schemeClr val="tx1">
+                    <a:lumMod val="65000"/>
+                    <a:lumOff val="35000"/>
+                  </a:schemeClr>
+                </a:solidFill>
+                <a:latin typeface="Calibri" panose="020F0502020204030204" pitchFamily="34" charset="0"/>
+                <a:cs typeface="Calibri" panose="020F0502020204030204" pitchFamily="34" charset="0"/>
+              </a:rPr>
+              <a:t>dsdsds</a:t>
+            </a:r>
+            <a:endParaRPr lang="en-GB" sz="1400" dirty="0">
+              <a:solidFill>
+                <a:schemeClr val="tx1">
+                  <a:lumMod val="65000"/>
+                  <a:lumOff val="35000"/>
+                </a:schemeClr>
+              </a:solidFill>
+              <a:latin typeface="Calibri" panose="020F0502020204030204" pitchFamily="34" charset="0"/>
+              <a:cs typeface="Calibri" panose="020F0502020204030204" pitchFamily="34" charset="0"/>
+            </a:endParaRPr>
+          </a:p>
+        </p:txBody>
+      </p:sp>
+      <p:sp>
+        <p:nvSpPr>
+          <p:cNvPr id="3" name="TextBox 2">
+            <a:extLst>
+              <a:ext uri="{FF2B5EF4-FFF2-40B4-BE49-F238E27FC236}">
+                <a16:creationId xmlns:a16="http://schemas.microsoft.com/office/drawing/2014/main" id="{B92B9623-38BC-2F26-EB53-45F63398F9FC}"/>
+              </a:ext>
+            </a:extLst>
+          </p:cNvPr>
+          <p:cNvSpPr txBox="1"/>
+          <p:nvPr/>
+        </p:nvSpPr>
+        <p:spPr>
+          <a:xfrm>
+            <a:off x="487768" y="4095130"/>
+            <a:ext cx="3405360" cy="307777"/>
+          </a:xfrm>
+          <a:prstGeom prst="rect">
+            <a:avLst/>
+          </a:prstGeom>
+          <a:noFill/>
+        </p:spPr>
+        <p:txBody>
+          <a:bodyPr wrap="square" rtlCol="0">
+            <a:spAutoFit/>
+          </a:bodyPr>
+          <a:lstStyle/>
+          <a:p>
+            <a:r>
+              <a:rPr lang="en-GB" sz="1400" dirty="0" err="1">
+                <a:solidFill>
+                  <a:schemeClr val="tx1">
+                    <a:lumMod val="65000"/>
+                    <a:lumOff val="35000"/>
+                  </a:schemeClr>
+                </a:solidFill>
+                <a:latin typeface="Calibri" panose="020F0502020204030204" pitchFamily="34" charset="0"/>
+                <a:cs typeface="Calibri" panose="020F0502020204030204" pitchFamily="34" charset="0"/>
+              </a:rPr>
+              <a:t>Thinking_bullets</a:t>
+            </a:r>
+            <a:endParaRPr lang="en-GB" sz="1400" dirty="0">
+              <a:solidFill>
+                <a:schemeClr val="tx1">
+                  <a:lumMod val="65000"/>
+                  <a:lumOff val="35000"/>
+                </a:schemeClr>
+              </a:solidFill>
+              <a:latin typeface="Calibri" panose="020F0502020204030204" pitchFamily="34" charset="0"/>
+              <a:cs typeface="Calibri" panose="020F0502020204030204" pitchFamily="34" charset="0"/>
+            </a:endParaRPr>
+          </a:p>
+        </p:txBody>
+      </p:sp>
+      <p:sp>
+        <p:nvSpPr>
+          <p:cNvPr id="5" name="TextBox 4">
+            <a:extLst>
+              <a:ext uri="{FF2B5EF4-FFF2-40B4-BE49-F238E27FC236}">
+                <a16:creationId xmlns:a16="http://schemas.microsoft.com/office/drawing/2014/main" id="{067DF1C6-91DC-77C7-43AD-D671E0B86C35}"/>
+              </a:ext>
+            </a:extLst>
+          </p:cNvPr>
+          <p:cNvSpPr txBox="1"/>
+          <p:nvPr/>
+        </p:nvSpPr>
+        <p:spPr>
+          <a:xfrm>
+            <a:off x="4387249" y="4092292"/>
+            <a:ext cx="3405360" cy="307777"/>
+          </a:xfrm>
+          <a:prstGeom prst="rect">
+            <a:avLst/>
+          </a:prstGeom>
+          <a:noFill/>
+        </p:spPr>
+        <p:txBody>
+          <a:bodyPr wrap="square" rtlCol="0">
+            <a:spAutoFit/>
+          </a:bodyPr>
+          <a:lstStyle/>
+          <a:p>
+            <a:r>
+              <a:rPr lang="en-GB" sz="1400" dirty="0" err="1">
+                <a:solidFill>
+                  <a:schemeClr val="tx1">
+                    <a:lumMod val="65000"/>
+                    <a:lumOff val="35000"/>
+                  </a:schemeClr>
+                </a:solidFill>
+                <a:latin typeface="Calibri" panose="020F0502020204030204" pitchFamily="34" charset="0"/>
+                <a:cs typeface="Calibri" panose="020F0502020204030204" pitchFamily="34" charset="0"/>
+              </a:rPr>
+              <a:t>Feeling_bullets</a:t>
+            </a:r>
+            <a:endParaRPr lang="en-GB" sz="1400" dirty="0">
+              <a:solidFill>
+                <a:schemeClr val="tx1">
+                  <a:lumMod val="65000"/>
+                  <a:lumOff val="35000"/>
+                </a:schemeClr>
+              </a:solidFill>
+              <a:latin typeface="Calibri" panose="020F0502020204030204" pitchFamily="34" charset="0"/>
+              <a:cs typeface="Calibri" panose="020F0502020204030204" pitchFamily="34" charset="0"/>
+            </a:endParaRPr>
+          </a:p>
+        </p:txBody>
+      </p:sp>
+      <p:sp>
+        <p:nvSpPr>
+          <p:cNvPr id="6" name="TextBox 5">
+            <a:extLst>
+              <a:ext uri="{FF2B5EF4-FFF2-40B4-BE49-F238E27FC236}">
+                <a16:creationId xmlns:a16="http://schemas.microsoft.com/office/drawing/2014/main" id="{391BAAFD-FBA1-A72F-ACD1-C891F9BFB7D8}"/>
+              </a:ext>
+            </a:extLst>
+          </p:cNvPr>
+          <p:cNvSpPr txBox="1"/>
+          <p:nvPr/>
+        </p:nvSpPr>
+        <p:spPr>
+          <a:xfrm>
+            <a:off x="8275019" y="4092292"/>
+            <a:ext cx="3405360" cy="307777"/>
+          </a:xfrm>
+          <a:prstGeom prst="rect">
+            <a:avLst/>
+          </a:prstGeom>
+          <a:noFill/>
+        </p:spPr>
+        <p:txBody>
+          <a:bodyPr wrap="square" rtlCol="0">
+            <a:spAutoFit/>
+          </a:bodyPr>
+          <a:lstStyle/>
+          <a:p>
+            <a:r>
+              <a:rPr lang="en-GB" sz="1400" dirty="0" err="1">
+                <a:solidFill>
+                  <a:schemeClr val="tx1">
+                    <a:lumMod val="65000"/>
+                    <a:lumOff val="35000"/>
+                  </a:schemeClr>
+                </a:solidFill>
+                <a:latin typeface="Calibri" panose="020F0502020204030204" pitchFamily="34" charset="0"/>
+                <a:cs typeface="Calibri" panose="020F0502020204030204" pitchFamily="34" charset="0"/>
+              </a:rPr>
+              <a:t>Doing_bullets</a:t>
+            </a:r>
+            <a:endParaRPr lang="en-GB" sz="1400" dirty="0">
+              <a:solidFill>
+                <a:schemeClr val="tx1">
+                  <a:lumMod val="65000"/>
+                  <a:lumOff val="35000"/>
+                </a:schemeClr>
+              </a:solidFill>
+              <a:latin typeface="Calibri" panose="020F0502020204030204" pitchFamily="34" charset="0"/>
+              <a:cs typeface="Calibri" panose="020F0502020204030204" pitchFamily="34" charset="0"/>
+            </a:endParaRPr>
+          </a:p>
+        </p:txBody>
+      </p:sp>
     </p:spTree>
     <p:extLst>
       <p:ext uri="{BB962C8B-B14F-4D97-AF65-F5344CB8AC3E}">
-        <p14:creationId xmlns:p14="http://schemas.microsoft.com/office/powerpoint/2010/main" val="2237579686"/>
+        <p14:creationId xmlns:p14="http://schemas.microsoft.com/office/powerpoint/2010/main" val="1649043317"/>
       </p:ext>
     </p:extLst>
   </p:cSld>
@@ -4008,10 +4940,226 @@
           </a:p>
         </p:txBody>
       </p:sp>
+      <p:sp>
+        <p:nvSpPr>
+          <p:cNvPr id="2" name="TextBox 1">
+            <a:extLst>
+              <a:ext uri="{FF2B5EF4-FFF2-40B4-BE49-F238E27FC236}">
+                <a16:creationId xmlns:a16="http://schemas.microsoft.com/office/drawing/2014/main" id="{37FDBB6B-780B-5190-2B01-826E537D5FE2}"/>
+              </a:ext>
+            </a:extLst>
+          </p:cNvPr>
+          <p:cNvSpPr txBox="1"/>
+          <p:nvPr/>
+        </p:nvSpPr>
+        <p:spPr>
+          <a:xfrm>
+            <a:off x="487767" y="1033275"/>
+            <a:ext cx="7837367" cy="307777"/>
+          </a:xfrm>
+          <a:prstGeom prst="rect">
+            <a:avLst/>
+          </a:prstGeom>
+          <a:noFill/>
+        </p:spPr>
+        <p:txBody>
+          <a:bodyPr wrap="square" rtlCol="0">
+            <a:spAutoFit/>
+          </a:bodyPr>
+          <a:lstStyle/>
+          <a:p>
+            <a:r>
+              <a:rPr lang="en-GB" sz="1400" dirty="0" err="1">
+                <a:solidFill>
+                  <a:schemeClr val="tx1">
+                    <a:lumMod val="65000"/>
+                    <a:lumOff val="35000"/>
+                  </a:schemeClr>
+                </a:solidFill>
+                <a:latin typeface="Calibri" panose="020F0502020204030204" pitchFamily="34" charset="0"/>
+                <a:cs typeface="Calibri" panose="020F0502020204030204" pitchFamily="34" charset="0"/>
+              </a:rPr>
+              <a:t>dsdsds</a:t>
+            </a:r>
+            <a:endParaRPr lang="en-GB" sz="1400" dirty="0">
+              <a:solidFill>
+                <a:schemeClr val="tx1">
+                  <a:lumMod val="65000"/>
+                  <a:lumOff val="35000"/>
+                </a:schemeClr>
+              </a:solidFill>
+              <a:latin typeface="Calibri" panose="020F0502020204030204" pitchFamily="34" charset="0"/>
+              <a:cs typeface="Calibri" panose="020F0502020204030204" pitchFamily="34" charset="0"/>
+            </a:endParaRPr>
+          </a:p>
+        </p:txBody>
+      </p:sp>
+      <p:sp>
+        <p:nvSpPr>
+          <p:cNvPr id="3" name="TextBox 2">
+            <a:extLst>
+              <a:ext uri="{FF2B5EF4-FFF2-40B4-BE49-F238E27FC236}">
+                <a16:creationId xmlns:a16="http://schemas.microsoft.com/office/drawing/2014/main" id="{B92B9623-38BC-2F26-EB53-45F63398F9FC}"/>
+              </a:ext>
+            </a:extLst>
+          </p:cNvPr>
+          <p:cNvSpPr txBox="1"/>
+          <p:nvPr/>
+        </p:nvSpPr>
+        <p:spPr>
+          <a:xfrm>
+            <a:off x="487768" y="4095130"/>
+            <a:ext cx="3405360" cy="307777"/>
+          </a:xfrm>
+          <a:prstGeom prst="rect">
+            <a:avLst/>
+          </a:prstGeom>
+          <a:noFill/>
+        </p:spPr>
+        <p:txBody>
+          <a:bodyPr wrap="square" rtlCol="0">
+            <a:spAutoFit/>
+          </a:bodyPr>
+          <a:lstStyle/>
+          <a:p>
+            <a:r>
+              <a:rPr lang="en-GB" sz="1400" dirty="0" err="1">
+                <a:solidFill>
+                  <a:schemeClr val="tx1">
+                    <a:lumMod val="65000"/>
+                    <a:lumOff val="35000"/>
+                  </a:schemeClr>
+                </a:solidFill>
+                <a:latin typeface="Calibri" panose="020F0502020204030204" pitchFamily="34" charset="0"/>
+                <a:cs typeface="Calibri" panose="020F0502020204030204" pitchFamily="34" charset="0"/>
+              </a:rPr>
+              <a:t>Thinking_bullets</a:t>
+            </a:r>
+            <a:endParaRPr lang="en-GB" sz="1400" dirty="0">
+              <a:solidFill>
+                <a:schemeClr val="tx1">
+                  <a:lumMod val="65000"/>
+                  <a:lumOff val="35000"/>
+                </a:schemeClr>
+              </a:solidFill>
+              <a:latin typeface="Calibri" panose="020F0502020204030204" pitchFamily="34" charset="0"/>
+              <a:cs typeface="Calibri" panose="020F0502020204030204" pitchFamily="34" charset="0"/>
+            </a:endParaRPr>
+          </a:p>
+        </p:txBody>
+      </p:sp>
+      <p:sp>
+        <p:nvSpPr>
+          <p:cNvPr id="5" name="TextBox 4">
+            <a:extLst>
+              <a:ext uri="{FF2B5EF4-FFF2-40B4-BE49-F238E27FC236}">
+                <a16:creationId xmlns:a16="http://schemas.microsoft.com/office/drawing/2014/main" id="{067DF1C6-91DC-77C7-43AD-D671E0B86C35}"/>
+              </a:ext>
+            </a:extLst>
+          </p:cNvPr>
+          <p:cNvSpPr txBox="1"/>
+          <p:nvPr/>
+        </p:nvSpPr>
+        <p:spPr>
+          <a:xfrm>
+            <a:off x="4387249" y="4092292"/>
+            <a:ext cx="3405360" cy="307777"/>
+          </a:xfrm>
+          <a:prstGeom prst="rect">
+            <a:avLst/>
+          </a:prstGeom>
+          <a:noFill/>
+        </p:spPr>
+        <p:txBody>
+          <a:bodyPr wrap="square" rtlCol="0">
+            <a:spAutoFit/>
+          </a:bodyPr>
+          <a:lstStyle/>
+          <a:p>
+            <a:r>
+              <a:rPr lang="en-GB" sz="1400" dirty="0" err="1">
+                <a:solidFill>
+                  <a:schemeClr val="tx1">
+                    <a:lumMod val="65000"/>
+                    <a:lumOff val="35000"/>
+                  </a:schemeClr>
+                </a:solidFill>
+                <a:latin typeface="Calibri" panose="020F0502020204030204" pitchFamily="34" charset="0"/>
+                <a:cs typeface="Calibri" panose="020F0502020204030204" pitchFamily="34" charset="0"/>
+              </a:rPr>
+              <a:t>Feeling_bullets</a:t>
+            </a:r>
+            <a:endParaRPr lang="en-GB" sz="1400" dirty="0">
+              <a:solidFill>
+                <a:schemeClr val="tx1">
+                  <a:lumMod val="65000"/>
+                  <a:lumOff val="35000"/>
+                </a:schemeClr>
+              </a:solidFill>
+              <a:latin typeface="Calibri" panose="020F0502020204030204" pitchFamily="34" charset="0"/>
+              <a:cs typeface="Calibri" panose="020F0502020204030204" pitchFamily="34" charset="0"/>
+            </a:endParaRPr>
+          </a:p>
+        </p:txBody>
+      </p:sp>
+      <p:sp>
+        <p:nvSpPr>
+          <p:cNvPr id="6" name="TextBox 5">
+            <a:extLst>
+              <a:ext uri="{FF2B5EF4-FFF2-40B4-BE49-F238E27FC236}">
+                <a16:creationId xmlns:a16="http://schemas.microsoft.com/office/drawing/2014/main" id="{391BAAFD-FBA1-A72F-ACD1-C891F9BFB7D8}"/>
+              </a:ext>
+            </a:extLst>
+          </p:cNvPr>
+          <p:cNvSpPr txBox="1"/>
+          <p:nvPr/>
+        </p:nvSpPr>
+        <p:spPr>
+          <a:xfrm>
+            <a:off x="8275019" y="4092292"/>
+            <a:ext cx="3405360" cy="307777"/>
+          </a:xfrm>
+          <a:prstGeom prst="rect">
+            <a:avLst/>
+          </a:prstGeom>
+          <a:noFill/>
+        </p:spPr>
+        <p:txBody>
+          <a:bodyPr wrap="square" rtlCol="0">
+            <a:spAutoFit/>
+          </a:bodyPr>
+          <a:lstStyle/>
+          <a:p>
+            <a:r>
+              <a:rPr lang="en-GB" sz="1400" dirty="0" err="1">
+                <a:solidFill>
+                  <a:schemeClr val="tx1">
+                    <a:lumMod val="65000"/>
+                    <a:lumOff val="35000"/>
+                  </a:schemeClr>
+                </a:solidFill>
+                <a:latin typeface="Calibri" panose="020F0502020204030204" pitchFamily="34" charset="0"/>
+                <a:cs typeface="Calibri" panose="020F0502020204030204" pitchFamily="34" charset="0"/>
+              </a:rPr>
+              <a:t>Doing_bullets</a:t>
+            </a:r>
+            <a:endParaRPr lang="en-GB" sz="1400" dirty="0">
+              <a:solidFill>
+                <a:schemeClr val="tx1">
+                  <a:lumMod val="65000"/>
+                  <a:lumOff val="35000"/>
+                </a:schemeClr>
+              </a:solidFill>
+              <a:latin typeface="Calibri" panose="020F0502020204030204" pitchFamily="34" charset="0"/>
+              <a:cs typeface="Calibri" panose="020F0502020204030204" pitchFamily="34" charset="0"/>
+            </a:endParaRPr>
+          </a:p>
+        </p:txBody>
+      </p:sp>
     </p:spTree>
     <p:extLst>
       <p:ext uri="{BB962C8B-B14F-4D97-AF65-F5344CB8AC3E}">
-        <p14:creationId xmlns:p14="http://schemas.microsoft.com/office/powerpoint/2010/main" val="152920915"/>
+        <p14:creationId xmlns:p14="http://schemas.microsoft.com/office/powerpoint/2010/main" val="534408419"/>
       </p:ext>
     </p:extLst>
   </p:cSld>

--- a/Journey_template.pptx
+++ b/Journey_template.pptx
@@ -201,7 +201,7 @@
   <pc:docChgLst>
     <pc:chgData name="Arbour, Duncan" userId="f8c76c83-f09a-4702-8a60-e00215c8b89f" providerId="ADAL" clId="{846C3E24-5A9E-3744-9959-40C2AD777FAA}"/>
     <pc:docChg chg="custSel addSld delSld modSld addMainMaster modMainMaster">
-      <pc:chgData name="Arbour, Duncan" userId="f8c76c83-f09a-4702-8a60-e00215c8b89f" providerId="ADAL" clId="{846C3E24-5A9E-3744-9959-40C2AD777FAA}" dt="2024-08-26T07:01:11.332" v="320" actId="2890"/>
+      <pc:chgData name="Arbour, Duncan" userId="f8c76c83-f09a-4702-8a60-e00215c8b89f" providerId="ADAL" clId="{846C3E24-5A9E-3744-9959-40C2AD777FAA}" dt="2024-08-26T07:25:55.272" v="343" actId="2890"/>
       <pc:docMkLst>
         <pc:docMk/>
       </pc:docMkLst>
@@ -264,13 +264,13 @@
         </pc:sldMkLst>
       </pc:sldChg>
       <pc:sldChg chg="addSp delSp modSp new mod modClrScheme chgLayout modNotesTx">
-        <pc:chgData name="Arbour, Duncan" userId="f8c76c83-f09a-4702-8a60-e00215c8b89f" providerId="ADAL" clId="{846C3E24-5A9E-3744-9959-40C2AD777FAA}" dt="2024-08-26T07:01:02.664" v="316" actId="20577"/>
+        <pc:chgData name="Arbour, Duncan" userId="f8c76c83-f09a-4702-8a60-e00215c8b89f" providerId="ADAL" clId="{846C3E24-5A9E-3744-9959-40C2AD777FAA}" dt="2024-08-26T07:25:43.855" v="335" actId="20577"/>
         <pc:sldMkLst>
           <pc:docMk/>
           <pc:sldMk cId="4009545171" sldId="2124817332"/>
         </pc:sldMkLst>
         <pc:spChg chg="add mod">
-          <ac:chgData name="Arbour, Duncan" userId="f8c76c83-f09a-4702-8a60-e00215c8b89f" providerId="ADAL" clId="{846C3E24-5A9E-3744-9959-40C2AD777FAA}" dt="2024-08-26T06:56:48.804" v="278" actId="207"/>
+          <ac:chgData name="Arbour, Duncan" userId="f8c76c83-f09a-4702-8a60-e00215c8b89f" providerId="ADAL" clId="{846C3E24-5A9E-3744-9959-40C2AD777FAA}" dt="2024-08-26T07:25:43.855" v="335" actId="20577"/>
           <ac:spMkLst>
             <pc:docMk/>
             <pc:sldMk cId="4009545171" sldId="2124817332"/>
@@ -399,7 +399,14 @@
         </pc:spChg>
       </pc:sldChg>
       <pc:sldChg chg="add">
-        <pc:chgData name="Arbour, Duncan" userId="f8c76c83-f09a-4702-8a60-e00215c8b89f" providerId="ADAL" clId="{846C3E24-5A9E-3744-9959-40C2AD777FAA}" dt="2024-08-26T07:01:09.449" v="317" actId="2890"/>
+        <pc:chgData name="Arbour, Duncan" userId="f8c76c83-f09a-4702-8a60-e00215c8b89f" providerId="ADAL" clId="{846C3E24-5A9E-3744-9959-40C2AD777FAA}" dt="2024-08-26T07:25:53.106" v="340" actId="2890"/>
+        <pc:sldMkLst>
+          <pc:docMk/>
+          <pc:sldMk cId="1277930676" sldId="2124817333"/>
+        </pc:sldMkLst>
+      </pc:sldChg>
+      <pc:sldChg chg="add del">
+        <pc:chgData name="Arbour, Duncan" userId="f8c76c83-f09a-4702-8a60-e00215c8b89f" providerId="ADAL" clId="{846C3E24-5A9E-3744-9959-40C2AD777FAA}" dt="2024-08-26T07:25:47.364" v="336" actId="2696"/>
         <pc:sldMkLst>
           <pc:docMk/>
           <pc:sldMk cId="1560654069" sldId="2124817333"/>
@@ -420,14 +427,21 @@
         </pc:sldMkLst>
       </pc:sldChg>
       <pc:sldChg chg="add">
-        <pc:chgData name="Arbour, Duncan" userId="f8c76c83-f09a-4702-8a60-e00215c8b89f" providerId="ADAL" clId="{846C3E24-5A9E-3744-9959-40C2AD777FAA}" dt="2024-08-26T07:01:10.223" v="318" actId="2890"/>
+        <pc:chgData name="Arbour, Duncan" userId="f8c76c83-f09a-4702-8a60-e00215c8b89f" providerId="ADAL" clId="{846C3E24-5A9E-3744-9959-40C2AD777FAA}" dt="2024-08-26T07:25:54.237" v="341" actId="2890"/>
+        <pc:sldMkLst>
+          <pc:docMk/>
+          <pc:sldMk cId="1331910355" sldId="2124817334"/>
+        </pc:sldMkLst>
+      </pc:sldChg>
+      <pc:sldChg chg="add del">
+        <pc:chgData name="Arbour, Duncan" userId="f8c76c83-f09a-4702-8a60-e00215c8b89f" providerId="ADAL" clId="{846C3E24-5A9E-3744-9959-40C2AD777FAA}" dt="2024-08-26T07:25:47.382" v="338" actId="2696"/>
         <pc:sldMkLst>
           <pc:docMk/>
           <pc:sldMk cId="1404980038" sldId="2124817334"/>
         </pc:sldMkLst>
       </pc:sldChg>
-      <pc:sldChg chg="add">
-        <pc:chgData name="Arbour, Duncan" userId="f8c76c83-f09a-4702-8a60-e00215c8b89f" providerId="ADAL" clId="{846C3E24-5A9E-3744-9959-40C2AD777FAA}" dt="2024-08-26T07:01:10.818" v="319" actId="2890"/>
+      <pc:sldChg chg="add del">
+        <pc:chgData name="Arbour, Duncan" userId="f8c76c83-f09a-4702-8a60-e00215c8b89f" providerId="ADAL" clId="{846C3E24-5A9E-3744-9959-40C2AD777FAA}" dt="2024-08-26T07:25:47.367" v="337" actId="2696"/>
         <pc:sldMkLst>
           <pc:docMk/>
           <pc:sldMk cId="1649043317" sldId="2124817335"/>
@@ -440,6 +454,13 @@
           <pc:sldMk cId="2237579686" sldId="2124817335"/>
         </pc:sldMkLst>
       </pc:sldChg>
+      <pc:sldChg chg="add">
+        <pc:chgData name="Arbour, Duncan" userId="f8c76c83-f09a-4702-8a60-e00215c8b89f" providerId="ADAL" clId="{846C3E24-5A9E-3744-9959-40C2AD777FAA}" dt="2024-08-26T07:25:54.769" v="342" actId="2890"/>
+        <pc:sldMkLst>
+          <pc:docMk/>
+          <pc:sldMk cId="3528491762" sldId="2124817335"/>
+        </pc:sldMkLst>
+      </pc:sldChg>
       <pc:sldChg chg="add del">
         <pc:chgData name="Arbour, Duncan" userId="f8c76c83-f09a-4702-8a60-e00215c8b89f" providerId="ADAL" clId="{846C3E24-5A9E-3744-9959-40C2AD777FAA}" dt="2024-08-26T06:56:26.133" v="274" actId="2696"/>
         <pc:sldMkLst>
@@ -447,11 +468,18 @@
           <pc:sldMk cId="152920915" sldId="2124817336"/>
         </pc:sldMkLst>
       </pc:sldChg>
-      <pc:sldChg chg="add">
-        <pc:chgData name="Arbour, Duncan" userId="f8c76c83-f09a-4702-8a60-e00215c8b89f" providerId="ADAL" clId="{846C3E24-5A9E-3744-9959-40C2AD777FAA}" dt="2024-08-26T07:01:11.332" v="320" actId="2890"/>
+      <pc:sldChg chg="add del">
+        <pc:chgData name="Arbour, Duncan" userId="f8c76c83-f09a-4702-8a60-e00215c8b89f" providerId="ADAL" clId="{846C3E24-5A9E-3744-9959-40C2AD777FAA}" dt="2024-08-26T07:25:47.397" v="339" actId="2696"/>
         <pc:sldMkLst>
           <pc:docMk/>
           <pc:sldMk cId="534408419" sldId="2124817336"/>
+        </pc:sldMkLst>
+      </pc:sldChg>
+      <pc:sldChg chg="add">
+        <pc:chgData name="Arbour, Duncan" userId="f8c76c83-f09a-4702-8a60-e00215c8b89f" providerId="ADAL" clId="{846C3E24-5A9E-3744-9959-40C2AD777FAA}" dt="2024-08-26T07:25:55.272" v="343" actId="2890"/>
+        <pc:sldMkLst>
+          <pc:docMk/>
+          <pc:sldMk cId="3875984506" sldId="2124817336"/>
         </pc:sldMkLst>
       </pc:sldChg>
       <pc:sldChg chg="add del">
@@ -1269,7 +1297,7 @@
     </p:spTree>
     <p:extLst>
       <p:ext uri="{BB962C8B-B14F-4D97-AF65-F5344CB8AC3E}">
-        <p14:creationId xmlns:p14="http://schemas.microsoft.com/office/powerpoint/2010/main" val="1250433581"/>
+        <p14:creationId xmlns:p14="http://schemas.microsoft.com/office/powerpoint/2010/main" val="836368317"/>
       </p:ext>
     </p:extLst>
   </p:cSld>
@@ -1353,7 +1381,7 @@
     </p:spTree>
     <p:extLst>
       <p:ext uri="{BB962C8B-B14F-4D97-AF65-F5344CB8AC3E}">
-        <p14:creationId xmlns:p14="http://schemas.microsoft.com/office/powerpoint/2010/main" val="1843686804"/>
+        <p14:creationId xmlns:p14="http://schemas.microsoft.com/office/powerpoint/2010/main" val="3429254505"/>
       </p:ext>
     </p:extLst>
   </p:cSld>
@@ -1437,7 +1465,7 @@
     </p:spTree>
     <p:extLst>
       <p:ext uri="{BB962C8B-B14F-4D97-AF65-F5344CB8AC3E}">
-        <p14:creationId xmlns:p14="http://schemas.microsoft.com/office/powerpoint/2010/main" val="517378551"/>
+        <p14:creationId xmlns:p14="http://schemas.microsoft.com/office/powerpoint/2010/main" val="3307150132"/>
       </p:ext>
     </p:extLst>
   </p:cSld>
@@ -1521,7 +1549,7 @@
     </p:spTree>
     <p:extLst>
       <p:ext uri="{BB962C8B-B14F-4D97-AF65-F5344CB8AC3E}">
-        <p14:creationId xmlns:p14="http://schemas.microsoft.com/office/powerpoint/2010/main" val="649322400"/>
+        <p14:creationId xmlns:p14="http://schemas.microsoft.com/office/powerpoint/2010/main" val="2654362671"/>
       </p:ext>
     </p:extLst>
   </p:cSld>
@@ -3163,7 +3191,7 @@
                 <a:latin typeface="Calibri" panose="020F0502020204030204" pitchFamily="34" charset="0"/>
                 <a:cs typeface="Calibri" panose="020F0502020204030204" pitchFamily="34" charset="0"/>
               </a:rPr>
-              <a:t>dsdsds</a:t>
+              <a:t>Stage_narrative</a:t>
             </a:r>
             <a:endParaRPr lang="en-GB" sz="1400" dirty="0">
               <a:solidFill>
@@ -3617,7 +3645,7 @@
                 <a:latin typeface="Calibri" panose="020F0502020204030204" pitchFamily="34" charset="0"/>
                 <a:cs typeface="Calibri" panose="020F0502020204030204" pitchFamily="34" charset="0"/>
               </a:rPr>
-              <a:t>dsdsds</a:t>
+              <a:t>Stage_narrative</a:t>
             </a:r>
             <a:endParaRPr lang="en-GB" sz="1400" dirty="0">
               <a:solidFill>
@@ -3797,7 +3825,7 @@
     </p:spTree>
     <p:extLst>
       <p:ext uri="{BB962C8B-B14F-4D97-AF65-F5344CB8AC3E}">
-        <p14:creationId xmlns:p14="http://schemas.microsoft.com/office/powerpoint/2010/main" val="1560654069"/>
+        <p14:creationId xmlns:p14="http://schemas.microsoft.com/office/powerpoint/2010/main" val="1277930676"/>
       </p:ext>
     </p:extLst>
   </p:cSld>
@@ -4071,7 +4099,7 @@
                 <a:latin typeface="Calibri" panose="020F0502020204030204" pitchFamily="34" charset="0"/>
                 <a:cs typeface="Calibri" panose="020F0502020204030204" pitchFamily="34" charset="0"/>
               </a:rPr>
-              <a:t>dsdsds</a:t>
+              <a:t>Stage_narrative</a:t>
             </a:r>
             <a:endParaRPr lang="en-GB" sz="1400" dirty="0">
               <a:solidFill>
@@ -4251,7 +4279,7 @@
     </p:spTree>
     <p:extLst>
       <p:ext uri="{BB962C8B-B14F-4D97-AF65-F5344CB8AC3E}">
-        <p14:creationId xmlns:p14="http://schemas.microsoft.com/office/powerpoint/2010/main" val="1404980038"/>
+        <p14:creationId xmlns:p14="http://schemas.microsoft.com/office/powerpoint/2010/main" val="1331910355"/>
       </p:ext>
     </p:extLst>
   </p:cSld>
@@ -4525,7 +4553,7 @@
                 <a:latin typeface="Calibri" panose="020F0502020204030204" pitchFamily="34" charset="0"/>
                 <a:cs typeface="Calibri" panose="020F0502020204030204" pitchFamily="34" charset="0"/>
               </a:rPr>
-              <a:t>dsdsds</a:t>
+              <a:t>Stage_narrative</a:t>
             </a:r>
             <a:endParaRPr lang="en-GB" sz="1400" dirty="0">
               <a:solidFill>
@@ -4705,7 +4733,7 @@
     </p:spTree>
     <p:extLst>
       <p:ext uri="{BB962C8B-B14F-4D97-AF65-F5344CB8AC3E}">
-        <p14:creationId xmlns:p14="http://schemas.microsoft.com/office/powerpoint/2010/main" val="1649043317"/>
+        <p14:creationId xmlns:p14="http://schemas.microsoft.com/office/powerpoint/2010/main" val="3528491762"/>
       </p:ext>
     </p:extLst>
   </p:cSld>
@@ -4979,7 +5007,7 @@
                 <a:latin typeface="Calibri" panose="020F0502020204030204" pitchFamily="34" charset="0"/>
                 <a:cs typeface="Calibri" panose="020F0502020204030204" pitchFamily="34" charset="0"/>
               </a:rPr>
-              <a:t>dsdsds</a:t>
+              <a:t>Stage_narrative</a:t>
             </a:r>
             <a:endParaRPr lang="en-GB" sz="1400" dirty="0">
               <a:solidFill>
@@ -5159,7 +5187,7 @@
     </p:spTree>
     <p:extLst>
       <p:ext uri="{BB962C8B-B14F-4D97-AF65-F5344CB8AC3E}">
-        <p14:creationId xmlns:p14="http://schemas.microsoft.com/office/powerpoint/2010/main" val="534408419"/>
+        <p14:creationId xmlns:p14="http://schemas.microsoft.com/office/powerpoint/2010/main" val="3875984506"/>
       </p:ext>
     </p:extLst>
   </p:cSld>

--- a/Journey_template.pptx
+++ b/Journey_template.pptx
@@ -9,11 +9,11 @@
     <p:notesMasterId r:id="rId8"/>
   </p:notesMasterIdLst>
   <p:sldIdLst>
-    <p:sldId id="2124817332" r:id="rId3"/>
-    <p:sldId id="2124817333" r:id="rId4"/>
-    <p:sldId id="2124817334" r:id="rId5"/>
-    <p:sldId id="2124817335" r:id="rId6"/>
-    <p:sldId id="2124817336" r:id="rId7"/>
+    <p:sldId id="2124817337" r:id="rId3"/>
+    <p:sldId id="2124817338" r:id="rId4"/>
+    <p:sldId id="2124817339" r:id="rId5"/>
+    <p:sldId id="2124817340" r:id="rId6"/>
+    <p:sldId id="2124817341" r:id="rId7"/>
   </p:sldIdLst>
   <p:sldSz cx="12188825" cy="6858000"/>
   <p:notesSz cx="6858000" cy="9144000"/>
@@ -191,7 +191,7 @@
 <file path=ppt/revisionInfo.xml><?xml version="1.0" encoding="utf-8"?>
 <p1510:revInfo xmlns:a="http://schemas.openxmlformats.org/drawingml/2006/main" xmlns:r="http://schemas.openxmlformats.org/officeDocument/2006/relationships" xmlns:p1510="http://schemas.microsoft.com/office/powerpoint/2015/10/main">
   <p1510:revLst>
-    <p1510:client id="{846C3E24-5A9E-3744-9959-40C2AD777FAA}" v="17" dt="2024-08-26T06:58:33.997"/>
+    <p1510:client id="{B95A6A78-FBF7-994B-9974-D56A71F546CB}" v="5" dt="2024-08-26T12:20:05.784"/>
   </p1510:revLst>
 </p1510:revInfo>
 </file>
@@ -199,590 +199,34 @@
 <file path=ppt/changesInfos/changesInfo1.xml><?xml version="1.0" encoding="utf-8"?>
 <pc:chgInfo xmlns:a="http://schemas.openxmlformats.org/drawingml/2006/main" xmlns:r="http://schemas.openxmlformats.org/officeDocument/2006/relationships" xmlns:ac="http://schemas.microsoft.com/office/drawing/2013/main/command" xmlns:pc="http://schemas.microsoft.com/office/powerpoint/2013/main/command">
   <pc:docChgLst>
-    <pc:chgData name="Arbour, Duncan" userId="f8c76c83-f09a-4702-8a60-e00215c8b89f" providerId="ADAL" clId="{846C3E24-5A9E-3744-9959-40C2AD777FAA}"/>
-    <pc:docChg chg="custSel addSld delSld modSld addMainMaster modMainMaster">
-      <pc:chgData name="Arbour, Duncan" userId="f8c76c83-f09a-4702-8a60-e00215c8b89f" providerId="ADAL" clId="{846C3E24-5A9E-3744-9959-40C2AD777FAA}" dt="2024-08-26T07:25:55.272" v="343" actId="2890"/>
+    <pc:chgData name="Arbour, Duncan" userId="f8c76c83-f09a-4702-8a60-e00215c8b89f" providerId="ADAL" clId="{B95A6A78-FBF7-994B-9974-D56A71F546CB}"/>
+    <pc:docChg chg="modMainMaster">
+      <pc:chgData name="Arbour, Duncan" userId="f8c76c83-f09a-4702-8a60-e00215c8b89f" providerId="ADAL" clId="{B95A6A78-FBF7-994B-9974-D56A71F546CB}" dt="2024-08-26T15:01:44.858" v="0" actId="692"/>
       <pc:docMkLst>
         <pc:docMk/>
       </pc:docMkLst>
-      <pc:sldChg chg="modSp del mod modNotesTx">
-        <pc:chgData name="Arbour, Duncan" userId="f8c76c83-f09a-4702-8a60-e00215c8b89f" providerId="ADAL" clId="{846C3E24-5A9E-3744-9959-40C2AD777FAA}" dt="2024-08-26T06:05:10.511" v="251" actId="2696"/>
-        <pc:sldMkLst>
-          <pc:docMk/>
-          <pc:sldMk cId="963108328" sldId="2124817326"/>
-        </pc:sldMkLst>
-        <pc:spChg chg="mod">
-          <ac:chgData name="Arbour, Duncan" userId="f8c76c83-f09a-4702-8a60-e00215c8b89f" providerId="ADAL" clId="{846C3E24-5A9E-3744-9959-40C2AD777FAA}" dt="2024-08-26T05:52:36.160" v="18" actId="20577"/>
-          <ac:spMkLst>
-            <pc:docMk/>
-            <pc:sldMk cId="963108328" sldId="2124817326"/>
-            <ac:spMk id="2" creationId="{CB258998-2618-CCB4-B842-1A4B7BAD7F89}"/>
-          </ac:spMkLst>
-        </pc:spChg>
-        <pc:spChg chg="mod">
-          <ac:chgData name="Arbour, Duncan" userId="f8c76c83-f09a-4702-8a60-e00215c8b89f" providerId="ADAL" clId="{846C3E24-5A9E-3744-9959-40C2AD777FAA}" dt="2024-08-26T06:03:51.147" v="188" actId="1036"/>
-          <ac:spMkLst>
-            <pc:docMk/>
-            <pc:sldMk cId="963108328" sldId="2124817326"/>
-            <ac:spMk id="61" creationId="{57E82D7E-2E1D-661C-F861-0C8F039B716E}"/>
-          </ac:spMkLst>
-        </pc:spChg>
-      </pc:sldChg>
-      <pc:sldChg chg="add del">
-        <pc:chgData name="Arbour, Duncan" userId="f8c76c83-f09a-4702-8a60-e00215c8b89f" providerId="ADAL" clId="{846C3E24-5A9E-3744-9959-40C2AD777FAA}" dt="2024-08-26T06:05:10.527" v="252" actId="2696"/>
-        <pc:sldMkLst>
-          <pc:docMk/>
-          <pc:sldMk cId="1799954480" sldId="2124817327"/>
-        </pc:sldMkLst>
-      </pc:sldChg>
-      <pc:sldChg chg="add del">
-        <pc:chgData name="Arbour, Duncan" userId="f8c76c83-f09a-4702-8a60-e00215c8b89f" providerId="ADAL" clId="{846C3E24-5A9E-3744-9959-40C2AD777FAA}" dt="2024-08-26T06:05:10.546" v="254" actId="2696"/>
-        <pc:sldMkLst>
-          <pc:docMk/>
-          <pc:sldMk cId="1108093040" sldId="2124817328"/>
-        </pc:sldMkLst>
-      </pc:sldChg>
-      <pc:sldChg chg="add del">
-        <pc:chgData name="Arbour, Duncan" userId="f8c76c83-f09a-4702-8a60-e00215c8b89f" providerId="ADAL" clId="{846C3E24-5A9E-3744-9959-40C2AD777FAA}" dt="2024-08-26T06:05:10.542" v="253" actId="2696"/>
-        <pc:sldMkLst>
-          <pc:docMk/>
-          <pc:sldMk cId="328287873" sldId="2124817329"/>
-        </pc:sldMkLst>
-      </pc:sldChg>
-      <pc:sldChg chg="add del">
-        <pc:chgData name="Arbour, Duncan" userId="f8c76c83-f09a-4702-8a60-e00215c8b89f" providerId="ADAL" clId="{846C3E24-5A9E-3744-9959-40C2AD777FAA}" dt="2024-08-26T06:05:10.562" v="255" actId="2696"/>
-        <pc:sldMkLst>
-          <pc:docMk/>
-          <pc:sldMk cId="1725553093" sldId="2124817330"/>
-        </pc:sldMkLst>
-      </pc:sldChg>
-      <pc:sldChg chg="add del">
-        <pc:chgData name="Arbour, Duncan" userId="f8c76c83-f09a-4702-8a60-e00215c8b89f" providerId="ADAL" clId="{846C3E24-5A9E-3744-9959-40C2AD777FAA}" dt="2024-08-26T06:05:10.581" v="256" actId="2696"/>
-        <pc:sldMkLst>
-          <pc:docMk/>
-          <pc:sldMk cId="4231304685" sldId="2124817331"/>
-        </pc:sldMkLst>
-      </pc:sldChg>
-      <pc:sldChg chg="addSp delSp modSp new mod modClrScheme chgLayout modNotesTx">
-        <pc:chgData name="Arbour, Duncan" userId="f8c76c83-f09a-4702-8a60-e00215c8b89f" providerId="ADAL" clId="{846C3E24-5A9E-3744-9959-40C2AD777FAA}" dt="2024-08-26T07:25:43.855" v="335" actId="20577"/>
-        <pc:sldMkLst>
-          <pc:docMk/>
-          <pc:sldMk cId="4009545171" sldId="2124817332"/>
-        </pc:sldMkLst>
-        <pc:spChg chg="add mod">
-          <ac:chgData name="Arbour, Duncan" userId="f8c76c83-f09a-4702-8a60-e00215c8b89f" providerId="ADAL" clId="{846C3E24-5A9E-3744-9959-40C2AD777FAA}" dt="2024-08-26T07:25:43.855" v="335" actId="20577"/>
-          <ac:spMkLst>
-            <pc:docMk/>
-            <pc:sldMk cId="4009545171" sldId="2124817332"/>
-            <ac:spMk id="2" creationId="{37FDBB6B-780B-5190-2B01-826E537D5FE2}"/>
-          </ac:spMkLst>
-        </pc:spChg>
-        <pc:spChg chg="del">
-          <ac:chgData name="Arbour, Duncan" userId="f8c76c83-f09a-4702-8a60-e00215c8b89f" providerId="ADAL" clId="{846C3E24-5A9E-3744-9959-40C2AD777FAA}" dt="2024-08-26T05:55:29.091" v="49" actId="700"/>
-          <ac:spMkLst>
-            <pc:docMk/>
-            <pc:sldMk cId="4009545171" sldId="2124817332"/>
-            <ac:spMk id="2" creationId="{5DD70445-FEBE-9218-386A-C1E7D8D6F1F2}"/>
-          </ac:spMkLst>
-        </pc:spChg>
-        <pc:spChg chg="del">
-          <ac:chgData name="Arbour, Duncan" userId="f8c76c83-f09a-4702-8a60-e00215c8b89f" providerId="ADAL" clId="{846C3E24-5A9E-3744-9959-40C2AD777FAA}" dt="2024-08-26T05:55:29.091" v="49" actId="700"/>
-          <ac:spMkLst>
-            <pc:docMk/>
-            <pc:sldMk cId="4009545171" sldId="2124817332"/>
-            <ac:spMk id="3" creationId="{78080EC2-EB38-9268-BD78-431EF5147FDD}"/>
-          </ac:spMkLst>
-        </pc:spChg>
-        <pc:spChg chg="add mod">
-          <ac:chgData name="Arbour, Duncan" userId="f8c76c83-f09a-4702-8a60-e00215c8b89f" providerId="ADAL" clId="{846C3E24-5A9E-3744-9959-40C2AD777FAA}" dt="2024-08-26T06:57:26.090" v="297" actId="20577"/>
-          <ac:spMkLst>
-            <pc:docMk/>
-            <pc:sldMk cId="4009545171" sldId="2124817332"/>
-            <ac:spMk id="3" creationId="{B92B9623-38BC-2F26-EB53-45F63398F9FC}"/>
-          </ac:spMkLst>
-        </pc:spChg>
-        <pc:spChg chg="add del mod ord">
-          <ac:chgData name="Arbour, Duncan" userId="f8c76c83-f09a-4702-8a60-e00215c8b89f" providerId="ADAL" clId="{846C3E24-5A9E-3744-9959-40C2AD777FAA}" dt="2024-08-26T05:55:53.017" v="50" actId="700"/>
-          <ac:spMkLst>
-            <pc:docMk/>
-            <pc:sldMk cId="4009545171" sldId="2124817332"/>
-            <ac:spMk id="4" creationId="{2B401C5A-DDAE-B9D5-D06C-00F35895D5D7}"/>
-          </ac:spMkLst>
-        </pc:spChg>
-        <pc:spChg chg="add del mod">
-          <ac:chgData name="Arbour, Duncan" userId="f8c76c83-f09a-4702-8a60-e00215c8b89f" providerId="ADAL" clId="{846C3E24-5A9E-3744-9959-40C2AD777FAA}" dt="2024-08-26T06:57:34.443" v="299" actId="478"/>
-          <ac:spMkLst>
-            <pc:docMk/>
-            <pc:sldMk cId="4009545171" sldId="2124817332"/>
-            <ac:spMk id="4" creationId="{75E4C9F2-8FFC-514A-8FBA-1DB765E2F7F6}"/>
-          </ac:spMkLst>
-        </pc:spChg>
-        <pc:spChg chg="add mod">
-          <ac:chgData name="Arbour, Duncan" userId="f8c76c83-f09a-4702-8a60-e00215c8b89f" providerId="ADAL" clId="{846C3E24-5A9E-3744-9959-40C2AD777FAA}" dt="2024-08-26T06:57:51.120" v="308" actId="20577"/>
-          <ac:spMkLst>
-            <pc:docMk/>
-            <pc:sldMk cId="4009545171" sldId="2124817332"/>
-            <ac:spMk id="5" creationId="{067DF1C6-91DC-77C7-43AD-D671E0B86C35}"/>
-          </ac:spMkLst>
-        </pc:spChg>
-        <pc:spChg chg="add del mod ord">
-          <ac:chgData name="Arbour, Duncan" userId="f8c76c83-f09a-4702-8a60-e00215c8b89f" providerId="ADAL" clId="{846C3E24-5A9E-3744-9959-40C2AD777FAA}" dt="2024-08-26T05:55:53.017" v="50" actId="700"/>
-          <ac:spMkLst>
-            <pc:docMk/>
-            <pc:sldMk cId="4009545171" sldId="2124817332"/>
-            <ac:spMk id="5" creationId="{9B3AE270-BF14-0AE9-5A44-E54105B02493}"/>
-          </ac:spMkLst>
-        </pc:spChg>
-        <pc:spChg chg="add del mod ord">
-          <ac:chgData name="Arbour, Duncan" userId="f8c76c83-f09a-4702-8a60-e00215c8b89f" providerId="ADAL" clId="{846C3E24-5A9E-3744-9959-40C2AD777FAA}" dt="2024-08-26T05:56:28.765" v="52" actId="700"/>
-          <ac:spMkLst>
-            <pc:docMk/>
-            <pc:sldMk cId="4009545171" sldId="2124817332"/>
-            <ac:spMk id="6" creationId="{069A48B3-B132-E6C1-C749-6B9343A517A9}"/>
-          </ac:spMkLst>
-        </pc:spChg>
-        <pc:spChg chg="add mod">
-          <ac:chgData name="Arbour, Duncan" userId="f8c76c83-f09a-4702-8a60-e00215c8b89f" providerId="ADAL" clId="{846C3E24-5A9E-3744-9959-40C2AD777FAA}" dt="2024-08-26T06:58:42.542" v="315" actId="20577"/>
-          <ac:spMkLst>
-            <pc:docMk/>
-            <pc:sldMk cId="4009545171" sldId="2124817332"/>
-            <ac:spMk id="6" creationId="{391BAAFD-FBA1-A72F-ACD1-C891F9BFB7D8}"/>
-          </ac:spMkLst>
-        </pc:spChg>
-        <pc:spChg chg="add del mod ord">
-          <ac:chgData name="Arbour, Duncan" userId="f8c76c83-f09a-4702-8a60-e00215c8b89f" providerId="ADAL" clId="{846C3E24-5A9E-3744-9959-40C2AD777FAA}" dt="2024-08-26T05:56:28.765" v="52" actId="700"/>
-          <ac:spMkLst>
-            <pc:docMk/>
-            <pc:sldMk cId="4009545171" sldId="2124817332"/>
-            <ac:spMk id="7" creationId="{CA5AB413-BC95-7995-1E7F-32DF3E15DF44}"/>
-          </ac:spMkLst>
-        </pc:spChg>
-        <pc:spChg chg="add mod">
-          <ac:chgData name="Arbour, Duncan" userId="f8c76c83-f09a-4702-8a60-e00215c8b89f" providerId="ADAL" clId="{846C3E24-5A9E-3744-9959-40C2AD777FAA}" dt="2024-08-26T05:56:42.409" v="54"/>
-          <ac:spMkLst>
-            <pc:docMk/>
-            <pc:sldMk cId="4009545171" sldId="2124817332"/>
-            <ac:spMk id="8" creationId="{0BCB2F6D-99BC-B941-B140-80B9FE6084E4}"/>
-          </ac:spMkLst>
-        </pc:spChg>
-        <pc:spChg chg="add mod">
-          <ac:chgData name="Arbour, Duncan" userId="f8c76c83-f09a-4702-8a60-e00215c8b89f" providerId="ADAL" clId="{846C3E24-5A9E-3744-9959-40C2AD777FAA}" dt="2024-08-26T05:56:42.426" v="55"/>
-          <ac:spMkLst>
-            <pc:docMk/>
-            <pc:sldMk cId="4009545171" sldId="2124817332"/>
-            <ac:spMk id="9" creationId="{8D98AFA7-D1A4-536E-1BA7-A91416484302}"/>
-          </ac:spMkLst>
-        </pc:spChg>
-        <pc:spChg chg="add mod">
-          <ac:chgData name="Arbour, Duncan" userId="f8c76c83-f09a-4702-8a60-e00215c8b89f" providerId="ADAL" clId="{846C3E24-5A9E-3744-9959-40C2AD777FAA}" dt="2024-08-26T05:57:28.020" v="89"/>
-          <ac:spMkLst>
-            <pc:docMk/>
-            <pc:sldMk cId="4009545171" sldId="2124817332"/>
-            <ac:spMk id="10" creationId="{A0FA270B-C971-EF53-6C4C-B54677EC7B09}"/>
-          </ac:spMkLst>
-        </pc:spChg>
-        <pc:spChg chg="add mod">
-          <ac:chgData name="Arbour, Duncan" userId="f8c76c83-f09a-4702-8a60-e00215c8b89f" providerId="ADAL" clId="{846C3E24-5A9E-3744-9959-40C2AD777FAA}" dt="2024-08-26T06:04:08.323" v="189"/>
-          <ac:spMkLst>
-            <pc:docMk/>
-            <pc:sldMk cId="4009545171" sldId="2124817332"/>
-            <ac:spMk id="11" creationId="{EFD3C2BA-DEAA-8458-FF7D-450E4DD28DC0}"/>
-          </ac:spMkLst>
-        </pc:spChg>
-        <pc:spChg chg="add mod">
-          <ac:chgData name="Arbour, Duncan" userId="f8c76c83-f09a-4702-8a60-e00215c8b89f" providerId="ADAL" clId="{846C3E24-5A9E-3744-9959-40C2AD777FAA}" dt="2024-08-26T06:04:37.807" v="232" actId="2711"/>
-          <ac:spMkLst>
-            <pc:docMk/>
-            <pc:sldMk cId="4009545171" sldId="2124817332"/>
-            <ac:spMk id="12" creationId="{352F6627-1E23-4EBA-E680-28D3051E282E}"/>
-          </ac:spMkLst>
-        </pc:spChg>
-      </pc:sldChg>
-      <pc:sldChg chg="add">
-        <pc:chgData name="Arbour, Duncan" userId="f8c76c83-f09a-4702-8a60-e00215c8b89f" providerId="ADAL" clId="{846C3E24-5A9E-3744-9959-40C2AD777FAA}" dt="2024-08-26T07:25:53.106" v="340" actId="2890"/>
-        <pc:sldMkLst>
-          <pc:docMk/>
-          <pc:sldMk cId="1277930676" sldId="2124817333"/>
-        </pc:sldMkLst>
-      </pc:sldChg>
-      <pc:sldChg chg="add del">
-        <pc:chgData name="Arbour, Duncan" userId="f8c76c83-f09a-4702-8a60-e00215c8b89f" providerId="ADAL" clId="{846C3E24-5A9E-3744-9959-40C2AD777FAA}" dt="2024-08-26T07:25:47.364" v="336" actId="2696"/>
-        <pc:sldMkLst>
-          <pc:docMk/>
-          <pc:sldMk cId="1560654069" sldId="2124817333"/>
-        </pc:sldMkLst>
-      </pc:sldChg>
-      <pc:sldChg chg="add del">
-        <pc:chgData name="Arbour, Duncan" userId="f8c76c83-f09a-4702-8a60-e00215c8b89f" providerId="ADAL" clId="{846C3E24-5A9E-3744-9959-40C2AD777FAA}" dt="2024-08-26T06:56:26.101" v="271" actId="2696"/>
-        <pc:sldMkLst>
-          <pc:docMk/>
-          <pc:sldMk cId="1832708570" sldId="2124817333"/>
-        </pc:sldMkLst>
-      </pc:sldChg>
-      <pc:sldChg chg="add del">
-        <pc:chgData name="Arbour, Duncan" userId="f8c76c83-f09a-4702-8a60-e00215c8b89f" providerId="ADAL" clId="{846C3E24-5A9E-3744-9959-40C2AD777FAA}" dt="2024-08-26T06:56:26.117" v="273" actId="2696"/>
-        <pc:sldMkLst>
-          <pc:docMk/>
-          <pc:sldMk cId="1005105253" sldId="2124817334"/>
-        </pc:sldMkLst>
-      </pc:sldChg>
-      <pc:sldChg chg="add">
-        <pc:chgData name="Arbour, Duncan" userId="f8c76c83-f09a-4702-8a60-e00215c8b89f" providerId="ADAL" clId="{846C3E24-5A9E-3744-9959-40C2AD777FAA}" dt="2024-08-26T07:25:54.237" v="341" actId="2890"/>
-        <pc:sldMkLst>
-          <pc:docMk/>
-          <pc:sldMk cId="1331910355" sldId="2124817334"/>
-        </pc:sldMkLst>
-      </pc:sldChg>
-      <pc:sldChg chg="add del">
-        <pc:chgData name="Arbour, Duncan" userId="f8c76c83-f09a-4702-8a60-e00215c8b89f" providerId="ADAL" clId="{846C3E24-5A9E-3744-9959-40C2AD777FAA}" dt="2024-08-26T07:25:47.382" v="338" actId="2696"/>
-        <pc:sldMkLst>
-          <pc:docMk/>
-          <pc:sldMk cId="1404980038" sldId="2124817334"/>
-        </pc:sldMkLst>
-      </pc:sldChg>
-      <pc:sldChg chg="add del">
-        <pc:chgData name="Arbour, Duncan" userId="f8c76c83-f09a-4702-8a60-e00215c8b89f" providerId="ADAL" clId="{846C3E24-5A9E-3744-9959-40C2AD777FAA}" dt="2024-08-26T07:25:47.367" v="337" actId="2696"/>
-        <pc:sldMkLst>
-          <pc:docMk/>
-          <pc:sldMk cId="1649043317" sldId="2124817335"/>
-        </pc:sldMkLst>
-      </pc:sldChg>
-      <pc:sldChg chg="add del">
-        <pc:chgData name="Arbour, Duncan" userId="f8c76c83-f09a-4702-8a60-e00215c8b89f" providerId="ADAL" clId="{846C3E24-5A9E-3744-9959-40C2AD777FAA}" dt="2024-08-26T06:56:26.103" v="272" actId="2696"/>
-        <pc:sldMkLst>
-          <pc:docMk/>
-          <pc:sldMk cId="2237579686" sldId="2124817335"/>
-        </pc:sldMkLst>
-      </pc:sldChg>
-      <pc:sldChg chg="add">
-        <pc:chgData name="Arbour, Duncan" userId="f8c76c83-f09a-4702-8a60-e00215c8b89f" providerId="ADAL" clId="{846C3E24-5A9E-3744-9959-40C2AD777FAA}" dt="2024-08-26T07:25:54.769" v="342" actId="2890"/>
-        <pc:sldMkLst>
-          <pc:docMk/>
-          <pc:sldMk cId="3528491762" sldId="2124817335"/>
-        </pc:sldMkLst>
-      </pc:sldChg>
-      <pc:sldChg chg="add del">
-        <pc:chgData name="Arbour, Duncan" userId="f8c76c83-f09a-4702-8a60-e00215c8b89f" providerId="ADAL" clId="{846C3E24-5A9E-3744-9959-40C2AD777FAA}" dt="2024-08-26T06:56:26.133" v="274" actId="2696"/>
-        <pc:sldMkLst>
-          <pc:docMk/>
-          <pc:sldMk cId="152920915" sldId="2124817336"/>
-        </pc:sldMkLst>
-      </pc:sldChg>
-      <pc:sldChg chg="add del">
-        <pc:chgData name="Arbour, Duncan" userId="f8c76c83-f09a-4702-8a60-e00215c8b89f" providerId="ADAL" clId="{846C3E24-5A9E-3744-9959-40C2AD777FAA}" dt="2024-08-26T07:25:47.397" v="339" actId="2696"/>
-        <pc:sldMkLst>
-          <pc:docMk/>
-          <pc:sldMk cId="534408419" sldId="2124817336"/>
-        </pc:sldMkLst>
-      </pc:sldChg>
-      <pc:sldChg chg="add">
-        <pc:chgData name="Arbour, Duncan" userId="f8c76c83-f09a-4702-8a60-e00215c8b89f" providerId="ADAL" clId="{846C3E24-5A9E-3744-9959-40C2AD777FAA}" dt="2024-08-26T07:25:55.272" v="343" actId="2890"/>
-        <pc:sldMkLst>
-          <pc:docMk/>
-          <pc:sldMk cId="3875984506" sldId="2124817336"/>
-        </pc:sldMkLst>
-      </pc:sldChg>
-      <pc:sldChg chg="add del">
-        <pc:chgData name="Arbour, Duncan" userId="f8c76c83-f09a-4702-8a60-e00215c8b89f" providerId="ADAL" clId="{846C3E24-5A9E-3744-9959-40C2AD777FAA}" dt="2024-08-26T06:52:57.202" v="263" actId="2696"/>
-        <pc:sldMkLst>
-          <pc:docMk/>
-          <pc:sldMk cId="2791176710" sldId="2124817337"/>
-        </pc:sldMkLst>
-      </pc:sldChg>
-      <pc:sldMasterChg chg="addSp delSp modSp new mod addSldLayout modSldLayout">
-        <pc:chgData name="Arbour, Duncan" userId="f8c76c83-f09a-4702-8a60-e00215c8b89f" providerId="ADAL" clId="{846C3E24-5A9E-3744-9959-40C2AD777FAA}" dt="2024-08-26T05:56:23.607" v="51" actId="478"/>
+      <pc:sldMasterChg chg="modSldLayout">
+        <pc:chgData name="Arbour, Duncan" userId="f8c76c83-f09a-4702-8a60-e00215c8b89f" providerId="ADAL" clId="{B95A6A78-FBF7-994B-9974-D56A71F546CB}" dt="2024-08-26T15:01:44.858" v="0" actId="692"/>
         <pc:sldMasterMkLst>
           <pc:docMk/>
           <pc:sldMasterMk cId="3393914892" sldId="2147484723"/>
         </pc:sldMasterMkLst>
-        <pc:spChg chg="del">
-          <ac:chgData name="Arbour, Duncan" userId="f8c76c83-f09a-4702-8a60-e00215c8b89f" providerId="ADAL" clId="{846C3E24-5A9E-3744-9959-40C2AD777FAA}" dt="2024-08-26T05:53:42.374" v="29" actId="478"/>
-          <ac:spMkLst>
-            <pc:docMk/>
-            <pc:sldMasterMk cId="3393914892" sldId="2147484723"/>
-            <ac:spMk id="2" creationId="{5FD2B58D-FFF6-B338-04FC-988AB81516AD}"/>
-          </ac:spMkLst>
-        </pc:spChg>
-        <pc:spChg chg="del">
-          <ac:chgData name="Arbour, Duncan" userId="f8c76c83-f09a-4702-8a60-e00215c8b89f" providerId="ADAL" clId="{846C3E24-5A9E-3744-9959-40C2AD777FAA}" dt="2024-08-26T05:53:42.374" v="29" actId="478"/>
-          <ac:spMkLst>
-            <pc:docMk/>
-            <pc:sldMasterMk cId="3393914892" sldId="2147484723"/>
-            <ac:spMk id="3" creationId="{842EAF3B-0A4A-7425-DECC-B2C1F68A6E24}"/>
-          </ac:spMkLst>
-        </pc:spChg>
-        <pc:spChg chg="del">
-          <ac:chgData name="Arbour, Duncan" userId="f8c76c83-f09a-4702-8a60-e00215c8b89f" providerId="ADAL" clId="{846C3E24-5A9E-3744-9959-40C2AD777FAA}" dt="2024-08-26T05:53:42.374" v="29" actId="478"/>
-          <ac:spMkLst>
-            <pc:docMk/>
-            <pc:sldMasterMk cId="3393914892" sldId="2147484723"/>
-            <ac:spMk id="4" creationId="{C8D9A39E-B331-BD40-6968-38F5DBCFDCCC}"/>
-          </ac:spMkLst>
-        </pc:spChg>
-        <pc:spChg chg="del">
-          <ac:chgData name="Arbour, Duncan" userId="f8c76c83-f09a-4702-8a60-e00215c8b89f" providerId="ADAL" clId="{846C3E24-5A9E-3744-9959-40C2AD777FAA}" dt="2024-08-26T05:53:42.374" v="29" actId="478"/>
-          <ac:spMkLst>
-            <pc:docMk/>
-            <pc:sldMasterMk cId="3393914892" sldId="2147484723"/>
-            <ac:spMk id="5" creationId="{7E9784FA-81DC-C41D-0B12-066CF12E1808}"/>
-          </ac:spMkLst>
-        </pc:spChg>
-        <pc:spChg chg="del">
-          <ac:chgData name="Arbour, Duncan" userId="f8c76c83-f09a-4702-8a60-e00215c8b89f" providerId="ADAL" clId="{846C3E24-5A9E-3744-9959-40C2AD777FAA}" dt="2024-08-26T05:53:42.374" v="29" actId="478"/>
-          <ac:spMkLst>
-            <pc:docMk/>
-            <pc:sldMasterMk cId="3393914892" sldId="2147484723"/>
-            <ac:spMk id="6" creationId="{4C8B3838-F704-B7EC-2D61-BFA0FC2A9AEA}"/>
-          </ac:spMkLst>
-        </pc:spChg>
-        <pc:spChg chg="add mod">
-          <ac:chgData name="Arbour, Duncan" userId="f8c76c83-f09a-4702-8a60-e00215c8b89f" providerId="ADAL" clId="{846C3E24-5A9E-3744-9959-40C2AD777FAA}" dt="2024-08-26T05:53:43.201" v="30"/>
-          <ac:spMkLst>
-            <pc:docMk/>
-            <pc:sldMasterMk cId="3393914892" sldId="2147484723"/>
-            <ac:spMk id="7" creationId="{03ADD961-6B58-54AF-F53E-4F9BB3C17350}"/>
-          </ac:spMkLst>
-        </pc:spChg>
-        <pc:spChg chg="add mod">
-          <ac:chgData name="Arbour, Duncan" userId="f8c76c83-f09a-4702-8a60-e00215c8b89f" providerId="ADAL" clId="{846C3E24-5A9E-3744-9959-40C2AD777FAA}" dt="2024-08-26T05:53:43.201" v="30"/>
-          <ac:spMkLst>
-            <pc:docMk/>
-            <pc:sldMasterMk cId="3393914892" sldId="2147484723"/>
-            <ac:spMk id="8" creationId="{78A1DC7B-6395-080A-35A9-AB848B19E241}"/>
-          </ac:spMkLst>
-        </pc:spChg>
-        <pc:spChg chg="add mod">
-          <ac:chgData name="Arbour, Duncan" userId="f8c76c83-f09a-4702-8a60-e00215c8b89f" providerId="ADAL" clId="{846C3E24-5A9E-3744-9959-40C2AD777FAA}" dt="2024-08-26T05:53:43.201" v="30"/>
-          <ac:spMkLst>
-            <pc:docMk/>
-            <pc:sldMasterMk cId="3393914892" sldId="2147484723"/>
-            <ac:spMk id="9" creationId="{98DC7BF1-37C4-A2E8-2AA8-C76EC5704F64}"/>
-          </ac:spMkLst>
-        </pc:spChg>
-        <pc:spChg chg="add mod">
-          <ac:chgData name="Arbour, Duncan" userId="f8c76c83-f09a-4702-8a60-e00215c8b89f" providerId="ADAL" clId="{846C3E24-5A9E-3744-9959-40C2AD777FAA}" dt="2024-08-26T05:53:43.201" v="30"/>
-          <ac:spMkLst>
-            <pc:docMk/>
-            <pc:sldMasterMk cId="3393914892" sldId="2147484723"/>
-            <ac:spMk id="10" creationId="{5120486E-C79E-28C3-CC5F-E6FC1BBD6662}"/>
-          </ac:spMkLst>
-        </pc:spChg>
-        <pc:spChg chg="add mod">
-          <ac:chgData name="Arbour, Duncan" userId="f8c76c83-f09a-4702-8a60-e00215c8b89f" providerId="ADAL" clId="{846C3E24-5A9E-3744-9959-40C2AD777FAA}" dt="2024-08-26T05:53:43.201" v="30"/>
-          <ac:spMkLst>
-            <pc:docMk/>
-            <pc:sldMasterMk cId="3393914892" sldId="2147484723"/>
-            <ac:spMk id="11" creationId="{27496897-C5CB-D43F-AB12-27FF3311BE6C}"/>
-          </ac:spMkLst>
-        </pc:spChg>
-        <pc:spChg chg="add mod">
-          <ac:chgData name="Arbour, Duncan" userId="f8c76c83-f09a-4702-8a60-e00215c8b89f" providerId="ADAL" clId="{846C3E24-5A9E-3744-9959-40C2AD777FAA}" dt="2024-08-26T05:53:43.201" v="30"/>
-          <ac:spMkLst>
-            <pc:docMk/>
-            <pc:sldMasterMk cId="3393914892" sldId="2147484723"/>
-            <ac:spMk id="12" creationId="{11752406-3D87-2B08-78DC-58C78C29F035}"/>
-          </ac:spMkLst>
-        </pc:spChg>
-        <pc:spChg chg="add mod">
-          <ac:chgData name="Arbour, Duncan" userId="f8c76c83-f09a-4702-8a60-e00215c8b89f" providerId="ADAL" clId="{846C3E24-5A9E-3744-9959-40C2AD777FAA}" dt="2024-08-26T05:53:43.201" v="30"/>
-          <ac:spMkLst>
-            <pc:docMk/>
-            <pc:sldMasterMk cId="3393914892" sldId="2147484723"/>
-            <ac:spMk id="13" creationId="{D03138B0-5DDB-7985-9110-60D90980476F}"/>
-          </ac:spMkLst>
-        </pc:spChg>
-        <pc:spChg chg="add mod">
-          <ac:chgData name="Arbour, Duncan" userId="f8c76c83-f09a-4702-8a60-e00215c8b89f" providerId="ADAL" clId="{846C3E24-5A9E-3744-9959-40C2AD777FAA}" dt="2024-08-26T05:53:43.201" v="30"/>
-          <ac:spMkLst>
-            <pc:docMk/>
-            <pc:sldMasterMk cId="3393914892" sldId="2147484723"/>
-            <ac:spMk id="14" creationId="{5A735AB8-73E3-1894-A131-68F4798863CD}"/>
-          </ac:spMkLst>
-        </pc:spChg>
-        <pc:spChg chg="add mod">
-          <ac:chgData name="Arbour, Duncan" userId="f8c76c83-f09a-4702-8a60-e00215c8b89f" providerId="ADAL" clId="{846C3E24-5A9E-3744-9959-40C2AD777FAA}" dt="2024-08-26T05:53:43.201" v="30"/>
-          <ac:spMkLst>
-            <pc:docMk/>
-            <pc:sldMasterMk cId="3393914892" sldId="2147484723"/>
-            <ac:spMk id="15" creationId="{A4A9C0F0-BB51-2DB2-B61E-E30CA109D3D2}"/>
-          </ac:spMkLst>
-        </pc:spChg>
-        <pc:spChg chg="add mod">
-          <ac:chgData name="Arbour, Duncan" userId="f8c76c83-f09a-4702-8a60-e00215c8b89f" providerId="ADAL" clId="{846C3E24-5A9E-3744-9959-40C2AD777FAA}" dt="2024-08-26T05:53:53.579" v="33" actId="20577"/>
-          <ac:spMkLst>
-            <pc:docMk/>
-            <pc:sldMasterMk cId="3393914892" sldId="2147484723"/>
-            <ac:spMk id="16" creationId="{2F954DCB-1106-25E6-361B-F6E3B512A771}"/>
-          </ac:spMkLst>
-        </pc:spChg>
-        <pc:spChg chg="add mod">
-          <ac:chgData name="Arbour, Duncan" userId="f8c76c83-f09a-4702-8a60-e00215c8b89f" providerId="ADAL" clId="{846C3E24-5A9E-3744-9959-40C2AD777FAA}" dt="2024-08-26T05:53:57.735" v="35" actId="20577"/>
-          <ac:spMkLst>
-            <pc:docMk/>
-            <pc:sldMasterMk cId="3393914892" sldId="2147484723"/>
-            <ac:spMk id="17" creationId="{C52D32B3-A263-C529-7B19-624B34B03D3E}"/>
-          </ac:spMkLst>
-        </pc:spChg>
-        <pc:spChg chg="add mod">
-          <ac:chgData name="Arbour, Duncan" userId="f8c76c83-f09a-4702-8a60-e00215c8b89f" providerId="ADAL" clId="{846C3E24-5A9E-3744-9959-40C2AD777FAA}" dt="2024-08-26T05:54:02.022" v="37" actId="20577"/>
-          <ac:spMkLst>
-            <pc:docMk/>
-            <pc:sldMasterMk cId="3393914892" sldId="2147484723"/>
-            <ac:spMk id="18" creationId="{C42E947D-A4FC-6E26-2127-B9EF76EE12EA}"/>
-          </ac:spMkLst>
-        </pc:spChg>
-        <pc:spChg chg="add mod">
-          <ac:chgData name="Arbour, Duncan" userId="f8c76c83-f09a-4702-8a60-e00215c8b89f" providerId="ADAL" clId="{846C3E24-5A9E-3744-9959-40C2AD777FAA}" dt="2024-08-26T05:54:22.587" v="38" actId="692"/>
-          <ac:spMkLst>
-            <pc:docMk/>
-            <pc:sldMasterMk cId="3393914892" sldId="2147484723"/>
-            <ac:spMk id="19" creationId="{45A8D24F-657F-C926-2FC1-3C19158F02B7}"/>
-          </ac:spMkLst>
-        </pc:spChg>
-        <pc:spChg chg="add mod">
-          <ac:chgData name="Arbour, Duncan" userId="f8c76c83-f09a-4702-8a60-e00215c8b89f" providerId="ADAL" clId="{846C3E24-5A9E-3744-9959-40C2AD777FAA}" dt="2024-08-26T05:54:57.881" v="47" actId="692"/>
-          <ac:spMkLst>
-            <pc:docMk/>
-            <pc:sldMasterMk cId="3393914892" sldId="2147484723"/>
-            <ac:spMk id="20" creationId="{951F48FB-5D7B-5778-19E5-A0DC873B2DE1}"/>
-          </ac:spMkLst>
-        </pc:spChg>
-        <pc:spChg chg="add mod">
-          <ac:chgData name="Arbour, Duncan" userId="f8c76c83-f09a-4702-8a60-e00215c8b89f" providerId="ADAL" clId="{846C3E24-5A9E-3744-9959-40C2AD777FAA}" dt="2024-08-26T05:53:49.785" v="31"/>
-          <ac:spMkLst>
-            <pc:docMk/>
-            <pc:sldMasterMk cId="3393914892" sldId="2147484723"/>
-            <ac:spMk id="21" creationId="{91712627-5679-6010-88DC-D5421DD965C4}"/>
-          </ac:spMkLst>
-        </pc:spChg>
-        <pc:spChg chg="add mod">
-          <ac:chgData name="Arbour, Duncan" userId="f8c76c83-f09a-4702-8a60-e00215c8b89f" providerId="ADAL" clId="{846C3E24-5A9E-3744-9959-40C2AD777FAA}" dt="2024-08-26T05:53:49.785" v="31"/>
-          <ac:spMkLst>
-            <pc:docMk/>
-            <pc:sldMasterMk cId="3393914892" sldId="2147484723"/>
-            <ac:spMk id="22" creationId="{5B21A617-8643-1A2F-1A66-6C0DDFECA257}"/>
-          </ac:spMkLst>
-        </pc:spChg>
-        <pc:spChg chg="add mod">
-          <ac:chgData name="Arbour, Duncan" userId="f8c76c83-f09a-4702-8a60-e00215c8b89f" providerId="ADAL" clId="{846C3E24-5A9E-3744-9959-40C2AD777FAA}" dt="2024-08-26T05:54:55.980" v="46" actId="692"/>
-          <ac:spMkLst>
-            <pc:docMk/>
-            <pc:sldMasterMk cId="3393914892" sldId="2147484723"/>
-            <ac:spMk id="23" creationId="{09E45181-3956-82E7-7321-3F06B19C74CC}"/>
-          </ac:spMkLst>
-        </pc:spChg>
-        <pc:spChg chg="add mod">
-          <ac:chgData name="Arbour, Duncan" userId="f8c76c83-f09a-4702-8a60-e00215c8b89f" providerId="ADAL" clId="{846C3E24-5A9E-3744-9959-40C2AD777FAA}" dt="2024-08-26T05:54:52.782" v="45" actId="692"/>
-          <ac:spMkLst>
-            <pc:docMk/>
-            <pc:sldMasterMk cId="3393914892" sldId="2147484723"/>
-            <ac:spMk id="24" creationId="{D7421B1D-2D97-06CE-BA34-CC4F2B9B41B3}"/>
-          </ac:spMkLst>
-        </pc:spChg>
-        <pc:sldLayoutChg chg="delSp mod">
-          <pc:chgData name="Arbour, Duncan" userId="f8c76c83-f09a-4702-8a60-e00215c8b89f" providerId="ADAL" clId="{846C3E24-5A9E-3744-9959-40C2AD777FAA}" dt="2024-08-26T05:56:23.607" v="51" actId="478"/>
+        <pc:sldLayoutChg chg="modSp mod">
+          <pc:chgData name="Arbour, Duncan" userId="f8c76c83-f09a-4702-8a60-e00215c8b89f" providerId="ADAL" clId="{B95A6A78-FBF7-994B-9974-D56A71F546CB}" dt="2024-08-26T15:01:44.858" v="0" actId="692"/>
           <pc:sldLayoutMkLst>
             <pc:docMk/>
             <pc:sldMasterMk cId="3393914892" sldId="2147484723"/>
             <pc:sldLayoutMk cId="3124469745" sldId="2147483648"/>
           </pc:sldLayoutMkLst>
-          <pc:spChg chg="del">
-            <ac:chgData name="Arbour, Duncan" userId="f8c76c83-f09a-4702-8a60-e00215c8b89f" providerId="ADAL" clId="{846C3E24-5A9E-3744-9959-40C2AD777FAA}" dt="2024-08-26T05:56:23.607" v="51" actId="478"/>
+          <pc:spChg chg="mod">
+            <ac:chgData name="Arbour, Duncan" userId="f8c76c83-f09a-4702-8a60-e00215c8b89f" providerId="ADAL" clId="{B95A6A78-FBF7-994B-9974-D56A71F546CB}" dt="2024-08-26T15:01:44.858" v="0" actId="692"/>
             <ac:spMkLst>
               <pc:docMk/>
               <pc:sldMasterMk cId="3393914892" sldId="2147484723"/>
               <pc:sldLayoutMk cId="3124469745" sldId="2147483648"/>
-              <ac:spMk id="2" creationId="{609AAB25-F8C2-A9F9-872A-1C97F4828B95}"/>
+              <ac:spMk id="4" creationId="{914EF6F3-FAD2-D1CB-E040-60D2B0AE8A23}"/>
             </ac:spMkLst>
           </pc:spChg>
-        </pc:sldLayoutChg>
-        <pc:sldLayoutChg chg="new replId">
-          <pc:chgData name="Arbour, Duncan" userId="f8c76c83-f09a-4702-8a60-e00215c8b89f" providerId="ADAL" clId="{846C3E24-5A9E-3744-9959-40C2AD777FAA}" dt="2024-08-26T05:53:36.439" v="28" actId="6938"/>
-          <pc:sldLayoutMkLst>
-            <pc:docMk/>
-            <pc:sldMasterMk cId="3393914892" sldId="2147484723"/>
-            <pc:sldLayoutMk cId="2549525243" sldId="2147484724"/>
-          </pc:sldLayoutMkLst>
-        </pc:sldLayoutChg>
-        <pc:sldLayoutChg chg="new replId">
-          <pc:chgData name="Arbour, Duncan" userId="f8c76c83-f09a-4702-8a60-e00215c8b89f" providerId="ADAL" clId="{846C3E24-5A9E-3744-9959-40C2AD777FAA}" dt="2024-08-26T05:53:36.439" v="28" actId="6938"/>
-          <pc:sldLayoutMkLst>
-            <pc:docMk/>
-            <pc:sldMasterMk cId="3393914892" sldId="2147484723"/>
-            <pc:sldLayoutMk cId="319547310" sldId="2147484725"/>
-          </pc:sldLayoutMkLst>
-        </pc:sldLayoutChg>
-        <pc:sldLayoutChg chg="new replId">
-          <pc:chgData name="Arbour, Duncan" userId="f8c76c83-f09a-4702-8a60-e00215c8b89f" providerId="ADAL" clId="{846C3E24-5A9E-3744-9959-40C2AD777FAA}" dt="2024-08-26T05:53:36.439" v="28" actId="6938"/>
-          <pc:sldLayoutMkLst>
-            <pc:docMk/>
-            <pc:sldMasterMk cId="3393914892" sldId="2147484723"/>
-            <pc:sldLayoutMk cId="3937844546" sldId="2147484726"/>
-          </pc:sldLayoutMkLst>
-        </pc:sldLayoutChg>
-        <pc:sldLayoutChg chg="new replId">
-          <pc:chgData name="Arbour, Duncan" userId="f8c76c83-f09a-4702-8a60-e00215c8b89f" providerId="ADAL" clId="{846C3E24-5A9E-3744-9959-40C2AD777FAA}" dt="2024-08-26T05:53:36.439" v="28" actId="6938"/>
-          <pc:sldLayoutMkLst>
-            <pc:docMk/>
-            <pc:sldMasterMk cId="3393914892" sldId="2147484723"/>
-            <pc:sldLayoutMk cId="1330810166" sldId="2147484727"/>
-          </pc:sldLayoutMkLst>
-        </pc:sldLayoutChg>
-        <pc:sldLayoutChg chg="new replId">
-          <pc:chgData name="Arbour, Duncan" userId="f8c76c83-f09a-4702-8a60-e00215c8b89f" providerId="ADAL" clId="{846C3E24-5A9E-3744-9959-40C2AD777FAA}" dt="2024-08-26T05:53:36.439" v="28" actId="6938"/>
-          <pc:sldLayoutMkLst>
-            <pc:docMk/>
-            <pc:sldMasterMk cId="3393914892" sldId="2147484723"/>
-            <pc:sldLayoutMk cId="842325583" sldId="2147484728"/>
-          </pc:sldLayoutMkLst>
-        </pc:sldLayoutChg>
-        <pc:sldLayoutChg chg="new replId">
-          <pc:chgData name="Arbour, Duncan" userId="f8c76c83-f09a-4702-8a60-e00215c8b89f" providerId="ADAL" clId="{846C3E24-5A9E-3744-9959-40C2AD777FAA}" dt="2024-08-26T05:53:36.439" v="28" actId="6938"/>
-          <pc:sldLayoutMkLst>
-            <pc:docMk/>
-            <pc:sldMasterMk cId="3393914892" sldId="2147484723"/>
-            <pc:sldLayoutMk cId="2303465669" sldId="2147484729"/>
-          </pc:sldLayoutMkLst>
-        </pc:sldLayoutChg>
-        <pc:sldLayoutChg chg="new replId">
-          <pc:chgData name="Arbour, Duncan" userId="f8c76c83-f09a-4702-8a60-e00215c8b89f" providerId="ADAL" clId="{846C3E24-5A9E-3744-9959-40C2AD777FAA}" dt="2024-08-26T05:53:36.439" v="28" actId="6938"/>
-          <pc:sldLayoutMkLst>
-            <pc:docMk/>
-            <pc:sldMasterMk cId="3393914892" sldId="2147484723"/>
-            <pc:sldLayoutMk cId="1824179414" sldId="2147484730"/>
-          </pc:sldLayoutMkLst>
-        </pc:sldLayoutChg>
-        <pc:sldLayoutChg chg="new replId">
-          <pc:chgData name="Arbour, Duncan" userId="f8c76c83-f09a-4702-8a60-e00215c8b89f" providerId="ADAL" clId="{846C3E24-5A9E-3744-9959-40C2AD777FAA}" dt="2024-08-26T05:53:36.439" v="28" actId="6938"/>
-          <pc:sldLayoutMkLst>
-            <pc:docMk/>
-            <pc:sldMasterMk cId="3393914892" sldId="2147484723"/>
-            <pc:sldLayoutMk cId="230959793" sldId="2147484731"/>
-          </pc:sldLayoutMkLst>
-        </pc:sldLayoutChg>
-        <pc:sldLayoutChg chg="new replId">
-          <pc:chgData name="Arbour, Duncan" userId="f8c76c83-f09a-4702-8a60-e00215c8b89f" providerId="ADAL" clId="{846C3E24-5A9E-3744-9959-40C2AD777FAA}" dt="2024-08-26T05:53:36.439" v="28" actId="6938"/>
-          <pc:sldLayoutMkLst>
-            <pc:docMk/>
-            <pc:sldMasterMk cId="3393914892" sldId="2147484723"/>
-            <pc:sldLayoutMk cId="290292925" sldId="2147484732"/>
-          </pc:sldLayoutMkLst>
-        </pc:sldLayoutChg>
-        <pc:sldLayoutChg chg="new replId">
-          <pc:chgData name="Arbour, Duncan" userId="f8c76c83-f09a-4702-8a60-e00215c8b89f" providerId="ADAL" clId="{846C3E24-5A9E-3744-9959-40C2AD777FAA}" dt="2024-08-26T05:53:36.439" v="28" actId="6938"/>
-          <pc:sldLayoutMkLst>
-            <pc:docMk/>
-            <pc:sldMasterMk cId="3393914892" sldId="2147484723"/>
-            <pc:sldLayoutMk cId="2777934966" sldId="2147484733"/>
-          </pc:sldLayoutMkLst>
-        </pc:sldLayoutChg>
-        <pc:sldLayoutChg chg="new replId">
-          <pc:chgData name="Arbour, Duncan" userId="f8c76c83-f09a-4702-8a60-e00215c8b89f" providerId="ADAL" clId="{846C3E24-5A9E-3744-9959-40C2AD777FAA}" dt="2024-08-26T05:53:36.439" v="28" actId="6938"/>
-          <pc:sldLayoutMkLst>
-            <pc:docMk/>
-            <pc:sldMasterMk cId="3393914892" sldId="2147484723"/>
-            <pc:sldLayoutMk cId="1979286245" sldId="2147484734"/>
-          </pc:sldLayoutMkLst>
         </pc:sldLayoutChg>
       </pc:sldMasterChg>
     </pc:docChg>
@@ -1139,426 +583,6 @@
 </p:notesMaster>
 </file>
 
-<file path=ppt/notesSlides/notesSlide1.xml><?xml version="1.0" encoding="utf-8"?>
-<p:notes xmlns:a="http://schemas.openxmlformats.org/drawingml/2006/main" xmlns:r="http://schemas.openxmlformats.org/officeDocument/2006/relationships" xmlns:p="http://schemas.openxmlformats.org/presentationml/2006/main">
-  <p:cSld>
-    <p:spTree>
-      <p:nvGrpSpPr>
-        <p:cNvPr id="1" name=""/>
-        <p:cNvGrpSpPr/>
-        <p:nvPr/>
-      </p:nvGrpSpPr>
-      <p:grpSpPr>
-        <a:xfrm>
-          <a:off x="0" y="0"/>
-          <a:ext cx="0" cy="0"/>
-          <a:chOff x="0" y="0"/>
-          <a:chExt cx="0" cy="0"/>
-        </a:xfrm>
-      </p:grpSpPr>
-      <p:sp>
-        <p:nvSpPr>
-          <p:cNvPr id="2" name="Slide Image Placeholder 1"/>
-          <p:cNvSpPr>
-            <a:spLocks noGrp="1" noRot="1" noChangeAspect="1"/>
-          </p:cNvSpPr>
-          <p:nvPr>
-            <p:ph type="sldImg"/>
-          </p:nvPr>
-        </p:nvSpPr>
-        <p:spPr/>
-      </p:sp>
-      <p:sp>
-        <p:nvSpPr>
-          <p:cNvPr id="3" name="Notes Placeholder 2"/>
-          <p:cNvSpPr>
-            <a:spLocks noGrp="1"/>
-          </p:cNvSpPr>
-          <p:nvPr>
-            <p:ph type="body" idx="1"/>
-          </p:nvPr>
-        </p:nvSpPr>
-        <p:spPr/>
-        <p:txBody>
-          <a:bodyPr/>
-          <a:lstStyle/>
-          <a:p>
-            <a:endParaRPr lang="en-GB" dirty="0"/>
-          </a:p>
-        </p:txBody>
-      </p:sp>
-      <p:sp>
-        <p:nvSpPr>
-          <p:cNvPr id="4" name="Slide Number Placeholder 3"/>
-          <p:cNvSpPr>
-            <a:spLocks noGrp="1"/>
-          </p:cNvSpPr>
-          <p:nvPr>
-            <p:ph type="sldNum" sz="quarter" idx="5"/>
-          </p:nvPr>
-        </p:nvSpPr>
-        <p:spPr/>
-        <p:txBody>
-          <a:bodyPr/>
-          <a:lstStyle/>
-          <a:p>
-            <a:fld id="{E48E721A-00FE-6747-863C-C15498854AF9}" type="slidenum">
-              <a:rPr lang="en-US" smtClean="0"/>
-              <a:t>1</a:t>
-            </a:fld>
-            <a:endParaRPr lang="en-US" dirty="0"/>
-          </a:p>
-        </p:txBody>
-      </p:sp>
-    </p:spTree>
-    <p:extLst>
-      <p:ext uri="{BB962C8B-B14F-4D97-AF65-F5344CB8AC3E}">
-        <p14:creationId xmlns:p14="http://schemas.microsoft.com/office/powerpoint/2010/main" val="3163805027"/>
-      </p:ext>
-    </p:extLst>
-  </p:cSld>
-  <p:clrMapOvr>
-    <a:masterClrMapping/>
-  </p:clrMapOvr>
-</p:notes>
-</file>
-
-<file path=ppt/notesSlides/notesSlide2.xml><?xml version="1.0" encoding="utf-8"?>
-<p:notes xmlns:a="http://schemas.openxmlformats.org/drawingml/2006/main" xmlns:r="http://schemas.openxmlformats.org/officeDocument/2006/relationships" xmlns:p="http://schemas.openxmlformats.org/presentationml/2006/main">
-  <p:cSld>
-    <p:spTree>
-      <p:nvGrpSpPr>
-        <p:cNvPr id="1" name=""/>
-        <p:cNvGrpSpPr/>
-        <p:nvPr/>
-      </p:nvGrpSpPr>
-      <p:grpSpPr>
-        <a:xfrm>
-          <a:off x="0" y="0"/>
-          <a:ext cx="0" cy="0"/>
-          <a:chOff x="0" y="0"/>
-          <a:chExt cx="0" cy="0"/>
-        </a:xfrm>
-      </p:grpSpPr>
-      <p:sp>
-        <p:nvSpPr>
-          <p:cNvPr id="2" name="Slide Image Placeholder 1"/>
-          <p:cNvSpPr>
-            <a:spLocks noGrp="1" noRot="1" noChangeAspect="1"/>
-          </p:cNvSpPr>
-          <p:nvPr>
-            <p:ph type="sldImg"/>
-          </p:nvPr>
-        </p:nvSpPr>
-        <p:spPr/>
-      </p:sp>
-      <p:sp>
-        <p:nvSpPr>
-          <p:cNvPr id="3" name="Notes Placeholder 2"/>
-          <p:cNvSpPr>
-            <a:spLocks noGrp="1"/>
-          </p:cNvSpPr>
-          <p:nvPr>
-            <p:ph type="body" idx="1"/>
-          </p:nvPr>
-        </p:nvSpPr>
-        <p:spPr/>
-        <p:txBody>
-          <a:bodyPr/>
-          <a:lstStyle/>
-          <a:p>
-            <a:endParaRPr lang="en-GB" dirty="0"/>
-          </a:p>
-        </p:txBody>
-      </p:sp>
-      <p:sp>
-        <p:nvSpPr>
-          <p:cNvPr id="4" name="Slide Number Placeholder 3"/>
-          <p:cNvSpPr>
-            <a:spLocks noGrp="1"/>
-          </p:cNvSpPr>
-          <p:nvPr>
-            <p:ph type="sldNum" sz="quarter" idx="5"/>
-          </p:nvPr>
-        </p:nvSpPr>
-        <p:spPr/>
-        <p:txBody>
-          <a:bodyPr/>
-          <a:lstStyle/>
-          <a:p>
-            <a:fld id="{E48E721A-00FE-6747-863C-C15498854AF9}" type="slidenum">
-              <a:rPr lang="en-US" smtClean="0"/>
-              <a:t>2</a:t>
-            </a:fld>
-            <a:endParaRPr lang="en-US" dirty="0"/>
-          </a:p>
-        </p:txBody>
-      </p:sp>
-    </p:spTree>
-    <p:extLst>
-      <p:ext uri="{BB962C8B-B14F-4D97-AF65-F5344CB8AC3E}">
-        <p14:creationId xmlns:p14="http://schemas.microsoft.com/office/powerpoint/2010/main" val="836368317"/>
-      </p:ext>
-    </p:extLst>
-  </p:cSld>
-  <p:clrMapOvr>
-    <a:masterClrMapping/>
-  </p:clrMapOvr>
-</p:notes>
-</file>
-
-<file path=ppt/notesSlides/notesSlide3.xml><?xml version="1.0" encoding="utf-8"?>
-<p:notes xmlns:a="http://schemas.openxmlformats.org/drawingml/2006/main" xmlns:r="http://schemas.openxmlformats.org/officeDocument/2006/relationships" xmlns:p="http://schemas.openxmlformats.org/presentationml/2006/main">
-  <p:cSld>
-    <p:spTree>
-      <p:nvGrpSpPr>
-        <p:cNvPr id="1" name=""/>
-        <p:cNvGrpSpPr/>
-        <p:nvPr/>
-      </p:nvGrpSpPr>
-      <p:grpSpPr>
-        <a:xfrm>
-          <a:off x="0" y="0"/>
-          <a:ext cx="0" cy="0"/>
-          <a:chOff x="0" y="0"/>
-          <a:chExt cx="0" cy="0"/>
-        </a:xfrm>
-      </p:grpSpPr>
-      <p:sp>
-        <p:nvSpPr>
-          <p:cNvPr id="2" name="Slide Image Placeholder 1"/>
-          <p:cNvSpPr>
-            <a:spLocks noGrp="1" noRot="1" noChangeAspect="1"/>
-          </p:cNvSpPr>
-          <p:nvPr>
-            <p:ph type="sldImg"/>
-          </p:nvPr>
-        </p:nvSpPr>
-        <p:spPr/>
-      </p:sp>
-      <p:sp>
-        <p:nvSpPr>
-          <p:cNvPr id="3" name="Notes Placeholder 2"/>
-          <p:cNvSpPr>
-            <a:spLocks noGrp="1"/>
-          </p:cNvSpPr>
-          <p:nvPr>
-            <p:ph type="body" idx="1"/>
-          </p:nvPr>
-        </p:nvSpPr>
-        <p:spPr/>
-        <p:txBody>
-          <a:bodyPr/>
-          <a:lstStyle/>
-          <a:p>
-            <a:endParaRPr lang="en-GB" dirty="0"/>
-          </a:p>
-        </p:txBody>
-      </p:sp>
-      <p:sp>
-        <p:nvSpPr>
-          <p:cNvPr id="4" name="Slide Number Placeholder 3"/>
-          <p:cNvSpPr>
-            <a:spLocks noGrp="1"/>
-          </p:cNvSpPr>
-          <p:nvPr>
-            <p:ph type="sldNum" sz="quarter" idx="5"/>
-          </p:nvPr>
-        </p:nvSpPr>
-        <p:spPr/>
-        <p:txBody>
-          <a:bodyPr/>
-          <a:lstStyle/>
-          <a:p>
-            <a:fld id="{E48E721A-00FE-6747-863C-C15498854AF9}" type="slidenum">
-              <a:rPr lang="en-US" smtClean="0"/>
-              <a:t>3</a:t>
-            </a:fld>
-            <a:endParaRPr lang="en-US" dirty="0"/>
-          </a:p>
-        </p:txBody>
-      </p:sp>
-    </p:spTree>
-    <p:extLst>
-      <p:ext uri="{BB962C8B-B14F-4D97-AF65-F5344CB8AC3E}">
-        <p14:creationId xmlns:p14="http://schemas.microsoft.com/office/powerpoint/2010/main" val="3429254505"/>
-      </p:ext>
-    </p:extLst>
-  </p:cSld>
-  <p:clrMapOvr>
-    <a:masterClrMapping/>
-  </p:clrMapOvr>
-</p:notes>
-</file>
-
-<file path=ppt/notesSlides/notesSlide4.xml><?xml version="1.0" encoding="utf-8"?>
-<p:notes xmlns:a="http://schemas.openxmlformats.org/drawingml/2006/main" xmlns:r="http://schemas.openxmlformats.org/officeDocument/2006/relationships" xmlns:p="http://schemas.openxmlformats.org/presentationml/2006/main">
-  <p:cSld>
-    <p:spTree>
-      <p:nvGrpSpPr>
-        <p:cNvPr id="1" name=""/>
-        <p:cNvGrpSpPr/>
-        <p:nvPr/>
-      </p:nvGrpSpPr>
-      <p:grpSpPr>
-        <a:xfrm>
-          <a:off x="0" y="0"/>
-          <a:ext cx="0" cy="0"/>
-          <a:chOff x="0" y="0"/>
-          <a:chExt cx="0" cy="0"/>
-        </a:xfrm>
-      </p:grpSpPr>
-      <p:sp>
-        <p:nvSpPr>
-          <p:cNvPr id="2" name="Slide Image Placeholder 1"/>
-          <p:cNvSpPr>
-            <a:spLocks noGrp="1" noRot="1" noChangeAspect="1"/>
-          </p:cNvSpPr>
-          <p:nvPr>
-            <p:ph type="sldImg"/>
-          </p:nvPr>
-        </p:nvSpPr>
-        <p:spPr/>
-      </p:sp>
-      <p:sp>
-        <p:nvSpPr>
-          <p:cNvPr id="3" name="Notes Placeholder 2"/>
-          <p:cNvSpPr>
-            <a:spLocks noGrp="1"/>
-          </p:cNvSpPr>
-          <p:nvPr>
-            <p:ph type="body" idx="1"/>
-          </p:nvPr>
-        </p:nvSpPr>
-        <p:spPr/>
-        <p:txBody>
-          <a:bodyPr/>
-          <a:lstStyle/>
-          <a:p>
-            <a:endParaRPr lang="en-GB" dirty="0"/>
-          </a:p>
-        </p:txBody>
-      </p:sp>
-      <p:sp>
-        <p:nvSpPr>
-          <p:cNvPr id="4" name="Slide Number Placeholder 3"/>
-          <p:cNvSpPr>
-            <a:spLocks noGrp="1"/>
-          </p:cNvSpPr>
-          <p:nvPr>
-            <p:ph type="sldNum" sz="quarter" idx="5"/>
-          </p:nvPr>
-        </p:nvSpPr>
-        <p:spPr/>
-        <p:txBody>
-          <a:bodyPr/>
-          <a:lstStyle/>
-          <a:p>
-            <a:fld id="{E48E721A-00FE-6747-863C-C15498854AF9}" type="slidenum">
-              <a:rPr lang="en-US" smtClean="0"/>
-              <a:t>4</a:t>
-            </a:fld>
-            <a:endParaRPr lang="en-US" dirty="0"/>
-          </a:p>
-        </p:txBody>
-      </p:sp>
-    </p:spTree>
-    <p:extLst>
-      <p:ext uri="{BB962C8B-B14F-4D97-AF65-F5344CB8AC3E}">
-        <p14:creationId xmlns:p14="http://schemas.microsoft.com/office/powerpoint/2010/main" val="3307150132"/>
-      </p:ext>
-    </p:extLst>
-  </p:cSld>
-  <p:clrMapOvr>
-    <a:masterClrMapping/>
-  </p:clrMapOvr>
-</p:notes>
-</file>
-
-<file path=ppt/notesSlides/notesSlide5.xml><?xml version="1.0" encoding="utf-8"?>
-<p:notes xmlns:a="http://schemas.openxmlformats.org/drawingml/2006/main" xmlns:r="http://schemas.openxmlformats.org/officeDocument/2006/relationships" xmlns:p="http://schemas.openxmlformats.org/presentationml/2006/main">
-  <p:cSld>
-    <p:spTree>
-      <p:nvGrpSpPr>
-        <p:cNvPr id="1" name=""/>
-        <p:cNvGrpSpPr/>
-        <p:nvPr/>
-      </p:nvGrpSpPr>
-      <p:grpSpPr>
-        <a:xfrm>
-          <a:off x="0" y="0"/>
-          <a:ext cx="0" cy="0"/>
-          <a:chOff x="0" y="0"/>
-          <a:chExt cx="0" cy="0"/>
-        </a:xfrm>
-      </p:grpSpPr>
-      <p:sp>
-        <p:nvSpPr>
-          <p:cNvPr id="2" name="Slide Image Placeholder 1"/>
-          <p:cNvSpPr>
-            <a:spLocks noGrp="1" noRot="1" noChangeAspect="1"/>
-          </p:cNvSpPr>
-          <p:nvPr>
-            <p:ph type="sldImg"/>
-          </p:nvPr>
-        </p:nvSpPr>
-        <p:spPr/>
-      </p:sp>
-      <p:sp>
-        <p:nvSpPr>
-          <p:cNvPr id="3" name="Notes Placeholder 2"/>
-          <p:cNvSpPr>
-            <a:spLocks noGrp="1"/>
-          </p:cNvSpPr>
-          <p:nvPr>
-            <p:ph type="body" idx="1"/>
-          </p:nvPr>
-        </p:nvSpPr>
-        <p:spPr/>
-        <p:txBody>
-          <a:bodyPr/>
-          <a:lstStyle/>
-          <a:p>
-            <a:endParaRPr lang="en-GB" dirty="0"/>
-          </a:p>
-        </p:txBody>
-      </p:sp>
-      <p:sp>
-        <p:nvSpPr>
-          <p:cNvPr id="4" name="Slide Number Placeholder 3"/>
-          <p:cNvSpPr>
-            <a:spLocks noGrp="1"/>
-          </p:cNvSpPr>
-          <p:nvPr>
-            <p:ph type="sldNum" sz="quarter" idx="5"/>
-          </p:nvPr>
-        </p:nvSpPr>
-        <p:spPr/>
-        <p:txBody>
-          <a:bodyPr/>
-          <a:lstStyle/>
-          <a:p>
-            <a:fld id="{E48E721A-00FE-6747-863C-C15498854AF9}" type="slidenum">
-              <a:rPr lang="en-US" smtClean="0"/>
-              <a:t>5</a:t>
-            </a:fld>
-            <a:endParaRPr lang="en-US" dirty="0"/>
-          </a:p>
-        </p:txBody>
-      </p:sp>
-    </p:spTree>
-    <p:extLst>
-      <p:ext uri="{BB962C8B-B14F-4D97-AF65-F5344CB8AC3E}">
-        <p14:creationId xmlns:p14="http://schemas.microsoft.com/office/powerpoint/2010/main" val="2654362671"/>
-      </p:ext>
-    </p:extLst>
-  </p:cSld>
-  <p:clrMapOvr>
-    <a:masterClrMapping/>
-  </p:clrMapOvr>
-</p:notes>
-</file>
-
 <file path=ppt/slideLayouts/slideLayout1.xml><?xml version="1.0" encoding="utf-8"?>
 <p:sldLayout xmlns:a="http://schemas.openxmlformats.org/drawingml/2006/main" xmlns:r="http://schemas.openxmlformats.org/officeDocument/2006/relationships" xmlns:p="http://schemas.openxmlformats.org/presentationml/2006/main" type="obj" preserve="1">
   <p:cSld name="Content Slide, 1 Column">
@@ -1827,6 +851,51 @@
           <a:chExt cx="0" cy="0"/>
         </a:xfrm>
       </p:grpSpPr>
+      <p:sp>
+        <p:nvSpPr>
+          <p:cNvPr id="4" name="Picture Placeholder 3">
+            <a:extLst>
+              <a:ext uri="{FF2B5EF4-FFF2-40B4-BE49-F238E27FC236}">
+                <a16:creationId xmlns:a16="http://schemas.microsoft.com/office/drawing/2014/main" id="{914EF6F3-FAD2-D1CB-E040-60D2B0AE8A23}"/>
+              </a:ext>
+            </a:extLst>
+          </p:cNvPr>
+          <p:cNvSpPr>
+            <a:spLocks noGrp="1"/>
+          </p:cNvSpPr>
+          <p:nvPr>
+            <p:ph type="pic" sz="quarter" idx="10"/>
+          </p:nvPr>
+        </p:nvSpPr>
+        <p:spPr>
+          <a:xfrm rot="21161001">
+            <a:off x="8440738" y="858838"/>
+            <a:ext cx="3240087" cy="1828800"/>
+          </a:xfrm>
+          <a:prstGeom prst="rect">
+            <a:avLst/>
+          </a:prstGeom>
+          <a:ln>
+            <a:solidFill>
+              <a:schemeClr val="bg2">
+                <a:lumMod val="90000"/>
+              </a:schemeClr>
+            </a:solidFill>
+          </a:ln>
+        </p:spPr>
+        <p:txBody>
+          <a:bodyPr/>
+          <a:lstStyle>
+            <a:lvl1pPr marL="0" indent="0">
+              <a:buNone/>
+              <a:defRPr/>
+            </a:lvl1pPr>
+          </a:lstStyle>
+          <a:p>
+            <a:endParaRPr lang="en-GB" dirty="0"/>
+          </a:p>
+        </p:txBody>
+      </p:sp>
     </p:spTree>
     <p:extLst>
       <p:ext uri="{BB962C8B-B14F-4D97-AF65-F5344CB8AC3E}">
@@ -2946,10 +2015,35 @@
       </p:grpSpPr>
       <p:sp>
         <p:nvSpPr>
-          <p:cNvPr id="9" name="Title 1">
+          <p:cNvPr id="2" name="Picture Placeholder 1">
             <a:extLst>
               <a:ext uri="{FF2B5EF4-FFF2-40B4-BE49-F238E27FC236}">
-                <a16:creationId xmlns:a16="http://schemas.microsoft.com/office/drawing/2014/main" id="{8D98AFA7-D1A4-536E-1BA7-A91416484302}"/>
+                <a16:creationId xmlns:a16="http://schemas.microsoft.com/office/drawing/2014/main" id="{2EEA1161-F2B4-888C-81ED-7B43AC8E0CC0}"/>
+              </a:ext>
+            </a:extLst>
+          </p:cNvPr>
+          <p:cNvSpPr>
+            <a:spLocks noGrp="1"/>
+          </p:cNvSpPr>
+          <p:nvPr>
+            <p:ph type="pic" sz="quarter" idx="10"/>
+          </p:nvPr>
+        </p:nvSpPr>
+        <p:spPr/>
+        <p:txBody>
+          <a:bodyPr/>
+          <a:lstStyle/>
+          <a:p>
+            <a:endParaRPr lang="en-GB"/>
+          </a:p>
+        </p:txBody>
+      </p:sp>
+      <p:sp>
+        <p:nvSpPr>
+          <p:cNvPr id="3" name="Title 1">
+            <a:extLst>
+              <a:ext uri="{FF2B5EF4-FFF2-40B4-BE49-F238E27FC236}">
+                <a16:creationId xmlns:a16="http://schemas.microsoft.com/office/drawing/2014/main" id="{60B68C2C-8264-C693-8456-8BA467FA8E06}"/>
               </a:ext>
             </a:extLst>
           </p:cNvPr>
@@ -3009,7 +2103,7 @@
               <a:defRPr/>
             </a:pPr>
             <a:r>
-              <a:rPr kumimoji="0" lang="en-GB" sz="2665" b="1" i="0" u="none" strike="noStrike" kern="1200" cap="none" spc="-120" normalizeH="0" baseline="0" noProof="0">
+              <a:rPr kumimoji="0" lang="en-GB" sz="2665" b="1" i="0" u="none" strike="noStrike" kern="1200" cap="none" spc="-120" normalizeH="0" baseline="0" noProof="0" dirty="0" err="1">
                 <a:ln>
                   <a:noFill/>
                 </a:ln>
@@ -3047,67 +2141,10 @@
       </p:sp>
       <p:sp>
         <p:nvSpPr>
-          <p:cNvPr id="10" name="Rectangle 9">
+          <p:cNvPr id="4" name="TextBox 3">
             <a:extLst>
               <a:ext uri="{FF2B5EF4-FFF2-40B4-BE49-F238E27FC236}">
-                <a16:creationId xmlns:a16="http://schemas.microsoft.com/office/drawing/2014/main" id="{A0FA270B-C971-EF53-6C4C-B54677EC7B09}"/>
-              </a:ext>
-            </a:extLst>
-          </p:cNvPr>
-          <p:cNvSpPr/>
-          <p:nvPr/>
-        </p:nvSpPr>
-        <p:spPr>
-          <a:xfrm>
-            <a:off x="8441473" y="858644"/>
-            <a:ext cx="3238906" cy="1828800"/>
-          </a:xfrm>
-          <a:prstGeom prst="rect">
-            <a:avLst/>
-          </a:prstGeom>
-          <a:noFill/>
-          <a:ln>
-            <a:solidFill>
-              <a:schemeClr val="bg2"/>
-            </a:solidFill>
-          </a:ln>
-          <a:effectLst/>
-        </p:spPr>
-        <p:style>
-          <a:lnRef idx="1">
-            <a:schemeClr val="accent1"/>
-          </a:lnRef>
-          <a:fillRef idx="3">
-            <a:schemeClr val="accent1"/>
-          </a:fillRef>
-          <a:effectRef idx="2">
-            <a:schemeClr val="accent1"/>
-          </a:effectRef>
-          <a:fontRef idx="minor">
-            <a:schemeClr val="lt1"/>
-          </a:fontRef>
-        </p:style>
-        <p:txBody>
-          <a:bodyPr lIns="0" tIns="0" rIns="0" bIns="0" rtlCol="0" anchor="ctr">
-            <a:normAutofit/>
-          </a:bodyPr>
-          <a:lstStyle/>
-          <a:p>
-            <a:pPr algn="ctr"/>
-            <a:endParaRPr lang="en-GB" dirty="0" err="1">
-              <a:solidFill>
-                <a:schemeClr val="tx2"/>
-              </a:solidFill>
-            </a:endParaRPr>
-          </a:p>
-        </p:txBody>
-      </p:sp>
-      <p:sp>
-        <p:nvSpPr>
-          <p:cNvPr id="12" name="TextBox 11">
-            <a:extLst>
-              <a:ext uri="{FF2B5EF4-FFF2-40B4-BE49-F238E27FC236}">
-                <a16:creationId xmlns:a16="http://schemas.microsoft.com/office/drawing/2014/main" id="{352F6627-1E23-4EBA-E680-28D3051E282E}"/>
+                <a16:creationId xmlns:a16="http://schemas.microsoft.com/office/drawing/2014/main" id="{73443A80-0C94-CE54-707F-C32F78F7EB00}"/>
               </a:ext>
             </a:extLst>
           </p:cNvPr>
@@ -3154,10 +2191,10 @@
       </p:sp>
       <p:sp>
         <p:nvSpPr>
-          <p:cNvPr id="2" name="TextBox 1">
+          <p:cNvPr id="5" name="TextBox 4">
             <a:extLst>
               <a:ext uri="{FF2B5EF4-FFF2-40B4-BE49-F238E27FC236}">
-                <a16:creationId xmlns:a16="http://schemas.microsoft.com/office/drawing/2014/main" id="{37FDBB6B-780B-5190-2B01-826E537D5FE2}"/>
+                <a16:creationId xmlns:a16="http://schemas.microsoft.com/office/drawing/2014/main" id="{374B4091-6E2F-63EF-BE52-3491AF71AF4F}"/>
               </a:ext>
             </a:extLst>
           </p:cNvPr>
@@ -3208,10 +2245,10 @@
       </p:sp>
       <p:sp>
         <p:nvSpPr>
-          <p:cNvPr id="3" name="TextBox 2">
+          <p:cNvPr id="6" name="TextBox 5">
             <a:extLst>
               <a:ext uri="{FF2B5EF4-FFF2-40B4-BE49-F238E27FC236}">
-                <a16:creationId xmlns:a16="http://schemas.microsoft.com/office/drawing/2014/main" id="{B92B9623-38BC-2F26-EB53-45F63398F9FC}"/>
+                <a16:creationId xmlns:a16="http://schemas.microsoft.com/office/drawing/2014/main" id="{3806D234-BD73-B759-7A8F-EA93ACF5A543}"/>
               </a:ext>
             </a:extLst>
           </p:cNvPr>
@@ -3262,10 +2299,10 @@
       </p:sp>
       <p:sp>
         <p:nvSpPr>
-          <p:cNvPr id="5" name="TextBox 4">
+          <p:cNvPr id="7" name="TextBox 6">
             <a:extLst>
               <a:ext uri="{FF2B5EF4-FFF2-40B4-BE49-F238E27FC236}">
-                <a16:creationId xmlns:a16="http://schemas.microsoft.com/office/drawing/2014/main" id="{067DF1C6-91DC-77C7-43AD-D671E0B86C35}"/>
+                <a16:creationId xmlns:a16="http://schemas.microsoft.com/office/drawing/2014/main" id="{07701E74-E9CA-3415-1EEE-F7423502EF2C}"/>
               </a:ext>
             </a:extLst>
           </p:cNvPr>
@@ -3316,10 +2353,10 @@
       </p:sp>
       <p:sp>
         <p:nvSpPr>
-          <p:cNvPr id="6" name="TextBox 5">
+          <p:cNvPr id="8" name="TextBox 7">
             <a:extLst>
               <a:ext uri="{FF2B5EF4-FFF2-40B4-BE49-F238E27FC236}">
-                <a16:creationId xmlns:a16="http://schemas.microsoft.com/office/drawing/2014/main" id="{391BAAFD-FBA1-A72F-ACD1-C891F9BFB7D8}"/>
+                <a16:creationId xmlns:a16="http://schemas.microsoft.com/office/drawing/2014/main" id="{F7798300-80F1-FCE7-CC62-0CBE47B0FC18}"/>
               </a:ext>
             </a:extLst>
           </p:cNvPr>
@@ -3371,7 +2408,7 @@
     </p:spTree>
     <p:extLst>
       <p:ext uri="{BB962C8B-B14F-4D97-AF65-F5344CB8AC3E}">
-        <p14:creationId xmlns:p14="http://schemas.microsoft.com/office/powerpoint/2010/main" val="4009545171"/>
+        <p14:creationId xmlns:p14="http://schemas.microsoft.com/office/powerpoint/2010/main" val="490602260"/>
       </p:ext>
     </p:extLst>
   </p:cSld>
@@ -3400,10 +2437,35 @@
       </p:grpSpPr>
       <p:sp>
         <p:nvSpPr>
-          <p:cNvPr id="9" name="Title 1">
+          <p:cNvPr id="2" name="Picture Placeholder 1">
             <a:extLst>
               <a:ext uri="{FF2B5EF4-FFF2-40B4-BE49-F238E27FC236}">
-                <a16:creationId xmlns:a16="http://schemas.microsoft.com/office/drawing/2014/main" id="{8D98AFA7-D1A4-536E-1BA7-A91416484302}"/>
+                <a16:creationId xmlns:a16="http://schemas.microsoft.com/office/drawing/2014/main" id="{2EEA1161-F2B4-888C-81ED-7B43AC8E0CC0}"/>
+              </a:ext>
+            </a:extLst>
+          </p:cNvPr>
+          <p:cNvSpPr>
+            <a:spLocks noGrp="1"/>
+          </p:cNvSpPr>
+          <p:nvPr>
+            <p:ph type="pic" sz="quarter" idx="10"/>
+          </p:nvPr>
+        </p:nvSpPr>
+        <p:spPr/>
+        <p:txBody>
+          <a:bodyPr/>
+          <a:lstStyle/>
+          <a:p>
+            <a:endParaRPr lang="en-GB"/>
+          </a:p>
+        </p:txBody>
+      </p:sp>
+      <p:sp>
+        <p:nvSpPr>
+          <p:cNvPr id="3" name="Title 1">
+            <a:extLst>
+              <a:ext uri="{FF2B5EF4-FFF2-40B4-BE49-F238E27FC236}">
+                <a16:creationId xmlns:a16="http://schemas.microsoft.com/office/drawing/2014/main" id="{60B68C2C-8264-C693-8456-8BA467FA8E06}"/>
               </a:ext>
             </a:extLst>
           </p:cNvPr>
@@ -3463,7 +2525,7 @@
               <a:defRPr/>
             </a:pPr>
             <a:r>
-              <a:rPr kumimoji="0" lang="en-GB" sz="2665" b="1" i="0" u="none" strike="noStrike" kern="1200" cap="none" spc="-120" normalizeH="0" baseline="0" noProof="0">
+              <a:rPr kumimoji="0" lang="en-GB" sz="2665" b="1" i="0" u="none" strike="noStrike" kern="1200" cap="none" spc="-120" normalizeH="0" baseline="0" noProof="0" dirty="0" err="1">
                 <a:ln>
                   <a:noFill/>
                 </a:ln>
@@ -3501,67 +2563,10 @@
       </p:sp>
       <p:sp>
         <p:nvSpPr>
-          <p:cNvPr id="10" name="Rectangle 9">
+          <p:cNvPr id="4" name="TextBox 3">
             <a:extLst>
               <a:ext uri="{FF2B5EF4-FFF2-40B4-BE49-F238E27FC236}">
-                <a16:creationId xmlns:a16="http://schemas.microsoft.com/office/drawing/2014/main" id="{A0FA270B-C971-EF53-6C4C-B54677EC7B09}"/>
-              </a:ext>
-            </a:extLst>
-          </p:cNvPr>
-          <p:cNvSpPr/>
-          <p:nvPr/>
-        </p:nvSpPr>
-        <p:spPr>
-          <a:xfrm>
-            <a:off x="8441473" y="858644"/>
-            <a:ext cx="3238906" cy="1828800"/>
-          </a:xfrm>
-          <a:prstGeom prst="rect">
-            <a:avLst/>
-          </a:prstGeom>
-          <a:noFill/>
-          <a:ln>
-            <a:solidFill>
-              <a:schemeClr val="bg2"/>
-            </a:solidFill>
-          </a:ln>
-          <a:effectLst/>
-        </p:spPr>
-        <p:style>
-          <a:lnRef idx="1">
-            <a:schemeClr val="accent1"/>
-          </a:lnRef>
-          <a:fillRef idx="3">
-            <a:schemeClr val="accent1"/>
-          </a:fillRef>
-          <a:effectRef idx="2">
-            <a:schemeClr val="accent1"/>
-          </a:effectRef>
-          <a:fontRef idx="minor">
-            <a:schemeClr val="lt1"/>
-          </a:fontRef>
-        </p:style>
-        <p:txBody>
-          <a:bodyPr lIns="0" tIns="0" rIns="0" bIns="0" rtlCol="0" anchor="ctr">
-            <a:normAutofit/>
-          </a:bodyPr>
-          <a:lstStyle/>
-          <a:p>
-            <a:pPr algn="ctr"/>
-            <a:endParaRPr lang="en-GB" dirty="0" err="1">
-              <a:solidFill>
-                <a:schemeClr val="tx2"/>
-              </a:solidFill>
-            </a:endParaRPr>
-          </a:p>
-        </p:txBody>
-      </p:sp>
-      <p:sp>
-        <p:nvSpPr>
-          <p:cNvPr id="12" name="TextBox 11">
-            <a:extLst>
-              <a:ext uri="{FF2B5EF4-FFF2-40B4-BE49-F238E27FC236}">
-                <a16:creationId xmlns:a16="http://schemas.microsoft.com/office/drawing/2014/main" id="{352F6627-1E23-4EBA-E680-28D3051E282E}"/>
+                <a16:creationId xmlns:a16="http://schemas.microsoft.com/office/drawing/2014/main" id="{73443A80-0C94-CE54-707F-C32F78F7EB00}"/>
               </a:ext>
             </a:extLst>
           </p:cNvPr>
@@ -3608,10 +2613,10 @@
       </p:sp>
       <p:sp>
         <p:nvSpPr>
-          <p:cNvPr id="2" name="TextBox 1">
+          <p:cNvPr id="5" name="TextBox 4">
             <a:extLst>
               <a:ext uri="{FF2B5EF4-FFF2-40B4-BE49-F238E27FC236}">
-                <a16:creationId xmlns:a16="http://schemas.microsoft.com/office/drawing/2014/main" id="{37FDBB6B-780B-5190-2B01-826E537D5FE2}"/>
+                <a16:creationId xmlns:a16="http://schemas.microsoft.com/office/drawing/2014/main" id="{374B4091-6E2F-63EF-BE52-3491AF71AF4F}"/>
               </a:ext>
             </a:extLst>
           </p:cNvPr>
@@ -3662,10 +2667,10 @@
       </p:sp>
       <p:sp>
         <p:nvSpPr>
-          <p:cNvPr id="3" name="TextBox 2">
+          <p:cNvPr id="6" name="TextBox 5">
             <a:extLst>
               <a:ext uri="{FF2B5EF4-FFF2-40B4-BE49-F238E27FC236}">
-                <a16:creationId xmlns:a16="http://schemas.microsoft.com/office/drawing/2014/main" id="{B92B9623-38BC-2F26-EB53-45F63398F9FC}"/>
+                <a16:creationId xmlns:a16="http://schemas.microsoft.com/office/drawing/2014/main" id="{3806D234-BD73-B759-7A8F-EA93ACF5A543}"/>
               </a:ext>
             </a:extLst>
           </p:cNvPr>
@@ -3716,10 +2721,10 @@
       </p:sp>
       <p:sp>
         <p:nvSpPr>
-          <p:cNvPr id="5" name="TextBox 4">
+          <p:cNvPr id="7" name="TextBox 6">
             <a:extLst>
               <a:ext uri="{FF2B5EF4-FFF2-40B4-BE49-F238E27FC236}">
-                <a16:creationId xmlns:a16="http://schemas.microsoft.com/office/drawing/2014/main" id="{067DF1C6-91DC-77C7-43AD-D671E0B86C35}"/>
+                <a16:creationId xmlns:a16="http://schemas.microsoft.com/office/drawing/2014/main" id="{07701E74-E9CA-3415-1EEE-F7423502EF2C}"/>
               </a:ext>
             </a:extLst>
           </p:cNvPr>
@@ -3770,10 +2775,10 @@
       </p:sp>
       <p:sp>
         <p:nvSpPr>
-          <p:cNvPr id="6" name="TextBox 5">
+          <p:cNvPr id="8" name="TextBox 7">
             <a:extLst>
               <a:ext uri="{FF2B5EF4-FFF2-40B4-BE49-F238E27FC236}">
-                <a16:creationId xmlns:a16="http://schemas.microsoft.com/office/drawing/2014/main" id="{391BAAFD-FBA1-A72F-ACD1-C891F9BFB7D8}"/>
+                <a16:creationId xmlns:a16="http://schemas.microsoft.com/office/drawing/2014/main" id="{F7798300-80F1-FCE7-CC62-0CBE47B0FC18}"/>
               </a:ext>
             </a:extLst>
           </p:cNvPr>
@@ -3825,7 +2830,7 @@
     </p:spTree>
     <p:extLst>
       <p:ext uri="{BB962C8B-B14F-4D97-AF65-F5344CB8AC3E}">
-        <p14:creationId xmlns:p14="http://schemas.microsoft.com/office/powerpoint/2010/main" val="1277930676"/>
+        <p14:creationId xmlns:p14="http://schemas.microsoft.com/office/powerpoint/2010/main" val="684980235"/>
       </p:ext>
     </p:extLst>
   </p:cSld>
@@ -3854,10 +2859,35 @@
       </p:grpSpPr>
       <p:sp>
         <p:nvSpPr>
-          <p:cNvPr id="9" name="Title 1">
+          <p:cNvPr id="2" name="Picture Placeholder 1">
             <a:extLst>
               <a:ext uri="{FF2B5EF4-FFF2-40B4-BE49-F238E27FC236}">
-                <a16:creationId xmlns:a16="http://schemas.microsoft.com/office/drawing/2014/main" id="{8D98AFA7-D1A4-536E-1BA7-A91416484302}"/>
+                <a16:creationId xmlns:a16="http://schemas.microsoft.com/office/drawing/2014/main" id="{2EEA1161-F2B4-888C-81ED-7B43AC8E0CC0}"/>
+              </a:ext>
+            </a:extLst>
+          </p:cNvPr>
+          <p:cNvSpPr>
+            <a:spLocks noGrp="1"/>
+          </p:cNvSpPr>
+          <p:nvPr>
+            <p:ph type="pic" sz="quarter" idx="10"/>
+          </p:nvPr>
+        </p:nvSpPr>
+        <p:spPr/>
+        <p:txBody>
+          <a:bodyPr/>
+          <a:lstStyle/>
+          <a:p>
+            <a:endParaRPr lang="en-GB"/>
+          </a:p>
+        </p:txBody>
+      </p:sp>
+      <p:sp>
+        <p:nvSpPr>
+          <p:cNvPr id="3" name="Title 1">
+            <a:extLst>
+              <a:ext uri="{FF2B5EF4-FFF2-40B4-BE49-F238E27FC236}">
+                <a16:creationId xmlns:a16="http://schemas.microsoft.com/office/drawing/2014/main" id="{60B68C2C-8264-C693-8456-8BA467FA8E06}"/>
               </a:ext>
             </a:extLst>
           </p:cNvPr>
@@ -3917,7 +2947,7 @@
               <a:defRPr/>
             </a:pPr>
             <a:r>
-              <a:rPr kumimoji="0" lang="en-GB" sz="2665" b="1" i="0" u="none" strike="noStrike" kern="1200" cap="none" spc="-120" normalizeH="0" baseline="0" noProof="0">
+              <a:rPr kumimoji="0" lang="en-GB" sz="2665" b="1" i="0" u="none" strike="noStrike" kern="1200" cap="none" spc="-120" normalizeH="0" baseline="0" noProof="0" dirty="0" err="1">
                 <a:ln>
                   <a:noFill/>
                 </a:ln>
@@ -3955,67 +2985,10 @@
       </p:sp>
       <p:sp>
         <p:nvSpPr>
-          <p:cNvPr id="10" name="Rectangle 9">
+          <p:cNvPr id="4" name="TextBox 3">
             <a:extLst>
               <a:ext uri="{FF2B5EF4-FFF2-40B4-BE49-F238E27FC236}">
-                <a16:creationId xmlns:a16="http://schemas.microsoft.com/office/drawing/2014/main" id="{A0FA270B-C971-EF53-6C4C-B54677EC7B09}"/>
-              </a:ext>
-            </a:extLst>
-          </p:cNvPr>
-          <p:cNvSpPr/>
-          <p:nvPr/>
-        </p:nvSpPr>
-        <p:spPr>
-          <a:xfrm>
-            <a:off x="8441473" y="858644"/>
-            <a:ext cx="3238906" cy="1828800"/>
-          </a:xfrm>
-          <a:prstGeom prst="rect">
-            <a:avLst/>
-          </a:prstGeom>
-          <a:noFill/>
-          <a:ln>
-            <a:solidFill>
-              <a:schemeClr val="bg2"/>
-            </a:solidFill>
-          </a:ln>
-          <a:effectLst/>
-        </p:spPr>
-        <p:style>
-          <a:lnRef idx="1">
-            <a:schemeClr val="accent1"/>
-          </a:lnRef>
-          <a:fillRef idx="3">
-            <a:schemeClr val="accent1"/>
-          </a:fillRef>
-          <a:effectRef idx="2">
-            <a:schemeClr val="accent1"/>
-          </a:effectRef>
-          <a:fontRef idx="minor">
-            <a:schemeClr val="lt1"/>
-          </a:fontRef>
-        </p:style>
-        <p:txBody>
-          <a:bodyPr lIns="0" tIns="0" rIns="0" bIns="0" rtlCol="0" anchor="ctr">
-            <a:normAutofit/>
-          </a:bodyPr>
-          <a:lstStyle/>
-          <a:p>
-            <a:pPr algn="ctr"/>
-            <a:endParaRPr lang="en-GB" dirty="0" err="1">
-              <a:solidFill>
-                <a:schemeClr val="tx2"/>
-              </a:solidFill>
-            </a:endParaRPr>
-          </a:p>
-        </p:txBody>
-      </p:sp>
-      <p:sp>
-        <p:nvSpPr>
-          <p:cNvPr id="12" name="TextBox 11">
-            <a:extLst>
-              <a:ext uri="{FF2B5EF4-FFF2-40B4-BE49-F238E27FC236}">
-                <a16:creationId xmlns:a16="http://schemas.microsoft.com/office/drawing/2014/main" id="{352F6627-1E23-4EBA-E680-28D3051E282E}"/>
+                <a16:creationId xmlns:a16="http://schemas.microsoft.com/office/drawing/2014/main" id="{73443A80-0C94-CE54-707F-C32F78F7EB00}"/>
               </a:ext>
             </a:extLst>
           </p:cNvPr>
@@ -4062,10 +3035,10 @@
       </p:sp>
       <p:sp>
         <p:nvSpPr>
-          <p:cNvPr id="2" name="TextBox 1">
+          <p:cNvPr id="5" name="TextBox 4">
             <a:extLst>
               <a:ext uri="{FF2B5EF4-FFF2-40B4-BE49-F238E27FC236}">
-                <a16:creationId xmlns:a16="http://schemas.microsoft.com/office/drawing/2014/main" id="{37FDBB6B-780B-5190-2B01-826E537D5FE2}"/>
+                <a16:creationId xmlns:a16="http://schemas.microsoft.com/office/drawing/2014/main" id="{374B4091-6E2F-63EF-BE52-3491AF71AF4F}"/>
               </a:ext>
             </a:extLst>
           </p:cNvPr>
@@ -4116,10 +3089,10 @@
       </p:sp>
       <p:sp>
         <p:nvSpPr>
-          <p:cNvPr id="3" name="TextBox 2">
+          <p:cNvPr id="6" name="TextBox 5">
             <a:extLst>
               <a:ext uri="{FF2B5EF4-FFF2-40B4-BE49-F238E27FC236}">
-                <a16:creationId xmlns:a16="http://schemas.microsoft.com/office/drawing/2014/main" id="{B92B9623-38BC-2F26-EB53-45F63398F9FC}"/>
+                <a16:creationId xmlns:a16="http://schemas.microsoft.com/office/drawing/2014/main" id="{3806D234-BD73-B759-7A8F-EA93ACF5A543}"/>
               </a:ext>
             </a:extLst>
           </p:cNvPr>
@@ -4170,10 +3143,10 @@
       </p:sp>
       <p:sp>
         <p:nvSpPr>
-          <p:cNvPr id="5" name="TextBox 4">
+          <p:cNvPr id="7" name="TextBox 6">
             <a:extLst>
               <a:ext uri="{FF2B5EF4-FFF2-40B4-BE49-F238E27FC236}">
-                <a16:creationId xmlns:a16="http://schemas.microsoft.com/office/drawing/2014/main" id="{067DF1C6-91DC-77C7-43AD-D671E0B86C35}"/>
+                <a16:creationId xmlns:a16="http://schemas.microsoft.com/office/drawing/2014/main" id="{07701E74-E9CA-3415-1EEE-F7423502EF2C}"/>
               </a:ext>
             </a:extLst>
           </p:cNvPr>
@@ -4224,10 +3197,10 @@
       </p:sp>
       <p:sp>
         <p:nvSpPr>
-          <p:cNvPr id="6" name="TextBox 5">
+          <p:cNvPr id="8" name="TextBox 7">
             <a:extLst>
               <a:ext uri="{FF2B5EF4-FFF2-40B4-BE49-F238E27FC236}">
-                <a16:creationId xmlns:a16="http://schemas.microsoft.com/office/drawing/2014/main" id="{391BAAFD-FBA1-A72F-ACD1-C891F9BFB7D8}"/>
+                <a16:creationId xmlns:a16="http://schemas.microsoft.com/office/drawing/2014/main" id="{F7798300-80F1-FCE7-CC62-0CBE47B0FC18}"/>
               </a:ext>
             </a:extLst>
           </p:cNvPr>
@@ -4279,7 +3252,7 @@
     </p:spTree>
     <p:extLst>
       <p:ext uri="{BB962C8B-B14F-4D97-AF65-F5344CB8AC3E}">
-        <p14:creationId xmlns:p14="http://schemas.microsoft.com/office/powerpoint/2010/main" val="1331910355"/>
+        <p14:creationId xmlns:p14="http://schemas.microsoft.com/office/powerpoint/2010/main" val="2676966428"/>
       </p:ext>
     </p:extLst>
   </p:cSld>
@@ -4308,10 +3281,35 @@
       </p:grpSpPr>
       <p:sp>
         <p:nvSpPr>
-          <p:cNvPr id="9" name="Title 1">
+          <p:cNvPr id="2" name="Picture Placeholder 1">
             <a:extLst>
               <a:ext uri="{FF2B5EF4-FFF2-40B4-BE49-F238E27FC236}">
-                <a16:creationId xmlns:a16="http://schemas.microsoft.com/office/drawing/2014/main" id="{8D98AFA7-D1A4-536E-1BA7-A91416484302}"/>
+                <a16:creationId xmlns:a16="http://schemas.microsoft.com/office/drawing/2014/main" id="{2EEA1161-F2B4-888C-81ED-7B43AC8E0CC0}"/>
+              </a:ext>
+            </a:extLst>
+          </p:cNvPr>
+          <p:cNvSpPr>
+            <a:spLocks noGrp="1"/>
+          </p:cNvSpPr>
+          <p:nvPr>
+            <p:ph type="pic" sz="quarter" idx="10"/>
+          </p:nvPr>
+        </p:nvSpPr>
+        <p:spPr/>
+        <p:txBody>
+          <a:bodyPr/>
+          <a:lstStyle/>
+          <a:p>
+            <a:endParaRPr lang="en-GB"/>
+          </a:p>
+        </p:txBody>
+      </p:sp>
+      <p:sp>
+        <p:nvSpPr>
+          <p:cNvPr id="3" name="Title 1">
+            <a:extLst>
+              <a:ext uri="{FF2B5EF4-FFF2-40B4-BE49-F238E27FC236}">
+                <a16:creationId xmlns:a16="http://schemas.microsoft.com/office/drawing/2014/main" id="{60B68C2C-8264-C693-8456-8BA467FA8E06}"/>
               </a:ext>
             </a:extLst>
           </p:cNvPr>
@@ -4371,7 +3369,7 @@
               <a:defRPr/>
             </a:pPr>
             <a:r>
-              <a:rPr kumimoji="0" lang="en-GB" sz="2665" b="1" i="0" u="none" strike="noStrike" kern="1200" cap="none" spc="-120" normalizeH="0" baseline="0" noProof="0">
+              <a:rPr kumimoji="0" lang="en-GB" sz="2665" b="1" i="0" u="none" strike="noStrike" kern="1200" cap="none" spc="-120" normalizeH="0" baseline="0" noProof="0" dirty="0" err="1">
                 <a:ln>
                   <a:noFill/>
                 </a:ln>
@@ -4409,67 +3407,10 @@
       </p:sp>
       <p:sp>
         <p:nvSpPr>
-          <p:cNvPr id="10" name="Rectangle 9">
+          <p:cNvPr id="4" name="TextBox 3">
             <a:extLst>
               <a:ext uri="{FF2B5EF4-FFF2-40B4-BE49-F238E27FC236}">
-                <a16:creationId xmlns:a16="http://schemas.microsoft.com/office/drawing/2014/main" id="{A0FA270B-C971-EF53-6C4C-B54677EC7B09}"/>
-              </a:ext>
-            </a:extLst>
-          </p:cNvPr>
-          <p:cNvSpPr/>
-          <p:nvPr/>
-        </p:nvSpPr>
-        <p:spPr>
-          <a:xfrm>
-            <a:off x="8441473" y="858644"/>
-            <a:ext cx="3238906" cy="1828800"/>
-          </a:xfrm>
-          <a:prstGeom prst="rect">
-            <a:avLst/>
-          </a:prstGeom>
-          <a:noFill/>
-          <a:ln>
-            <a:solidFill>
-              <a:schemeClr val="bg2"/>
-            </a:solidFill>
-          </a:ln>
-          <a:effectLst/>
-        </p:spPr>
-        <p:style>
-          <a:lnRef idx="1">
-            <a:schemeClr val="accent1"/>
-          </a:lnRef>
-          <a:fillRef idx="3">
-            <a:schemeClr val="accent1"/>
-          </a:fillRef>
-          <a:effectRef idx="2">
-            <a:schemeClr val="accent1"/>
-          </a:effectRef>
-          <a:fontRef idx="minor">
-            <a:schemeClr val="lt1"/>
-          </a:fontRef>
-        </p:style>
-        <p:txBody>
-          <a:bodyPr lIns="0" tIns="0" rIns="0" bIns="0" rtlCol="0" anchor="ctr">
-            <a:normAutofit/>
-          </a:bodyPr>
-          <a:lstStyle/>
-          <a:p>
-            <a:pPr algn="ctr"/>
-            <a:endParaRPr lang="en-GB" dirty="0" err="1">
-              <a:solidFill>
-                <a:schemeClr val="tx2"/>
-              </a:solidFill>
-            </a:endParaRPr>
-          </a:p>
-        </p:txBody>
-      </p:sp>
-      <p:sp>
-        <p:nvSpPr>
-          <p:cNvPr id="12" name="TextBox 11">
-            <a:extLst>
-              <a:ext uri="{FF2B5EF4-FFF2-40B4-BE49-F238E27FC236}">
-                <a16:creationId xmlns:a16="http://schemas.microsoft.com/office/drawing/2014/main" id="{352F6627-1E23-4EBA-E680-28D3051E282E}"/>
+                <a16:creationId xmlns:a16="http://schemas.microsoft.com/office/drawing/2014/main" id="{73443A80-0C94-CE54-707F-C32F78F7EB00}"/>
               </a:ext>
             </a:extLst>
           </p:cNvPr>
@@ -4516,10 +3457,10 @@
       </p:sp>
       <p:sp>
         <p:nvSpPr>
-          <p:cNvPr id="2" name="TextBox 1">
+          <p:cNvPr id="5" name="TextBox 4">
             <a:extLst>
               <a:ext uri="{FF2B5EF4-FFF2-40B4-BE49-F238E27FC236}">
-                <a16:creationId xmlns:a16="http://schemas.microsoft.com/office/drawing/2014/main" id="{37FDBB6B-780B-5190-2B01-826E537D5FE2}"/>
+                <a16:creationId xmlns:a16="http://schemas.microsoft.com/office/drawing/2014/main" id="{374B4091-6E2F-63EF-BE52-3491AF71AF4F}"/>
               </a:ext>
             </a:extLst>
           </p:cNvPr>
@@ -4570,10 +3511,10 @@
       </p:sp>
       <p:sp>
         <p:nvSpPr>
-          <p:cNvPr id="3" name="TextBox 2">
+          <p:cNvPr id="6" name="TextBox 5">
             <a:extLst>
               <a:ext uri="{FF2B5EF4-FFF2-40B4-BE49-F238E27FC236}">
-                <a16:creationId xmlns:a16="http://schemas.microsoft.com/office/drawing/2014/main" id="{B92B9623-38BC-2F26-EB53-45F63398F9FC}"/>
+                <a16:creationId xmlns:a16="http://schemas.microsoft.com/office/drawing/2014/main" id="{3806D234-BD73-B759-7A8F-EA93ACF5A543}"/>
               </a:ext>
             </a:extLst>
           </p:cNvPr>
@@ -4624,10 +3565,10 @@
       </p:sp>
       <p:sp>
         <p:nvSpPr>
-          <p:cNvPr id="5" name="TextBox 4">
+          <p:cNvPr id="7" name="TextBox 6">
             <a:extLst>
               <a:ext uri="{FF2B5EF4-FFF2-40B4-BE49-F238E27FC236}">
-                <a16:creationId xmlns:a16="http://schemas.microsoft.com/office/drawing/2014/main" id="{067DF1C6-91DC-77C7-43AD-D671E0B86C35}"/>
+                <a16:creationId xmlns:a16="http://schemas.microsoft.com/office/drawing/2014/main" id="{07701E74-E9CA-3415-1EEE-F7423502EF2C}"/>
               </a:ext>
             </a:extLst>
           </p:cNvPr>
@@ -4678,10 +3619,10 @@
       </p:sp>
       <p:sp>
         <p:nvSpPr>
-          <p:cNvPr id="6" name="TextBox 5">
+          <p:cNvPr id="8" name="TextBox 7">
             <a:extLst>
               <a:ext uri="{FF2B5EF4-FFF2-40B4-BE49-F238E27FC236}">
-                <a16:creationId xmlns:a16="http://schemas.microsoft.com/office/drawing/2014/main" id="{391BAAFD-FBA1-A72F-ACD1-C891F9BFB7D8}"/>
+                <a16:creationId xmlns:a16="http://schemas.microsoft.com/office/drawing/2014/main" id="{F7798300-80F1-FCE7-CC62-0CBE47B0FC18}"/>
               </a:ext>
             </a:extLst>
           </p:cNvPr>
@@ -4733,7 +3674,7 @@
     </p:spTree>
     <p:extLst>
       <p:ext uri="{BB962C8B-B14F-4D97-AF65-F5344CB8AC3E}">
-        <p14:creationId xmlns:p14="http://schemas.microsoft.com/office/powerpoint/2010/main" val="3528491762"/>
+        <p14:creationId xmlns:p14="http://schemas.microsoft.com/office/powerpoint/2010/main" val="2322119040"/>
       </p:ext>
     </p:extLst>
   </p:cSld>
@@ -4762,10 +3703,35 @@
       </p:grpSpPr>
       <p:sp>
         <p:nvSpPr>
-          <p:cNvPr id="9" name="Title 1">
+          <p:cNvPr id="2" name="Picture Placeholder 1">
             <a:extLst>
               <a:ext uri="{FF2B5EF4-FFF2-40B4-BE49-F238E27FC236}">
-                <a16:creationId xmlns:a16="http://schemas.microsoft.com/office/drawing/2014/main" id="{8D98AFA7-D1A4-536E-1BA7-A91416484302}"/>
+                <a16:creationId xmlns:a16="http://schemas.microsoft.com/office/drawing/2014/main" id="{2EEA1161-F2B4-888C-81ED-7B43AC8E0CC0}"/>
+              </a:ext>
+            </a:extLst>
+          </p:cNvPr>
+          <p:cNvSpPr>
+            <a:spLocks noGrp="1"/>
+          </p:cNvSpPr>
+          <p:nvPr>
+            <p:ph type="pic" sz="quarter" idx="10"/>
+          </p:nvPr>
+        </p:nvSpPr>
+        <p:spPr/>
+        <p:txBody>
+          <a:bodyPr/>
+          <a:lstStyle/>
+          <a:p>
+            <a:endParaRPr lang="en-GB"/>
+          </a:p>
+        </p:txBody>
+      </p:sp>
+      <p:sp>
+        <p:nvSpPr>
+          <p:cNvPr id="3" name="Title 1">
+            <a:extLst>
+              <a:ext uri="{FF2B5EF4-FFF2-40B4-BE49-F238E27FC236}">
+                <a16:creationId xmlns:a16="http://schemas.microsoft.com/office/drawing/2014/main" id="{60B68C2C-8264-C693-8456-8BA467FA8E06}"/>
               </a:ext>
             </a:extLst>
           </p:cNvPr>
@@ -4825,7 +3791,7 @@
               <a:defRPr/>
             </a:pPr>
             <a:r>
-              <a:rPr kumimoji="0" lang="en-GB" sz="2665" b="1" i="0" u="none" strike="noStrike" kern="1200" cap="none" spc="-120" normalizeH="0" baseline="0" noProof="0">
+              <a:rPr kumimoji="0" lang="en-GB" sz="2665" b="1" i="0" u="none" strike="noStrike" kern="1200" cap="none" spc="-120" normalizeH="0" baseline="0" noProof="0" dirty="0" err="1">
                 <a:ln>
                   <a:noFill/>
                 </a:ln>
@@ -4863,67 +3829,10 @@
       </p:sp>
       <p:sp>
         <p:nvSpPr>
-          <p:cNvPr id="10" name="Rectangle 9">
+          <p:cNvPr id="4" name="TextBox 3">
             <a:extLst>
               <a:ext uri="{FF2B5EF4-FFF2-40B4-BE49-F238E27FC236}">
-                <a16:creationId xmlns:a16="http://schemas.microsoft.com/office/drawing/2014/main" id="{A0FA270B-C971-EF53-6C4C-B54677EC7B09}"/>
-              </a:ext>
-            </a:extLst>
-          </p:cNvPr>
-          <p:cNvSpPr/>
-          <p:nvPr/>
-        </p:nvSpPr>
-        <p:spPr>
-          <a:xfrm>
-            <a:off x="8441473" y="858644"/>
-            <a:ext cx="3238906" cy="1828800"/>
-          </a:xfrm>
-          <a:prstGeom prst="rect">
-            <a:avLst/>
-          </a:prstGeom>
-          <a:noFill/>
-          <a:ln>
-            <a:solidFill>
-              <a:schemeClr val="bg2"/>
-            </a:solidFill>
-          </a:ln>
-          <a:effectLst/>
-        </p:spPr>
-        <p:style>
-          <a:lnRef idx="1">
-            <a:schemeClr val="accent1"/>
-          </a:lnRef>
-          <a:fillRef idx="3">
-            <a:schemeClr val="accent1"/>
-          </a:fillRef>
-          <a:effectRef idx="2">
-            <a:schemeClr val="accent1"/>
-          </a:effectRef>
-          <a:fontRef idx="minor">
-            <a:schemeClr val="lt1"/>
-          </a:fontRef>
-        </p:style>
-        <p:txBody>
-          <a:bodyPr lIns="0" tIns="0" rIns="0" bIns="0" rtlCol="0" anchor="ctr">
-            <a:normAutofit/>
-          </a:bodyPr>
-          <a:lstStyle/>
-          <a:p>
-            <a:pPr algn="ctr"/>
-            <a:endParaRPr lang="en-GB" dirty="0" err="1">
-              <a:solidFill>
-                <a:schemeClr val="tx2"/>
-              </a:solidFill>
-            </a:endParaRPr>
-          </a:p>
-        </p:txBody>
-      </p:sp>
-      <p:sp>
-        <p:nvSpPr>
-          <p:cNvPr id="12" name="TextBox 11">
-            <a:extLst>
-              <a:ext uri="{FF2B5EF4-FFF2-40B4-BE49-F238E27FC236}">
-                <a16:creationId xmlns:a16="http://schemas.microsoft.com/office/drawing/2014/main" id="{352F6627-1E23-4EBA-E680-28D3051E282E}"/>
+                <a16:creationId xmlns:a16="http://schemas.microsoft.com/office/drawing/2014/main" id="{73443A80-0C94-CE54-707F-C32F78F7EB00}"/>
               </a:ext>
             </a:extLst>
           </p:cNvPr>
@@ -4970,10 +3879,10 @@
       </p:sp>
       <p:sp>
         <p:nvSpPr>
-          <p:cNvPr id="2" name="TextBox 1">
+          <p:cNvPr id="5" name="TextBox 4">
             <a:extLst>
               <a:ext uri="{FF2B5EF4-FFF2-40B4-BE49-F238E27FC236}">
-                <a16:creationId xmlns:a16="http://schemas.microsoft.com/office/drawing/2014/main" id="{37FDBB6B-780B-5190-2B01-826E537D5FE2}"/>
+                <a16:creationId xmlns:a16="http://schemas.microsoft.com/office/drawing/2014/main" id="{374B4091-6E2F-63EF-BE52-3491AF71AF4F}"/>
               </a:ext>
             </a:extLst>
           </p:cNvPr>
@@ -5024,10 +3933,10 @@
       </p:sp>
       <p:sp>
         <p:nvSpPr>
-          <p:cNvPr id="3" name="TextBox 2">
+          <p:cNvPr id="6" name="TextBox 5">
             <a:extLst>
               <a:ext uri="{FF2B5EF4-FFF2-40B4-BE49-F238E27FC236}">
-                <a16:creationId xmlns:a16="http://schemas.microsoft.com/office/drawing/2014/main" id="{B92B9623-38BC-2F26-EB53-45F63398F9FC}"/>
+                <a16:creationId xmlns:a16="http://schemas.microsoft.com/office/drawing/2014/main" id="{3806D234-BD73-B759-7A8F-EA93ACF5A543}"/>
               </a:ext>
             </a:extLst>
           </p:cNvPr>
@@ -5078,10 +3987,10 @@
       </p:sp>
       <p:sp>
         <p:nvSpPr>
-          <p:cNvPr id="5" name="TextBox 4">
+          <p:cNvPr id="7" name="TextBox 6">
             <a:extLst>
               <a:ext uri="{FF2B5EF4-FFF2-40B4-BE49-F238E27FC236}">
-                <a16:creationId xmlns:a16="http://schemas.microsoft.com/office/drawing/2014/main" id="{067DF1C6-91DC-77C7-43AD-D671E0B86C35}"/>
+                <a16:creationId xmlns:a16="http://schemas.microsoft.com/office/drawing/2014/main" id="{07701E74-E9CA-3415-1EEE-F7423502EF2C}"/>
               </a:ext>
             </a:extLst>
           </p:cNvPr>
@@ -5132,10 +4041,10 @@
       </p:sp>
       <p:sp>
         <p:nvSpPr>
-          <p:cNvPr id="6" name="TextBox 5">
+          <p:cNvPr id="8" name="TextBox 7">
             <a:extLst>
               <a:ext uri="{FF2B5EF4-FFF2-40B4-BE49-F238E27FC236}">
-                <a16:creationId xmlns:a16="http://schemas.microsoft.com/office/drawing/2014/main" id="{391BAAFD-FBA1-A72F-ACD1-C891F9BFB7D8}"/>
+                <a16:creationId xmlns:a16="http://schemas.microsoft.com/office/drawing/2014/main" id="{F7798300-80F1-FCE7-CC62-0CBE47B0FC18}"/>
               </a:ext>
             </a:extLst>
           </p:cNvPr>
@@ -5187,7 +4096,7 @@
     </p:spTree>
     <p:extLst>
       <p:ext uri="{BB962C8B-B14F-4D97-AF65-F5344CB8AC3E}">
-        <p14:creationId xmlns:p14="http://schemas.microsoft.com/office/powerpoint/2010/main" val="3875984506"/>
+        <p14:creationId xmlns:p14="http://schemas.microsoft.com/office/powerpoint/2010/main" val="742049823"/>
       </p:ext>
     </p:extLst>
   </p:cSld>

--- a/Journey_template.pptx
+++ b/Journey_template.pptx
@@ -9,11 +9,11 @@
     <p:notesMasterId r:id="rId8"/>
   </p:notesMasterIdLst>
   <p:sldIdLst>
-    <p:sldId id="2124817337" r:id="rId3"/>
-    <p:sldId id="2124817338" r:id="rId4"/>
-    <p:sldId id="2124817339" r:id="rId5"/>
-    <p:sldId id="2124817340" r:id="rId6"/>
-    <p:sldId id="2124817341" r:id="rId7"/>
+    <p:sldId id="2124817338" r:id="rId3"/>
+    <p:sldId id="2124817339" r:id="rId4"/>
+    <p:sldId id="2124817340" r:id="rId5"/>
+    <p:sldId id="2124817341" r:id="rId6"/>
+    <p:sldId id="2124817342" r:id="rId7"/>
   </p:sldIdLst>
   <p:sldSz cx="12188825" cy="6858000"/>
   <p:notesSz cx="6858000" cy="9144000"/>
@@ -316,7 +316,7 @@
           <a:p>
             <a:fld id="{4CDF1217-D7A3-A142-8B17-A4CFF57C0D82}" type="datetimeFigureOut">
               <a:rPr lang="en-US" smtClean="0"/>
-              <a:t>8/26/24</a:t>
+              <a:t>9/8/24</a:t>
             </a:fld>
             <a:endParaRPr lang="en-US" dirty="0"/>
           </a:p>
@@ -853,6 +853,47 @@
       </p:grpSpPr>
       <p:sp>
         <p:nvSpPr>
+          <p:cNvPr id="10" name="Text Placeholder 2">
+            <a:extLst>
+              <a:ext uri="{FF2B5EF4-FFF2-40B4-BE49-F238E27FC236}">
+                <a16:creationId xmlns:a16="http://schemas.microsoft.com/office/drawing/2014/main" id="{02B78E08-575A-F504-8398-72835D53906B}"/>
+              </a:ext>
+            </a:extLst>
+          </p:cNvPr>
+          <p:cNvSpPr>
+            <a:spLocks noGrp="1"/>
+          </p:cNvSpPr>
+          <p:nvPr>
+            <p:ph type="body" sz="quarter" idx="16"/>
+          </p:nvPr>
+        </p:nvSpPr>
+        <p:spPr>
+          <a:xfrm>
+            <a:off x="404739" y="330666"/>
+            <a:ext cx="9925476" cy="643520"/>
+          </a:xfrm>
+          <a:prstGeom prst="rect">
+            <a:avLst/>
+          </a:prstGeom>
+        </p:spPr>
+        <p:txBody>
+          <a:bodyPr>
+            <a:normAutofit/>
+          </a:bodyPr>
+          <a:lstStyle>
+            <a:lvl1pPr marL="0" indent="0">
+              <a:buNone/>
+              <a:defRPr/>
+            </a:lvl1pPr>
+          </a:lstStyle>
+          <a:p>
+            <a:pPr lvl="0"/>
+            <a:endParaRPr lang="en-US" dirty="0"/>
+          </a:p>
+        </p:txBody>
+      </p:sp>
+      <p:sp>
+        <p:nvSpPr>
           <p:cNvPr id="4" name="Picture Placeholder 3">
             <a:extLst>
               <a:ext uri="{FF2B5EF4-FFF2-40B4-BE49-F238E27FC236}">
@@ -893,6 +934,211 @@
           </a:lstStyle>
           <a:p>
             <a:endParaRPr lang="en-GB" dirty="0"/>
+          </a:p>
+        </p:txBody>
+      </p:sp>
+      <p:sp>
+        <p:nvSpPr>
+          <p:cNvPr id="3" name="Text Placeholder 2">
+            <a:extLst>
+              <a:ext uri="{FF2B5EF4-FFF2-40B4-BE49-F238E27FC236}">
+                <a16:creationId xmlns:a16="http://schemas.microsoft.com/office/drawing/2014/main" id="{3364003A-52C7-5FDD-9ED4-D3CDB9DC670A}"/>
+              </a:ext>
+            </a:extLst>
+          </p:cNvPr>
+          <p:cNvSpPr>
+            <a:spLocks noGrp="1"/>
+          </p:cNvSpPr>
+          <p:nvPr>
+            <p:ph type="body" sz="quarter" idx="11"/>
+          </p:nvPr>
+        </p:nvSpPr>
+        <p:spPr>
+          <a:xfrm>
+            <a:off x="527050" y="1054100"/>
+            <a:ext cx="7810500" cy="1738313"/>
+          </a:xfrm>
+          <a:prstGeom prst="rect">
+            <a:avLst/>
+          </a:prstGeom>
+        </p:spPr>
+        <p:txBody>
+          <a:bodyPr>
+            <a:normAutofit/>
+          </a:bodyPr>
+          <a:lstStyle>
+            <a:lvl1pPr marL="0" indent="0">
+              <a:buNone/>
+              <a:defRPr/>
+            </a:lvl1pPr>
+          </a:lstStyle>
+          <a:p>
+            <a:pPr lvl="0"/>
+            <a:endParaRPr lang="en-US" dirty="0"/>
+          </a:p>
+        </p:txBody>
+      </p:sp>
+      <p:sp>
+        <p:nvSpPr>
+          <p:cNvPr id="6" name="Text Placeholder 2">
+            <a:extLst>
+              <a:ext uri="{FF2B5EF4-FFF2-40B4-BE49-F238E27FC236}">
+                <a16:creationId xmlns:a16="http://schemas.microsoft.com/office/drawing/2014/main" id="{F690FF1B-B8C3-44B3-9268-892594A622D3}"/>
+              </a:ext>
+            </a:extLst>
+          </p:cNvPr>
+          <p:cNvSpPr>
+            <a:spLocks noGrp="1"/>
+          </p:cNvSpPr>
+          <p:nvPr>
+            <p:ph type="body" sz="quarter" idx="12"/>
+          </p:nvPr>
+        </p:nvSpPr>
+        <p:spPr>
+          <a:xfrm>
+            <a:off x="527050" y="4161573"/>
+            <a:ext cx="3320121" cy="2384193"/>
+          </a:xfrm>
+          <a:prstGeom prst="rect">
+            <a:avLst/>
+          </a:prstGeom>
+        </p:spPr>
+        <p:txBody>
+          <a:bodyPr>
+            <a:normAutofit/>
+          </a:bodyPr>
+          <a:lstStyle>
+            <a:lvl1pPr marL="0" indent="0">
+              <a:buNone/>
+              <a:defRPr/>
+            </a:lvl1pPr>
+          </a:lstStyle>
+          <a:p>
+            <a:pPr lvl="0"/>
+            <a:endParaRPr lang="en-US" dirty="0"/>
+          </a:p>
+        </p:txBody>
+      </p:sp>
+      <p:sp>
+        <p:nvSpPr>
+          <p:cNvPr id="7" name="Text Placeholder 2">
+            <a:extLst>
+              <a:ext uri="{FF2B5EF4-FFF2-40B4-BE49-F238E27FC236}">
+                <a16:creationId xmlns:a16="http://schemas.microsoft.com/office/drawing/2014/main" id="{76604FD1-579D-90A4-E228-59B2374EFED1}"/>
+              </a:ext>
+            </a:extLst>
+          </p:cNvPr>
+          <p:cNvSpPr>
+            <a:spLocks noGrp="1"/>
+          </p:cNvSpPr>
+          <p:nvPr>
+            <p:ph type="body" sz="quarter" idx="13"/>
+          </p:nvPr>
+        </p:nvSpPr>
+        <p:spPr>
+          <a:xfrm>
+            <a:off x="4432300" y="4161573"/>
+            <a:ext cx="3320121" cy="2384193"/>
+          </a:xfrm>
+          <a:prstGeom prst="rect">
+            <a:avLst/>
+          </a:prstGeom>
+        </p:spPr>
+        <p:txBody>
+          <a:bodyPr>
+            <a:normAutofit/>
+          </a:bodyPr>
+          <a:lstStyle>
+            <a:lvl1pPr marL="0" indent="0">
+              <a:buNone/>
+              <a:defRPr/>
+            </a:lvl1pPr>
+          </a:lstStyle>
+          <a:p>
+            <a:pPr lvl="0"/>
+            <a:endParaRPr lang="en-US" dirty="0"/>
+          </a:p>
+        </p:txBody>
+      </p:sp>
+      <p:sp>
+        <p:nvSpPr>
+          <p:cNvPr id="8" name="Text Placeholder 2">
+            <a:extLst>
+              <a:ext uri="{FF2B5EF4-FFF2-40B4-BE49-F238E27FC236}">
+                <a16:creationId xmlns:a16="http://schemas.microsoft.com/office/drawing/2014/main" id="{A74FBD39-9A0A-8219-FEF8-54893C0D73EE}"/>
+              </a:ext>
+            </a:extLst>
+          </p:cNvPr>
+          <p:cNvSpPr>
+            <a:spLocks noGrp="1"/>
+          </p:cNvSpPr>
+          <p:nvPr>
+            <p:ph type="body" sz="quarter" idx="14"/>
+          </p:nvPr>
+        </p:nvSpPr>
+        <p:spPr>
+          <a:xfrm>
+            <a:off x="8297050" y="4161572"/>
+            <a:ext cx="3320121" cy="2384193"/>
+          </a:xfrm>
+          <a:prstGeom prst="rect">
+            <a:avLst/>
+          </a:prstGeom>
+        </p:spPr>
+        <p:txBody>
+          <a:bodyPr>
+            <a:normAutofit/>
+          </a:bodyPr>
+          <a:lstStyle>
+            <a:lvl1pPr marL="0" indent="0">
+              <a:buNone/>
+              <a:defRPr/>
+            </a:lvl1pPr>
+          </a:lstStyle>
+          <a:p>
+            <a:pPr lvl="0"/>
+            <a:endParaRPr lang="en-US" dirty="0"/>
+          </a:p>
+        </p:txBody>
+      </p:sp>
+      <p:sp>
+        <p:nvSpPr>
+          <p:cNvPr id="9" name="Text Placeholder 2">
+            <a:extLst>
+              <a:ext uri="{FF2B5EF4-FFF2-40B4-BE49-F238E27FC236}">
+                <a16:creationId xmlns:a16="http://schemas.microsoft.com/office/drawing/2014/main" id="{443004A9-F56C-9091-626C-93374473FF1A}"/>
+              </a:ext>
+            </a:extLst>
+          </p:cNvPr>
+          <p:cNvSpPr>
+            <a:spLocks noGrp="1"/>
+          </p:cNvSpPr>
+          <p:nvPr>
+            <p:ph type="body" sz="quarter" idx="15"/>
+          </p:nvPr>
+        </p:nvSpPr>
+        <p:spPr>
+          <a:xfrm>
+            <a:off x="1103080" y="2969476"/>
+            <a:ext cx="9925476" cy="643520"/>
+          </a:xfrm>
+          <a:prstGeom prst="rect">
+            <a:avLst/>
+          </a:prstGeom>
+        </p:spPr>
+        <p:txBody>
+          <a:bodyPr>
+            <a:normAutofit/>
+          </a:bodyPr>
+          <a:lstStyle>
+            <a:lvl1pPr marL="0" indent="0">
+              <a:buNone/>
+              <a:defRPr/>
+            </a:lvl1pPr>
+          </a:lstStyle>
+          <a:p>
+            <a:pPr lvl="0"/>
+            <a:endParaRPr lang="en-US" dirty="0"/>
           </a:p>
         </p:txBody>
       </p:sp>
@@ -2015,10 +2261,39 @@
       </p:grpSpPr>
       <p:sp>
         <p:nvSpPr>
-          <p:cNvPr id="2" name="Picture Placeholder 1">
-            <a:extLst>
-              <a:ext uri="{FF2B5EF4-FFF2-40B4-BE49-F238E27FC236}">
-                <a16:creationId xmlns:a16="http://schemas.microsoft.com/office/drawing/2014/main" id="{2EEA1161-F2B4-888C-81ED-7B43AC8E0CC0}"/>
+          <p:cNvPr id="2" name="Text Placeholder 1">
+            <a:extLst>
+              <a:ext uri="{FF2B5EF4-FFF2-40B4-BE49-F238E27FC236}">
+                <a16:creationId xmlns:a16="http://schemas.microsoft.com/office/drawing/2014/main" id="{54EED5A1-2BDF-65A8-42F1-69D522778C6C}"/>
+              </a:ext>
+            </a:extLst>
+          </p:cNvPr>
+          <p:cNvSpPr>
+            <a:spLocks noGrp="1"/>
+          </p:cNvSpPr>
+          <p:nvPr>
+            <p:ph type="body" sz="quarter" idx="16"/>
+          </p:nvPr>
+        </p:nvSpPr>
+        <p:spPr/>
+        <p:txBody>
+          <a:bodyPr/>
+          <a:lstStyle/>
+          <a:p>
+            <a:r>
+              <a:rPr lang="en-US" dirty="0" err="1"/>
+              <a:t>Stage_name</a:t>
+            </a:r>
+            <a:endParaRPr lang="en-US" dirty="0"/>
+          </a:p>
+        </p:txBody>
+      </p:sp>
+      <p:sp>
+        <p:nvSpPr>
+          <p:cNvPr id="3" name="Picture Placeholder 2">
+            <a:extLst>
+              <a:ext uri="{FF2B5EF4-FFF2-40B4-BE49-F238E27FC236}">
+                <a16:creationId xmlns:a16="http://schemas.microsoft.com/office/drawing/2014/main" id="{1BDA1A22-5F25-62EF-ABAE-81DE83464973}"/>
               </a:ext>
             </a:extLst>
           </p:cNvPr>
@@ -2034,381 +2309,160 @@
           <a:bodyPr/>
           <a:lstStyle/>
           <a:p>
-            <a:endParaRPr lang="en-GB"/>
-          </a:p>
-        </p:txBody>
-      </p:sp>
-      <p:sp>
-        <p:nvSpPr>
-          <p:cNvPr id="3" name="Title 1">
-            <a:extLst>
-              <a:ext uri="{FF2B5EF4-FFF2-40B4-BE49-F238E27FC236}">
-                <a16:creationId xmlns:a16="http://schemas.microsoft.com/office/drawing/2014/main" id="{60B68C2C-8264-C693-8456-8BA467FA8E06}"/>
-              </a:ext>
-            </a:extLst>
-          </p:cNvPr>
-          <p:cNvSpPr txBox="1">
-            <a:spLocks/>
-          </p:cNvSpPr>
-          <p:nvPr/>
-        </p:nvSpPr>
-        <p:spPr>
-          <a:xfrm>
-            <a:off x="487767" y="118875"/>
-            <a:ext cx="11204324" cy="914400"/>
-          </a:xfrm>
-          <a:prstGeom prst="rect">
-            <a:avLst/>
-          </a:prstGeom>
-        </p:spPr>
-        <p:txBody>
-          <a:bodyPr lIns="0" tIns="0" rIns="0" bIns="0" anchor="ctr" anchorCtr="0">
-            <a:noAutofit/>
-          </a:bodyPr>
-          <a:lstStyle>
-            <a:lvl1pPr algn="l" defTabSz="609265" rtl="0" eaLnBrk="1" latinLnBrk="0" hangingPunct="1">
-              <a:lnSpc>
-                <a:spcPct val="85000"/>
-              </a:lnSpc>
-              <a:spcBef>
-                <a:spcPct val="0"/>
-              </a:spcBef>
-              <a:buNone/>
-              <a:defRPr sz="2665" b="1" kern="1200" spc="-120" baseline="0">
-                <a:solidFill>
-                  <a:schemeClr val="bg1"/>
-                </a:solidFill>
-                <a:latin typeface="+mj-lt"/>
-                <a:ea typeface="+mj-ea"/>
-                <a:cs typeface="+mj-cs"/>
-              </a:defRPr>
-            </a:lvl1pPr>
-          </a:lstStyle>
-          <a:p>
-            <a:pPr marL="0" marR="0" lvl="0" indent="0" algn="l" defTabSz="609265" rtl="0" eaLnBrk="1" fontAlgn="auto" latinLnBrk="0" hangingPunct="1">
-              <a:lnSpc>
-                <a:spcPct val="85000"/>
-              </a:lnSpc>
-              <a:spcBef>
-                <a:spcPct val="0"/>
-              </a:spcBef>
-              <a:spcAft>
-                <a:spcPts val="0"/>
-              </a:spcAft>
-              <a:buClrTx/>
-              <a:buSzTx/>
-              <a:buFontTx/>
-              <a:buNone/>
-              <a:tabLst/>
-              <a:defRPr/>
-            </a:pPr>
-            <a:r>
-              <a:rPr kumimoji="0" lang="en-GB" sz="2665" b="1" i="0" u="none" strike="noStrike" kern="1200" cap="none" spc="-120" normalizeH="0" baseline="0" noProof="0" dirty="0" err="1">
-                <a:ln>
-                  <a:noFill/>
-                </a:ln>
-                <a:solidFill>
-                  <a:srgbClr val="EB3300"/>
-                </a:solidFill>
-                <a:effectLst/>
-                <a:uLnTx/>
-                <a:uFillTx/>
-                <a:latin typeface="Arial"/>
-                <a:ea typeface="+mj-ea"/>
-                <a:cs typeface="+mj-cs"/>
-              </a:rPr>
-              <a:t>Stage_name</a:t>
-            </a:r>
-            <a:endParaRPr kumimoji="0" lang="en-GB" sz="2665" b="1" i="0" u="none" strike="noStrike" kern="1200" cap="none" spc="-120" normalizeH="0" baseline="0" noProof="0" dirty="0">
-              <a:ln>
-                <a:noFill/>
-              </a:ln>
-              <a:solidFill>
-                <a:srgbClr val="63666A"/>
-              </a:solidFill>
-              <a:effectLst/>
-              <a:highlight>
-                <a:srgbClr val="FFFF00"/>
-              </a:highlight>
-              <a:uLnTx/>
-              <a:uFillTx/>
-              <a:latin typeface="Arial"/>
-              <a:ea typeface="+mj-ea"/>
-              <a:cs typeface="+mj-cs"/>
-            </a:endParaRPr>
-          </a:p>
-        </p:txBody>
-      </p:sp>
-      <p:sp>
-        <p:nvSpPr>
-          <p:cNvPr id="4" name="TextBox 3">
-            <a:extLst>
-              <a:ext uri="{FF2B5EF4-FFF2-40B4-BE49-F238E27FC236}">
-                <a16:creationId xmlns:a16="http://schemas.microsoft.com/office/drawing/2014/main" id="{73443A80-0C94-CE54-707F-C32F78F7EB00}"/>
-              </a:ext>
-            </a:extLst>
-          </p:cNvPr>
-          <p:cNvSpPr txBox="1"/>
-          <p:nvPr/>
-        </p:nvSpPr>
-        <p:spPr>
-          <a:xfrm>
-            <a:off x="1048871" y="3041982"/>
-            <a:ext cx="10112187" cy="369332"/>
-          </a:xfrm>
-          <a:prstGeom prst="rect">
-            <a:avLst/>
-          </a:prstGeom>
-          <a:noFill/>
-        </p:spPr>
-        <p:txBody>
-          <a:bodyPr wrap="square" rtlCol="0">
-            <a:spAutoFit/>
-          </a:bodyPr>
+            <a:endParaRPr lang="en-US"/>
+          </a:p>
+        </p:txBody>
+      </p:sp>
+      <p:sp>
+        <p:nvSpPr>
+          <p:cNvPr id="4" name="Text Placeholder 3">
+            <a:extLst>
+              <a:ext uri="{FF2B5EF4-FFF2-40B4-BE49-F238E27FC236}">
+                <a16:creationId xmlns:a16="http://schemas.microsoft.com/office/drawing/2014/main" id="{2B85AEE0-787A-171D-16F9-DE1BED2FC248}"/>
+              </a:ext>
+            </a:extLst>
+          </p:cNvPr>
+          <p:cNvSpPr>
+            <a:spLocks noGrp="1"/>
+          </p:cNvSpPr>
+          <p:nvPr>
+            <p:ph type="body" sz="quarter" idx="11"/>
+          </p:nvPr>
+        </p:nvSpPr>
+        <p:spPr/>
+        <p:txBody>
+          <a:bodyPr/>
+          <a:lstStyle/>
+          <a:p>
+            <a:r>
+              <a:rPr lang="en-US" dirty="0" err="1"/>
+              <a:t>Stage_narrative</a:t>
+            </a:r>
+            <a:endParaRPr lang="en-US" dirty="0"/>
+          </a:p>
+        </p:txBody>
+      </p:sp>
+      <p:sp>
+        <p:nvSpPr>
+          <p:cNvPr id="5" name="Text Placeholder 4">
+            <a:extLst>
+              <a:ext uri="{FF2B5EF4-FFF2-40B4-BE49-F238E27FC236}">
+                <a16:creationId xmlns:a16="http://schemas.microsoft.com/office/drawing/2014/main" id="{AADEF834-2372-DDAC-F65E-9157ADC403DA}"/>
+              </a:ext>
+            </a:extLst>
+          </p:cNvPr>
+          <p:cNvSpPr>
+            <a:spLocks noGrp="1"/>
+          </p:cNvSpPr>
+          <p:nvPr>
+            <p:ph type="body" sz="quarter" idx="12"/>
+          </p:nvPr>
+        </p:nvSpPr>
+        <p:spPr/>
+        <p:txBody>
+          <a:bodyPr/>
+          <a:lstStyle/>
+          <a:p>
+            <a:r>
+              <a:rPr lang="en-US" dirty="0" err="1"/>
+              <a:t>Thinking_bullets</a:t>
+            </a:r>
+            <a:endParaRPr lang="en-US" dirty="0"/>
+          </a:p>
+        </p:txBody>
+      </p:sp>
+      <p:sp>
+        <p:nvSpPr>
+          <p:cNvPr id="6" name="Text Placeholder 5">
+            <a:extLst>
+              <a:ext uri="{FF2B5EF4-FFF2-40B4-BE49-F238E27FC236}">
+                <a16:creationId xmlns:a16="http://schemas.microsoft.com/office/drawing/2014/main" id="{71E1EF30-5202-20E9-6E05-C8FA6D1AEDED}"/>
+              </a:ext>
+            </a:extLst>
+          </p:cNvPr>
+          <p:cNvSpPr>
+            <a:spLocks noGrp="1"/>
+          </p:cNvSpPr>
+          <p:nvPr>
+            <p:ph type="body" sz="quarter" idx="13"/>
+          </p:nvPr>
+        </p:nvSpPr>
+        <p:spPr/>
+        <p:txBody>
+          <a:bodyPr/>
+          <a:lstStyle/>
+          <a:p>
+            <a:r>
+              <a:rPr lang="en-US" dirty="0" err="1"/>
+              <a:t>Feeling_bullets</a:t>
+            </a:r>
+            <a:endParaRPr lang="en-US" dirty="0"/>
+          </a:p>
+        </p:txBody>
+      </p:sp>
+      <p:sp>
+        <p:nvSpPr>
+          <p:cNvPr id="7" name="Text Placeholder 6">
+            <a:extLst>
+              <a:ext uri="{FF2B5EF4-FFF2-40B4-BE49-F238E27FC236}">
+                <a16:creationId xmlns:a16="http://schemas.microsoft.com/office/drawing/2014/main" id="{4006D341-E1ED-C9E6-2CF6-B4F1383D7B23}"/>
+              </a:ext>
+            </a:extLst>
+          </p:cNvPr>
+          <p:cNvSpPr>
+            <a:spLocks noGrp="1"/>
+          </p:cNvSpPr>
+          <p:nvPr>
+            <p:ph type="body" sz="quarter" idx="14"/>
+          </p:nvPr>
+        </p:nvSpPr>
+        <p:spPr/>
+        <p:txBody>
+          <a:bodyPr/>
+          <a:lstStyle/>
+          <a:p>
+            <a:r>
+              <a:rPr lang="en-US" dirty="0" err="1"/>
+              <a:t>Doing_bullets</a:t>
+            </a:r>
+            <a:endParaRPr lang="en-US" dirty="0"/>
+          </a:p>
+        </p:txBody>
+      </p:sp>
+      <p:sp>
+        <p:nvSpPr>
+          <p:cNvPr id="8" name="Text Placeholder 7">
+            <a:extLst>
+              <a:ext uri="{FF2B5EF4-FFF2-40B4-BE49-F238E27FC236}">
+                <a16:creationId xmlns:a16="http://schemas.microsoft.com/office/drawing/2014/main" id="{EE2E3388-C98F-61B3-CA2C-12567BAA74EF}"/>
+              </a:ext>
+            </a:extLst>
+          </p:cNvPr>
+          <p:cNvSpPr>
+            <a:spLocks noGrp="1"/>
+          </p:cNvSpPr>
+          <p:nvPr>
+            <p:ph type="body" sz="quarter" idx="15"/>
+          </p:nvPr>
+        </p:nvSpPr>
+        <p:spPr/>
+        <p:txBody>
+          <a:bodyPr/>
           <a:lstStyle/>
           <a:p>
             <a:pPr algn="ctr"/>
             <a:r>
-              <a:rPr lang="en-GB" sz="1800" b="1" i="1" dirty="0" err="1">
-                <a:solidFill>
-                  <a:srgbClr val="EB3300"/>
-                </a:solidFill>
-                <a:latin typeface="Calibri" panose="020F0502020204030204" pitchFamily="34" charset="0"/>
-                <a:ea typeface="Times New Roman" panose="02020603050405020304" pitchFamily="18" charset="0"/>
-                <a:cs typeface="Calibri" panose="020F0502020204030204" pitchFamily="34" charset="0"/>
-              </a:rPr>
+              <a:rPr lang="en-US" dirty="0" err="1"/>
               <a:t>Short_quote</a:t>
             </a:r>
-            <a:endParaRPr lang="en-GB" sz="1800" b="1" i="1" dirty="0">
-              <a:solidFill>
-                <a:srgbClr val="EB3300"/>
-              </a:solidFill>
-              <a:latin typeface="Calibri" panose="020F0502020204030204" pitchFamily="34" charset="0"/>
-              <a:cs typeface="Calibri" panose="020F0502020204030204" pitchFamily="34" charset="0"/>
-            </a:endParaRPr>
-          </a:p>
-        </p:txBody>
-      </p:sp>
-      <p:sp>
-        <p:nvSpPr>
-          <p:cNvPr id="5" name="TextBox 4">
-            <a:extLst>
-              <a:ext uri="{FF2B5EF4-FFF2-40B4-BE49-F238E27FC236}">
-                <a16:creationId xmlns:a16="http://schemas.microsoft.com/office/drawing/2014/main" id="{374B4091-6E2F-63EF-BE52-3491AF71AF4F}"/>
-              </a:ext>
-            </a:extLst>
-          </p:cNvPr>
-          <p:cNvSpPr txBox="1"/>
-          <p:nvPr/>
-        </p:nvSpPr>
-        <p:spPr>
-          <a:xfrm>
-            <a:off x="487767" y="1033275"/>
-            <a:ext cx="7837367" cy="307777"/>
-          </a:xfrm>
-          <a:prstGeom prst="rect">
-            <a:avLst/>
-          </a:prstGeom>
-          <a:noFill/>
-        </p:spPr>
-        <p:txBody>
-          <a:bodyPr wrap="square" rtlCol="0">
-            <a:spAutoFit/>
-          </a:bodyPr>
-          <a:lstStyle/>
-          <a:p>
-            <a:r>
-              <a:rPr lang="en-GB" sz="1400" dirty="0" err="1">
-                <a:solidFill>
-                  <a:schemeClr val="tx1">
-                    <a:lumMod val="65000"/>
-                    <a:lumOff val="35000"/>
-                  </a:schemeClr>
-                </a:solidFill>
-                <a:latin typeface="Calibri" panose="020F0502020204030204" pitchFamily="34" charset="0"/>
-                <a:cs typeface="Calibri" panose="020F0502020204030204" pitchFamily="34" charset="0"/>
-              </a:rPr>
-              <a:t>Stage_narrative</a:t>
-            </a:r>
-            <a:endParaRPr lang="en-GB" sz="1400" dirty="0">
-              <a:solidFill>
-                <a:schemeClr val="tx1">
-                  <a:lumMod val="65000"/>
-                  <a:lumOff val="35000"/>
-                </a:schemeClr>
-              </a:solidFill>
-              <a:latin typeface="Calibri" panose="020F0502020204030204" pitchFamily="34" charset="0"/>
-              <a:cs typeface="Calibri" panose="020F0502020204030204" pitchFamily="34" charset="0"/>
-            </a:endParaRPr>
-          </a:p>
-        </p:txBody>
-      </p:sp>
-      <p:sp>
-        <p:nvSpPr>
-          <p:cNvPr id="6" name="TextBox 5">
-            <a:extLst>
-              <a:ext uri="{FF2B5EF4-FFF2-40B4-BE49-F238E27FC236}">
-                <a16:creationId xmlns:a16="http://schemas.microsoft.com/office/drawing/2014/main" id="{3806D234-BD73-B759-7A8F-EA93ACF5A543}"/>
-              </a:ext>
-            </a:extLst>
-          </p:cNvPr>
-          <p:cNvSpPr txBox="1"/>
-          <p:nvPr/>
-        </p:nvSpPr>
-        <p:spPr>
-          <a:xfrm>
-            <a:off x="487768" y="4095130"/>
-            <a:ext cx="3405360" cy="307777"/>
-          </a:xfrm>
-          <a:prstGeom prst="rect">
-            <a:avLst/>
-          </a:prstGeom>
-          <a:noFill/>
-        </p:spPr>
-        <p:txBody>
-          <a:bodyPr wrap="square" rtlCol="0">
-            <a:spAutoFit/>
-          </a:bodyPr>
-          <a:lstStyle/>
-          <a:p>
-            <a:r>
-              <a:rPr lang="en-GB" sz="1400" dirty="0" err="1">
-                <a:solidFill>
-                  <a:schemeClr val="tx1">
-                    <a:lumMod val="65000"/>
-                    <a:lumOff val="35000"/>
-                  </a:schemeClr>
-                </a:solidFill>
-                <a:latin typeface="Calibri" panose="020F0502020204030204" pitchFamily="34" charset="0"/>
-                <a:cs typeface="Calibri" panose="020F0502020204030204" pitchFamily="34" charset="0"/>
-              </a:rPr>
-              <a:t>Thinking_bullets</a:t>
-            </a:r>
-            <a:endParaRPr lang="en-GB" sz="1400" dirty="0">
-              <a:solidFill>
-                <a:schemeClr val="tx1">
-                  <a:lumMod val="65000"/>
-                  <a:lumOff val="35000"/>
-                </a:schemeClr>
-              </a:solidFill>
-              <a:latin typeface="Calibri" panose="020F0502020204030204" pitchFamily="34" charset="0"/>
-              <a:cs typeface="Calibri" panose="020F0502020204030204" pitchFamily="34" charset="0"/>
-            </a:endParaRPr>
-          </a:p>
-        </p:txBody>
-      </p:sp>
-      <p:sp>
-        <p:nvSpPr>
-          <p:cNvPr id="7" name="TextBox 6">
-            <a:extLst>
-              <a:ext uri="{FF2B5EF4-FFF2-40B4-BE49-F238E27FC236}">
-                <a16:creationId xmlns:a16="http://schemas.microsoft.com/office/drawing/2014/main" id="{07701E74-E9CA-3415-1EEE-F7423502EF2C}"/>
-              </a:ext>
-            </a:extLst>
-          </p:cNvPr>
-          <p:cNvSpPr txBox="1"/>
-          <p:nvPr/>
-        </p:nvSpPr>
-        <p:spPr>
-          <a:xfrm>
-            <a:off x="4387249" y="4092292"/>
-            <a:ext cx="3405360" cy="307777"/>
-          </a:xfrm>
-          <a:prstGeom prst="rect">
-            <a:avLst/>
-          </a:prstGeom>
-          <a:noFill/>
-        </p:spPr>
-        <p:txBody>
-          <a:bodyPr wrap="square" rtlCol="0">
-            <a:spAutoFit/>
-          </a:bodyPr>
-          <a:lstStyle/>
-          <a:p>
-            <a:r>
-              <a:rPr lang="en-GB" sz="1400" dirty="0" err="1">
-                <a:solidFill>
-                  <a:schemeClr val="tx1">
-                    <a:lumMod val="65000"/>
-                    <a:lumOff val="35000"/>
-                  </a:schemeClr>
-                </a:solidFill>
-                <a:latin typeface="Calibri" panose="020F0502020204030204" pitchFamily="34" charset="0"/>
-                <a:cs typeface="Calibri" panose="020F0502020204030204" pitchFamily="34" charset="0"/>
-              </a:rPr>
-              <a:t>Feeling_bullets</a:t>
-            </a:r>
-            <a:endParaRPr lang="en-GB" sz="1400" dirty="0">
-              <a:solidFill>
-                <a:schemeClr val="tx1">
-                  <a:lumMod val="65000"/>
-                  <a:lumOff val="35000"/>
-                </a:schemeClr>
-              </a:solidFill>
-              <a:latin typeface="Calibri" panose="020F0502020204030204" pitchFamily="34" charset="0"/>
-              <a:cs typeface="Calibri" panose="020F0502020204030204" pitchFamily="34" charset="0"/>
-            </a:endParaRPr>
-          </a:p>
-        </p:txBody>
-      </p:sp>
-      <p:sp>
-        <p:nvSpPr>
-          <p:cNvPr id="8" name="TextBox 7">
-            <a:extLst>
-              <a:ext uri="{FF2B5EF4-FFF2-40B4-BE49-F238E27FC236}">
-                <a16:creationId xmlns:a16="http://schemas.microsoft.com/office/drawing/2014/main" id="{F7798300-80F1-FCE7-CC62-0CBE47B0FC18}"/>
-              </a:ext>
-            </a:extLst>
-          </p:cNvPr>
-          <p:cNvSpPr txBox="1"/>
-          <p:nvPr/>
-        </p:nvSpPr>
-        <p:spPr>
-          <a:xfrm>
-            <a:off x="8275019" y="4092292"/>
-            <a:ext cx="3405360" cy="307777"/>
-          </a:xfrm>
-          <a:prstGeom prst="rect">
-            <a:avLst/>
-          </a:prstGeom>
-          <a:noFill/>
-        </p:spPr>
-        <p:txBody>
-          <a:bodyPr wrap="square" rtlCol="0">
-            <a:spAutoFit/>
-          </a:bodyPr>
-          <a:lstStyle/>
-          <a:p>
-            <a:r>
-              <a:rPr lang="en-GB" sz="1400" dirty="0" err="1">
-                <a:solidFill>
-                  <a:schemeClr val="tx1">
-                    <a:lumMod val="65000"/>
-                    <a:lumOff val="35000"/>
-                  </a:schemeClr>
-                </a:solidFill>
-                <a:latin typeface="Calibri" panose="020F0502020204030204" pitchFamily="34" charset="0"/>
-                <a:cs typeface="Calibri" panose="020F0502020204030204" pitchFamily="34" charset="0"/>
-              </a:rPr>
-              <a:t>Doing_bullets</a:t>
-            </a:r>
-            <a:endParaRPr lang="en-GB" sz="1400" dirty="0">
-              <a:solidFill>
-                <a:schemeClr val="tx1">
-                  <a:lumMod val="65000"/>
-                  <a:lumOff val="35000"/>
-                </a:schemeClr>
-              </a:solidFill>
-              <a:latin typeface="Calibri" panose="020F0502020204030204" pitchFamily="34" charset="0"/>
-              <a:cs typeface="Calibri" panose="020F0502020204030204" pitchFamily="34" charset="0"/>
-            </a:endParaRPr>
+            <a:endParaRPr lang="en-US" dirty="0"/>
           </a:p>
         </p:txBody>
       </p:sp>
     </p:spTree>
     <p:extLst>
       <p:ext uri="{BB962C8B-B14F-4D97-AF65-F5344CB8AC3E}">
-        <p14:creationId xmlns:p14="http://schemas.microsoft.com/office/powerpoint/2010/main" val="490602260"/>
+        <p14:creationId xmlns:p14="http://schemas.microsoft.com/office/powerpoint/2010/main" val="4248090071"/>
       </p:ext>
     </p:extLst>
   </p:cSld>
@@ -2437,10 +2491,39 @@
       </p:grpSpPr>
       <p:sp>
         <p:nvSpPr>
-          <p:cNvPr id="2" name="Picture Placeholder 1">
-            <a:extLst>
-              <a:ext uri="{FF2B5EF4-FFF2-40B4-BE49-F238E27FC236}">
-                <a16:creationId xmlns:a16="http://schemas.microsoft.com/office/drawing/2014/main" id="{2EEA1161-F2B4-888C-81ED-7B43AC8E0CC0}"/>
+          <p:cNvPr id="2" name="Text Placeholder 1">
+            <a:extLst>
+              <a:ext uri="{FF2B5EF4-FFF2-40B4-BE49-F238E27FC236}">
+                <a16:creationId xmlns:a16="http://schemas.microsoft.com/office/drawing/2014/main" id="{54EED5A1-2BDF-65A8-42F1-69D522778C6C}"/>
+              </a:ext>
+            </a:extLst>
+          </p:cNvPr>
+          <p:cNvSpPr>
+            <a:spLocks noGrp="1"/>
+          </p:cNvSpPr>
+          <p:nvPr>
+            <p:ph type="body" sz="quarter" idx="16"/>
+          </p:nvPr>
+        </p:nvSpPr>
+        <p:spPr/>
+        <p:txBody>
+          <a:bodyPr/>
+          <a:lstStyle/>
+          <a:p>
+            <a:r>
+              <a:rPr lang="en-US" dirty="0" err="1"/>
+              <a:t>Stage_name</a:t>
+            </a:r>
+            <a:endParaRPr lang="en-US" dirty="0"/>
+          </a:p>
+        </p:txBody>
+      </p:sp>
+      <p:sp>
+        <p:nvSpPr>
+          <p:cNvPr id="3" name="Picture Placeholder 2">
+            <a:extLst>
+              <a:ext uri="{FF2B5EF4-FFF2-40B4-BE49-F238E27FC236}">
+                <a16:creationId xmlns:a16="http://schemas.microsoft.com/office/drawing/2014/main" id="{1BDA1A22-5F25-62EF-ABAE-81DE83464973}"/>
               </a:ext>
             </a:extLst>
           </p:cNvPr>
@@ -2456,381 +2539,160 @@
           <a:bodyPr/>
           <a:lstStyle/>
           <a:p>
-            <a:endParaRPr lang="en-GB"/>
-          </a:p>
-        </p:txBody>
-      </p:sp>
-      <p:sp>
-        <p:nvSpPr>
-          <p:cNvPr id="3" name="Title 1">
-            <a:extLst>
-              <a:ext uri="{FF2B5EF4-FFF2-40B4-BE49-F238E27FC236}">
-                <a16:creationId xmlns:a16="http://schemas.microsoft.com/office/drawing/2014/main" id="{60B68C2C-8264-C693-8456-8BA467FA8E06}"/>
-              </a:ext>
-            </a:extLst>
-          </p:cNvPr>
-          <p:cNvSpPr txBox="1">
-            <a:spLocks/>
-          </p:cNvSpPr>
-          <p:nvPr/>
-        </p:nvSpPr>
-        <p:spPr>
-          <a:xfrm>
-            <a:off x="487767" y="118875"/>
-            <a:ext cx="11204324" cy="914400"/>
-          </a:xfrm>
-          <a:prstGeom prst="rect">
-            <a:avLst/>
-          </a:prstGeom>
-        </p:spPr>
-        <p:txBody>
-          <a:bodyPr lIns="0" tIns="0" rIns="0" bIns="0" anchor="ctr" anchorCtr="0">
-            <a:noAutofit/>
-          </a:bodyPr>
-          <a:lstStyle>
-            <a:lvl1pPr algn="l" defTabSz="609265" rtl="0" eaLnBrk="1" latinLnBrk="0" hangingPunct="1">
-              <a:lnSpc>
-                <a:spcPct val="85000"/>
-              </a:lnSpc>
-              <a:spcBef>
-                <a:spcPct val="0"/>
-              </a:spcBef>
-              <a:buNone/>
-              <a:defRPr sz="2665" b="1" kern="1200" spc="-120" baseline="0">
-                <a:solidFill>
-                  <a:schemeClr val="bg1"/>
-                </a:solidFill>
-                <a:latin typeface="+mj-lt"/>
-                <a:ea typeface="+mj-ea"/>
-                <a:cs typeface="+mj-cs"/>
-              </a:defRPr>
-            </a:lvl1pPr>
-          </a:lstStyle>
-          <a:p>
-            <a:pPr marL="0" marR="0" lvl="0" indent="0" algn="l" defTabSz="609265" rtl="0" eaLnBrk="1" fontAlgn="auto" latinLnBrk="0" hangingPunct="1">
-              <a:lnSpc>
-                <a:spcPct val="85000"/>
-              </a:lnSpc>
-              <a:spcBef>
-                <a:spcPct val="0"/>
-              </a:spcBef>
-              <a:spcAft>
-                <a:spcPts val="0"/>
-              </a:spcAft>
-              <a:buClrTx/>
-              <a:buSzTx/>
-              <a:buFontTx/>
-              <a:buNone/>
-              <a:tabLst/>
-              <a:defRPr/>
-            </a:pPr>
-            <a:r>
-              <a:rPr kumimoji="0" lang="en-GB" sz="2665" b="1" i="0" u="none" strike="noStrike" kern="1200" cap="none" spc="-120" normalizeH="0" baseline="0" noProof="0" dirty="0" err="1">
-                <a:ln>
-                  <a:noFill/>
-                </a:ln>
-                <a:solidFill>
-                  <a:srgbClr val="EB3300"/>
-                </a:solidFill>
-                <a:effectLst/>
-                <a:uLnTx/>
-                <a:uFillTx/>
-                <a:latin typeface="Arial"/>
-                <a:ea typeface="+mj-ea"/>
-                <a:cs typeface="+mj-cs"/>
-              </a:rPr>
-              <a:t>Stage_name</a:t>
-            </a:r>
-            <a:endParaRPr kumimoji="0" lang="en-GB" sz="2665" b="1" i="0" u="none" strike="noStrike" kern="1200" cap="none" spc="-120" normalizeH="0" baseline="0" noProof="0" dirty="0">
-              <a:ln>
-                <a:noFill/>
-              </a:ln>
-              <a:solidFill>
-                <a:srgbClr val="63666A"/>
-              </a:solidFill>
-              <a:effectLst/>
-              <a:highlight>
-                <a:srgbClr val="FFFF00"/>
-              </a:highlight>
-              <a:uLnTx/>
-              <a:uFillTx/>
-              <a:latin typeface="Arial"/>
-              <a:ea typeface="+mj-ea"/>
-              <a:cs typeface="+mj-cs"/>
-            </a:endParaRPr>
-          </a:p>
-        </p:txBody>
-      </p:sp>
-      <p:sp>
-        <p:nvSpPr>
-          <p:cNvPr id="4" name="TextBox 3">
-            <a:extLst>
-              <a:ext uri="{FF2B5EF4-FFF2-40B4-BE49-F238E27FC236}">
-                <a16:creationId xmlns:a16="http://schemas.microsoft.com/office/drawing/2014/main" id="{73443A80-0C94-CE54-707F-C32F78F7EB00}"/>
-              </a:ext>
-            </a:extLst>
-          </p:cNvPr>
-          <p:cNvSpPr txBox="1"/>
-          <p:nvPr/>
-        </p:nvSpPr>
-        <p:spPr>
-          <a:xfrm>
-            <a:off x="1048871" y="3041982"/>
-            <a:ext cx="10112187" cy="369332"/>
-          </a:xfrm>
-          <a:prstGeom prst="rect">
-            <a:avLst/>
-          </a:prstGeom>
-          <a:noFill/>
-        </p:spPr>
-        <p:txBody>
-          <a:bodyPr wrap="square" rtlCol="0">
-            <a:spAutoFit/>
-          </a:bodyPr>
+            <a:endParaRPr lang="en-US"/>
+          </a:p>
+        </p:txBody>
+      </p:sp>
+      <p:sp>
+        <p:nvSpPr>
+          <p:cNvPr id="4" name="Text Placeholder 3">
+            <a:extLst>
+              <a:ext uri="{FF2B5EF4-FFF2-40B4-BE49-F238E27FC236}">
+                <a16:creationId xmlns:a16="http://schemas.microsoft.com/office/drawing/2014/main" id="{2B85AEE0-787A-171D-16F9-DE1BED2FC248}"/>
+              </a:ext>
+            </a:extLst>
+          </p:cNvPr>
+          <p:cNvSpPr>
+            <a:spLocks noGrp="1"/>
+          </p:cNvSpPr>
+          <p:nvPr>
+            <p:ph type="body" sz="quarter" idx="11"/>
+          </p:nvPr>
+        </p:nvSpPr>
+        <p:spPr/>
+        <p:txBody>
+          <a:bodyPr/>
+          <a:lstStyle/>
+          <a:p>
+            <a:r>
+              <a:rPr lang="en-US" dirty="0" err="1"/>
+              <a:t>Stage_narrative</a:t>
+            </a:r>
+            <a:endParaRPr lang="en-US" dirty="0"/>
+          </a:p>
+        </p:txBody>
+      </p:sp>
+      <p:sp>
+        <p:nvSpPr>
+          <p:cNvPr id="5" name="Text Placeholder 4">
+            <a:extLst>
+              <a:ext uri="{FF2B5EF4-FFF2-40B4-BE49-F238E27FC236}">
+                <a16:creationId xmlns:a16="http://schemas.microsoft.com/office/drawing/2014/main" id="{AADEF834-2372-DDAC-F65E-9157ADC403DA}"/>
+              </a:ext>
+            </a:extLst>
+          </p:cNvPr>
+          <p:cNvSpPr>
+            <a:spLocks noGrp="1"/>
+          </p:cNvSpPr>
+          <p:nvPr>
+            <p:ph type="body" sz="quarter" idx="12"/>
+          </p:nvPr>
+        </p:nvSpPr>
+        <p:spPr/>
+        <p:txBody>
+          <a:bodyPr/>
+          <a:lstStyle/>
+          <a:p>
+            <a:r>
+              <a:rPr lang="en-US" dirty="0" err="1"/>
+              <a:t>Thinking_bullets</a:t>
+            </a:r>
+            <a:endParaRPr lang="en-US" dirty="0"/>
+          </a:p>
+        </p:txBody>
+      </p:sp>
+      <p:sp>
+        <p:nvSpPr>
+          <p:cNvPr id="6" name="Text Placeholder 5">
+            <a:extLst>
+              <a:ext uri="{FF2B5EF4-FFF2-40B4-BE49-F238E27FC236}">
+                <a16:creationId xmlns:a16="http://schemas.microsoft.com/office/drawing/2014/main" id="{71E1EF30-5202-20E9-6E05-C8FA6D1AEDED}"/>
+              </a:ext>
+            </a:extLst>
+          </p:cNvPr>
+          <p:cNvSpPr>
+            <a:spLocks noGrp="1"/>
+          </p:cNvSpPr>
+          <p:nvPr>
+            <p:ph type="body" sz="quarter" idx="13"/>
+          </p:nvPr>
+        </p:nvSpPr>
+        <p:spPr/>
+        <p:txBody>
+          <a:bodyPr/>
+          <a:lstStyle/>
+          <a:p>
+            <a:r>
+              <a:rPr lang="en-US" dirty="0" err="1"/>
+              <a:t>Feeling_bullets</a:t>
+            </a:r>
+            <a:endParaRPr lang="en-US" dirty="0"/>
+          </a:p>
+        </p:txBody>
+      </p:sp>
+      <p:sp>
+        <p:nvSpPr>
+          <p:cNvPr id="7" name="Text Placeholder 6">
+            <a:extLst>
+              <a:ext uri="{FF2B5EF4-FFF2-40B4-BE49-F238E27FC236}">
+                <a16:creationId xmlns:a16="http://schemas.microsoft.com/office/drawing/2014/main" id="{4006D341-E1ED-C9E6-2CF6-B4F1383D7B23}"/>
+              </a:ext>
+            </a:extLst>
+          </p:cNvPr>
+          <p:cNvSpPr>
+            <a:spLocks noGrp="1"/>
+          </p:cNvSpPr>
+          <p:nvPr>
+            <p:ph type="body" sz="quarter" idx="14"/>
+          </p:nvPr>
+        </p:nvSpPr>
+        <p:spPr/>
+        <p:txBody>
+          <a:bodyPr/>
+          <a:lstStyle/>
+          <a:p>
+            <a:r>
+              <a:rPr lang="en-US" dirty="0" err="1"/>
+              <a:t>Doing_bullets</a:t>
+            </a:r>
+            <a:endParaRPr lang="en-US" dirty="0"/>
+          </a:p>
+        </p:txBody>
+      </p:sp>
+      <p:sp>
+        <p:nvSpPr>
+          <p:cNvPr id="8" name="Text Placeholder 7">
+            <a:extLst>
+              <a:ext uri="{FF2B5EF4-FFF2-40B4-BE49-F238E27FC236}">
+                <a16:creationId xmlns:a16="http://schemas.microsoft.com/office/drawing/2014/main" id="{EE2E3388-C98F-61B3-CA2C-12567BAA74EF}"/>
+              </a:ext>
+            </a:extLst>
+          </p:cNvPr>
+          <p:cNvSpPr>
+            <a:spLocks noGrp="1"/>
+          </p:cNvSpPr>
+          <p:nvPr>
+            <p:ph type="body" sz="quarter" idx="15"/>
+          </p:nvPr>
+        </p:nvSpPr>
+        <p:spPr/>
+        <p:txBody>
+          <a:bodyPr/>
           <a:lstStyle/>
           <a:p>
             <a:pPr algn="ctr"/>
             <a:r>
-              <a:rPr lang="en-GB" sz="1800" b="1" i="1" dirty="0" err="1">
-                <a:solidFill>
-                  <a:srgbClr val="EB3300"/>
-                </a:solidFill>
-                <a:latin typeface="Calibri" panose="020F0502020204030204" pitchFamily="34" charset="0"/>
-                <a:ea typeface="Times New Roman" panose="02020603050405020304" pitchFamily="18" charset="0"/>
-                <a:cs typeface="Calibri" panose="020F0502020204030204" pitchFamily="34" charset="0"/>
-              </a:rPr>
+              <a:rPr lang="en-US" dirty="0" err="1"/>
               <a:t>Short_quote</a:t>
             </a:r>
-            <a:endParaRPr lang="en-GB" sz="1800" b="1" i="1" dirty="0">
-              <a:solidFill>
-                <a:srgbClr val="EB3300"/>
-              </a:solidFill>
-              <a:latin typeface="Calibri" panose="020F0502020204030204" pitchFamily="34" charset="0"/>
-              <a:cs typeface="Calibri" panose="020F0502020204030204" pitchFamily="34" charset="0"/>
-            </a:endParaRPr>
-          </a:p>
-        </p:txBody>
-      </p:sp>
-      <p:sp>
-        <p:nvSpPr>
-          <p:cNvPr id="5" name="TextBox 4">
-            <a:extLst>
-              <a:ext uri="{FF2B5EF4-FFF2-40B4-BE49-F238E27FC236}">
-                <a16:creationId xmlns:a16="http://schemas.microsoft.com/office/drawing/2014/main" id="{374B4091-6E2F-63EF-BE52-3491AF71AF4F}"/>
-              </a:ext>
-            </a:extLst>
-          </p:cNvPr>
-          <p:cNvSpPr txBox="1"/>
-          <p:nvPr/>
-        </p:nvSpPr>
-        <p:spPr>
-          <a:xfrm>
-            <a:off x="487767" y="1033275"/>
-            <a:ext cx="7837367" cy="307777"/>
-          </a:xfrm>
-          <a:prstGeom prst="rect">
-            <a:avLst/>
-          </a:prstGeom>
-          <a:noFill/>
-        </p:spPr>
-        <p:txBody>
-          <a:bodyPr wrap="square" rtlCol="0">
-            <a:spAutoFit/>
-          </a:bodyPr>
-          <a:lstStyle/>
-          <a:p>
-            <a:r>
-              <a:rPr lang="en-GB" sz="1400" dirty="0" err="1">
-                <a:solidFill>
-                  <a:schemeClr val="tx1">
-                    <a:lumMod val="65000"/>
-                    <a:lumOff val="35000"/>
-                  </a:schemeClr>
-                </a:solidFill>
-                <a:latin typeface="Calibri" panose="020F0502020204030204" pitchFamily="34" charset="0"/>
-                <a:cs typeface="Calibri" panose="020F0502020204030204" pitchFamily="34" charset="0"/>
-              </a:rPr>
-              <a:t>Stage_narrative</a:t>
-            </a:r>
-            <a:endParaRPr lang="en-GB" sz="1400" dirty="0">
-              <a:solidFill>
-                <a:schemeClr val="tx1">
-                  <a:lumMod val="65000"/>
-                  <a:lumOff val="35000"/>
-                </a:schemeClr>
-              </a:solidFill>
-              <a:latin typeface="Calibri" panose="020F0502020204030204" pitchFamily="34" charset="0"/>
-              <a:cs typeface="Calibri" panose="020F0502020204030204" pitchFamily="34" charset="0"/>
-            </a:endParaRPr>
-          </a:p>
-        </p:txBody>
-      </p:sp>
-      <p:sp>
-        <p:nvSpPr>
-          <p:cNvPr id="6" name="TextBox 5">
-            <a:extLst>
-              <a:ext uri="{FF2B5EF4-FFF2-40B4-BE49-F238E27FC236}">
-                <a16:creationId xmlns:a16="http://schemas.microsoft.com/office/drawing/2014/main" id="{3806D234-BD73-B759-7A8F-EA93ACF5A543}"/>
-              </a:ext>
-            </a:extLst>
-          </p:cNvPr>
-          <p:cNvSpPr txBox="1"/>
-          <p:nvPr/>
-        </p:nvSpPr>
-        <p:spPr>
-          <a:xfrm>
-            <a:off x="487768" y="4095130"/>
-            <a:ext cx="3405360" cy="307777"/>
-          </a:xfrm>
-          <a:prstGeom prst="rect">
-            <a:avLst/>
-          </a:prstGeom>
-          <a:noFill/>
-        </p:spPr>
-        <p:txBody>
-          <a:bodyPr wrap="square" rtlCol="0">
-            <a:spAutoFit/>
-          </a:bodyPr>
-          <a:lstStyle/>
-          <a:p>
-            <a:r>
-              <a:rPr lang="en-GB" sz="1400" dirty="0" err="1">
-                <a:solidFill>
-                  <a:schemeClr val="tx1">
-                    <a:lumMod val="65000"/>
-                    <a:lumOff val="35000"/>
-                  </a:schemeClr>
-                </a:solidFill>
-                <a:latin typeface="Calibri" panose="020F0502020204030204" pitchFamily="34" charset="0"/>
-                <a:cs typeface="Calibri" panose="020F0502020204030204" pitchFamily="34" charset="0"/>
-              </a:rPr>
-              <a:t>Thinking_bullets</a:t>
-            </a:r>
-            <a:endParaRPr lang="en-GB" sz="1400" dirty="0">
-              <a:solidFill>
-                <a:schemeClr val="tx1">
-                  <a:lumMod val="65000"/>
-                  <a:lumOff val="35000"/>
-                </a:schemeClr>
-              </a:solidFill>
-              <a:latin typeface="Calibri" panose="020F0502020204030204" pitchFamily="34" charset="0"/>
-              <a:cs typeface="Calibri" panose="020F0502020204030204" pitchFamily="34" charset="0"/>
-            </a:endParaRPr>
-          </a:p>
-        </p:txBody>
-      </p:sp>
-      <p:sp>
-        <p:nvSpPr>
-          <p:cNvPr id="7" name="TextBox 6">
-            <a:extLst>
-              <a:ext uri="{FF2B5EF4-FFF2-40B4-BE49-F238E27FC236}">
-                <a16:creationId xmlns:a16="http://schemas.microsoft.com/office/drawing/2014/main" id="{07701E74-E9CA-3415-1EEE-F7423502EF2C}"/>
-              </a:ext>
-            </a:extLst>
-          </p:cNvPr>
-          <p:cNvSpPr txBox="1"/>
-          <p:nvPr/>
-        </p:nvSpPr>
-        <p:spPr>
-          <a:xfrm>
-            <a:off x="4387249" y="4092292"/>
-            <a:ext cx="3405360" cy="307777"/>
-          </a:xfrm>
-          <a:prstGeom prst="rect">
-            <a:avLst/>
-          </a:prstGeom>
-          <a:noFill/>
-        </p:spPr>
-        <p:txBody>
-          <a:bodyPr wrap="square" rtlCol="0">
-            <a:spAutoFit/>
-          </a:bodyPr>
-          <a:lstStyle/>
-          <a:p>
-            <a:r>
-              <a:rPr lang="en-GB" sz="1400" dirty="0" err="1">
-                <a:solidFill>
-                  <a:schemeClr val="tx1">
-                    <a:lumMod val="65000"/>
-                    <a:lumOff val="35000"/>
-                  </a:schemeClr>
-                </a:solidFill>
-                <a:latin typeface="Calibri" panose="020F0502020204030204" pitchFamily="34" charset="0"/>
-                <a:cs typeface="Calibri" panose="020F0502020204030204" pitchFamily="34" charset="0"/>
-              </a:rPr>
-              <a:t>Feeling_bullets</a:t>
-            </a:r>
-            <a:endParaRPr lang="en-GB" sz="1400" dirty="0">
-              <a:solidFill>
-                <a:schemeClr val="tx1">
-                  <a:lumMod val="65000"/>
-                  <a:lumOff val="35000"/>
-                </a:schemeClr>
-              </a:solidFill>
-              <a:latin typeface="Calibri" panose="020F0502020204030204" pitchFamily="34" charset="0"/>
-              <a:cs typeface="Calibri" panose="020F0502020204030204" pitchFamily="34" charset="0"/>
-            </a:endParaRPr>
-          </a:p>
-        </p:txBody>
-      </p:sp>
-      <p:sp>
-        <p:nvSpPr>
-          <p:cNvPr id="8" name="TextBox 7">
-            <a:extLst>
-              <a:ext uri="{FF2B5EF4-FFF2-40B4-BE49-F238E27FC236}">
-                <a16:creationId xmlns:a16="http://schemas.microsoft.com/office/drawing/2014/main" id="{F7798300-80F1-FCE7-CC62-0CBE47B0FC18}"/>
-              </a:ext>
-            </a:extLst>
-          </p:cNvPr>
-          <p:cNvSpPr txBox="1"/>
-          <p:nvPr/>
-        </p:nvSpPr>
-        <p:spPr>
-          <a:xfrm>
-            <a:off x="8275019" y="4092292"/>
-            <a:ext cx="3405360" cy="307777"/>
-          </a:xfrm>
-          <a:prstGeom prst="rect">
-            <a:avLst/>
-          </a:prstGeom>
-          <a:noFill/>
-        </p:spPr>
-        <p:txBody>
-          <a:bodyPr wrap="square" rtlCol="0">
-            <a:spAutoFit/>
-          </a:bodyPr>
-          <a:lstStyle/>
-          <a:p>
-            <a:r>
-              <a:rPr lang="en-GB" sz="1400" dirty="0" err="1">
-                <a:solidFill>
-                  <a:schemeClr val="tx1">
-                    <a:lumMod val="65000"/>
-                    <a:lumOff val="35000"/>
-                  </a:schemeClr>
-                </a:solidFill>
-                <a:latin typeface="Calibri" panose="020F0502020204030204" pitchFamily="34" charset="0"/>
-                <a:cs typeface="Calibri" panose="020F0502020204030204" pitchFamily="34" charset="0"/>
-              </a:rPr>
-              <a:t>Doing_bullets</a:t>
-            </a:r>
-            <a:endParaRPr lang="en-GB" sz="1400" dirty="0">
-              <a:solidFill>
-                <a:schemeClr val="tx1">
-                  <a:lumMod val="65000"/>
-                  <a:lumOff val="35000"/>
-                </a:schemeClr>
-              </a:solidFill>
-              <a:latin typeface="Calibri" panose="020F0502020204030204" pitchFamily="34" charset="0"/>
-              <a:cs typeface="Calibri" panose="020F0502020204030204" pitchFamily="34" charset="0"/>
-            </a:endParaRPr>
+            <a:endParaRPr lang="en-US" dirty="0"/>
           </a:p>
         </p:txBody>
       </p:sp>
     </p:spTree>
     <p:extLst>
       <p:ext uri="{BB962C8B-B14F-4D97-AF65-F5344CB8AC3E}">
-        <p14:creationId xmlns:p14="http://schemas.microsoft.com/office/powerpoint/2010/main" val="684980235"/>
+        <p14:creationId xmlns:p14="http://schemas.microsoft.com/office/powerpoint/2010/main" val="3290019749"/>
       </p:ext>
     </p:extLst>
   </p:cSld>
@@ -2859,10 +2721,39 @@
       </p:grpSpPr>
       <p:sp>
         <p:nvSpPr>
-          <p:cNvPr id="2" name="Picture Placeholder 1">
-            <a:extLst>
-              <a:ext uri="{FF2B5EF4-FFF2-40B4-BE49-F238E27FC236}">
-                <a16:creationId xmlns:a16="http://schemas.microsoft.com/office/drawing/2014/main" id="{2EEA1161-F2B4-888C-81ED-7B43AC8E0CC0}"/>
+          <p:cNvPr id="2" name="Text Placeholder 1">
+            <a:extLst>
+              <a:ext uri="{FF2B5EF4-FFF2-40B4-BE49-F238E27FC236}">
+                <a16:creationId xmlns:a16="http://schemas.microsoft.com/office/drawing/2014/main" id="{54EED5A1-2BDF-65A8-42F1-69D522778C6C}"/>
+              </a:ext>
+            </a:extLst>
+          </p:cNvPr>
+          <p:cNvSpPr>
+            <a:spLocks noGrp="1"/>
+          </p:cNvSpPr>
+          <p:nvPr>
+            <p:ph type="body" sz="quarter" idx="16"/>
+          </p:nvPr>
+        </p:nvSpPr>
+        <p:spPr/>
+        <p:txBody>
+          <a:bodyPr/>
+          <a:lstStyle/>
+          <a:p>
+            <a:r>
+              <a:rPr lang="en-US" dirty="0" err="1"/>
+              <a:t>Stage_name</a:t>
+            </a:r>
+            <a:endParaRPr lang="en-US" dirty="0"/>
+          </a:p>
+        </p:txBody>
+      </p:sp>
+      <p:sp>
+        <p:nvSpPr>
+          <p:cNvPr id="3" name="Picture Placeholder 2">
+            <a:extLst>
+              <a:ext uri="{FF2B5EF4-FFF2-40B4-BE49-F238E27FC236}">
+                <a16:creationId xmlns:a16="http://schemas.microsoft.com/office/drawing/2014/main" id="{1BDA1A22-5F25-62EF-ABAE-81DE83464973}"/>
               </a:ext>
             </a:extLst>
           </p:cNvPr>
@@ -2878,381 +2769,160 @@
           <a:bodyPr/>
           <a:lstStyle/>
           <a:p>
-            <a:endParaRPr lang="en-GB"/>
-          </a:p>
-        </p:txBody>
-      </p:sp>
-      <p:sp>
-        <p:nvSpPr>
-          <p:cNvPr id="3" name="Title 1">
-            <a:extLst>
-              <a:ext uri="{FF2B5EF4-FFF2-40B4-BE49-F238E27FC236}">
-                <a16:creationId xmlns:a16="http://schemas.microsoft.com/office/drawing/2014/main" id="{60B68C2C-8264-C693-8456-8BA467FA8E06}"/>
-              </a:ext>
-            </a:extLst>
-          </p:cNvPr>
-          <p:cNvSpPr txBox="1">
-            <a:spLocks/>
-          </p:cNvSpPr>
-          <p:nvPr/>
-        </p:nvSpPr>
-        <p:spPr>
-          <a:xfrm>
-            <a:off x="487767" y="118875"/>
-            <a:ext cx="11204324" cy="914400"/>
-          </a:xfrm>
-          <a:prstGeom prst="rect">
-            <a:avLst/>
-          </a:prstGeom>
-        </p:spPr>
-        <p:txBody>
-          <a:bodyPr lIns="0" tIns="0" rIns="0" bIns="0" anchor="ctr" anchorCtr="0">
-            <a:noAutofit/>
-          </a:bodyPr>
-          <a:lstStyle>
-            <a:lvl1pPr algn="l" defTabSz="609265" rtl="0" eaLnBrk="1" latinLnBrk="0" hangingPunct="1">
-              <a:lnSpc>
-                <a:spcPct val="85000"/>
-              </a:lnSpc>
-              <a:spcBef>
-                <a:spcPct val="0"/>
-              </a:spcBef>
-              <a:buNone/>
-              <a:defRPr sz="2665" b="1" kern="1200" spc="-120" baseline="0">
-                <a:solidFill>
-                  <a:schemeClr val="bg1"/>
-                </a:solidFill>
-                <a:latin typeface="+mj-lt"/>
-                <a:ea typeface="+mj-ea"/>
-                <a:cs typeface="+mj-cs"/>
-              </a:defRPr>
-            </a:lvl1pPr>
-          </a:lstStyle>
-          <a:p>
-            <a:pPr marL="0" marR="0" lvl="0" indent="0" algn="l" defTabSz="609265" rtl="0" eaLnBrk="1" fontAlgn="auto" latinLnBrk="0" hangingPunct="1">
-              <a:lnSpc>
-                <a:spcPct val="85000"/>
-              </a:lnSpc>
-              <a:spcBef>
-                <a:spcPct val="0"/>
-              </a:spcBef>
-              <a:spcAft>
-                <a:spcPts val="0"/>
-              </a:spcAft>
-              <a:buClrTx/>
-              <a:buSzTx/>
-              <a:buFontTx/>
-              <a:buNone/>
-              <a:tabLst/>
-              <a:defRPr/>
-            </a:pPr>
-            <a:r>
-              <a:rPr kumimoji="0" lang="en-GB" sz="2665" b="1" i="0" u="none" strike="noStrike" kern="1200" cap="none" spc="-120" normalizeH="0" baseline="0" noProof="0" dirty="0" err="1">
-                <a:ln>
-                  <a:noFill/>
-                </a:ln>
-                <a:solidFill>
-                  <a:srgbClr val="EB3300"/>
-                </a:solidFill>
-                <a:effectLst/>
-                <a:uLnTx/>
-                <a:uFillTx/>
-                <a:latin typeface="Arial"/>
-                <a:ea typeface="+mj-ea"/>
-                <a:cs typeface="+mj-cs"/>
-              </a:rPr>
-              <a:t>Stage_name</a:t>
-            </a:r>
-            <a:endParaRPr kumimoji="0" lang="en-GB" sz="2665" b="1" i="0" u="none" strike="noStrike" kern="1200" cap="none" spc="-120" normalizeH="0" baseline="0" noProof="0" dirty="0">
-              <a:ln>
-                <a:noFill/>
-              </a:ln>
-              <a:solidFill>
-                <a:srgbClr val="63666A"/>
-              </a:solidFill>
-              <a:effectLst/>
-              <a:highlight>
-                <a:srgbClr val="FFFF00"/>
-              </a:highlight>
-              <a:uLnTx/>
-              <a:uFillTx/>
-              <a:latin typeface="Arial"/>
-              <a:ea typeface="+mj-ea"/>
-              <a:cs typeface="+mj-cs"/>
-            </a:endParaRPr>
-          </a:p>
-        </p:txBody>
-      </p:sp>
-      <p:sp>
-        <p:nvSpPr>
-          <p:cNvPr id="4" name="TextBox 3">
-            <a:extLst>
-              <a:ext uri="{FF2B5EF4-FFF2-40B4-BE49-F238E27FC236}">
-                <a16:creationId xmlns:a16="http://schemas.microsoft.com/office/drawing/2014/main" id="{73443A80-0C94-CE54-707F-C32F78F7EB00}"/>
-              </a:ext>
-            </a:extLst>
-          </p:cNvPr>
-          <p:cNvSpPr txBox="1"/>
-          <p:nvPr/>
-        </p:nvSpPr>
-        <p:spPr>
-          <a:xfrm>
-            <a:off x="1048871" y="3041982"/>
-            <a:ext cx="10112187" cy="369332"/>
-          </a:xfrm>
-          <a:prstGeom prst="rect">
-            <a:avLst/>
-          </a:prstGeom>
-          <a:noFill/>
-        </p:spPr>
-        <p:txBody>
-          <a:bodyPr wrap="square" rtlCol="0">
-            <a:spAutoFit/>
-          </a:bodyPr>
+            <a:endParaRPr lang="en-US"/>
+          </a:p>
+        </p:txBody>
+      </p:sp>
+      <p:sp>
+        <p:nvSpPr>
+          <p:cNvPr id="4" name="Text Placeholder 3">
+            <a:extLst>
+              <a:ext uri="{FF2B5EF4-FFF2-40B4-BE49-F238E27FC236}">
+                <a16:creationId xmlns:a16="http://schemas.microsoft.com/office/drawing/2014/main" id="{2B85AEE0-787A-171D-16F9-DE1BED2FC248}"/>
+              </a:ext>
+            </a:extLst>
+          </p:cNvPr>
+          <p:cNvSpPr>
+            <a:spLocks noGrp="1"/>
+          </p:cNvSpPr>
+          <p:nvPr>
+            <p:ph type="body" sz="quarter" idx="11"/>
+          </p:nvPr>
+        </p:nvSpPr>
+        <p:spPr/>
+        <p:txBody>
+          <a:bodyPr/>
+          <a:lstStyle/>
+          <a:p>
+            <a:r>
+              <a:rPr lang="en-US" dirty="0" err="1"/>
+              <a:t>Stage_narrative</a:t>
+            </a:r>
+            <a:endParaRPr lang="en-US" dirty="0"/>
+          </a:p>
+        </p:txBody>
+      </p:sp>
+      <p:sp>
+        <p:nvSpPr>
+          <p:cNvPr id="5" name="Text Placeholder 4">
+            <a:extLst>
+              <a:ext uri="{FF2B5EF4-FFF2-40B4-BE49-F238E27FC236}">
+                <a16:creationId xmlns:a16="http://schemas.microsoft.com/office/drawing/2014/main" id="{AADEF834-2372-DDAC-F65E-9157ADC403DA}"/>
+              </a:ext>
+            </a:extLst>
+          </p:cNvPr>
+          <p:cNvSpPr>
+            <a:spLocks noGrp="1"/>
+          </p:cNvSpPr>
+          <p:nvPr>
+            <p:ph type="body" sz="quarter" idx="12"/>
+          </p:nvPr>
+        </p:nvSpPr>
+        <p:spPr/>
+        <p:txBody>
+          <a:bodyPr/>
+          <a:lstStyle/>
+          <a:p>
+            <a:r>
+              <a:rPr lang="en-US" dirty="0" err="1"/>
+              <a:t>Thinking_bullets</a:t>
+            </a:r>
+            <a:endParaRPr lang="en-US" dirty="0"/>
+          </a:p>
+        </p:txBody>
+      </p:sp>
+      <p:sp>
+        <p:nvSpPr>
+          <p:cNvPr id="6" name="Text Placeholder 5">
+            <a:extLst>
+              <a:ext uri="{FF2B5EF4-FFF2-40B4-BE49-F238E27FC236}">
+                <a16:creationId xmlns:a16="http://schemas.microsoft.com/office/drawing/2014/main" id="{71E1EF30-5202-20E9-6E05-C8FA6D1AEDED}"/>
+              </a:ext>
+            </a:extLst>
+          </p:cNvPr>
+          <p:cNvSpPr>
+            <a:spLocks noGrp="1"/>
+          </p:cNvSpPr>
+          <p:nvPr>
+            <p:ph type="body" sz="quarter" idx="13"/>
+          </p:nvPr>
+        </p:nvSpPr>
+        <p:spPr/>
+        <p:txBody>
+          <a:bodyPr/>
+          <a:lstStyle/>
+          <a:p>
+            <a:r>
+              <a:rPr lang="en-US" dirty="0" err="1"/>
+              <a:t>Feeling_bullets</a:t>
+            </a:r>
+            <a:endParaRPr lang="en-US" dirty="0"/>
+          </a:p>
+        </p:txBody>
+      </p:sp>
+      <p:sp>
+        <p:nvSpPr>
+          <p:cNvPr id="7" name="Text Placeholder 6">
+            <a:extLst>
+              <a:ext uri="{FF2B5EF4-FFF2-40B4-BE49-F238E27FC236}">
+                <a16:creationId xmlns:a16="http://schemas.microsoft.com/office/drawing/2014/main" id="{4006D341-E1ED-C9E6-2CF6-B4F1383D7B23}"/>
+              </a:ext>
+            </a:extLst>
+          </p:cNvPr>
+          <p:cNvSpPr>
+            <a:spLocks noGrp="1"/>
+          </p:cNvSpPr>
+          <p:nvPr>
+            <p:ph type="body" sz="quarter" idx="14"/>
+          </p:nvPr>
+        </p:nvSpPr>
+        <p:spPr/>
+        <p:txBody>
+          <a:bodyPr/>
+          <a:lstStyle/>
+          <a:p>
+            <a:r>
+              <a:rPr lang="en-US" dirty="0" err="1"/>
+              <a:t>Doing_bullets</a:t>
+            </a:r>
+            <a:endParaRPr lang="en-US" dirty="0"/>
+          </a:p>
+        </p:txBody>
+      </p:sp>
+      <p:sp>
+        <p:nvSpPr>
+          <p:cNvPr id="8" name="Text Placeholder 7">
+            <a:extLst>
+              <a:ext uri="{FF2B5EF4-FFF2-40B4-BE49-F238E27FC236}">
+                <a16:creationId xmlns:a16="http://schemas.microsoft.com/office/drawing/2014/main" id="{EE2E3388-C98F-61B3-CA2C-12567BAA74EF}"/>
+              </a:ext>
+            </a:extLst>
+          </p:cNvPr>
+          <p:cNvSpPr>
+            <a:spLocks noGrp="1"/>
+          </p:cNvSpPr>
+          <p:nvPr>
+            <p:ph type="body" sz="quarter" idx="15"/>
+          </p:nvPr>
+        </p:nvSpPr>
+        <p:spPr/>
+        <p:txBody>
+          <a:bodyPr/>
           <a:lstStyle/>
           <a:p>
             <a:pPr algn="ctr"/>
             <a:r>
-              <a:rPr lang="en-GB" sz="1800" b="1" i="1" dirty="0" err="1">
-                <a:solidFill>
-                  <a:srgbClr val="EB3300"/>
-                </a:solidFill>
-                <a:latin typeface="Calibri" panose="020F0502020204030204" pitchFamily="34" charset="0"/>
-                <a:ea typeface="Times New Roman" panose="02020603050405020304" pitchFamily="18" charset="0"/>
-                <a:cs typeface="Calibri" panose="020F0502020204030204" pitchFamily="34" charset="0"/>
-              </a:rPr>
+              <a:rPr lang="en-US" dirty="0" err="1"/>
               <a:t>Short_quote</a:t>
             </a:r>
-            <a:endParaRPr lang="en-GB" sz="1800" b="1" i="1" dirty="0">
-              <a:solidFill>
-                <a:srgbClr val="EB3300"/>
-              </a:solidFill>
-              <a:latin typeface="Calibri" panose="020F0502020204030204" pitchFamily="34" charset="0"/>
-              <a:cs typeface="Calibri" panose="020F0502020204030204" pitchFamily="34" charset="0"/>
-            </a:endParaRPr>
-          </a:p>
-        </p:txBody>
-      </p:sp>
-      <p:sp>
-        <p:nvSpPr>
-          <p:cNvPr id="5" name="TextBox 4">
-            <a:extLst>
-              <a:ext uri="{FF2B5EF4-FFF2-40B4-BE49-F238E27FC236}">
-                <a16:creationId xmlns:a16="http://schemas.microsoft.com/office/drawing/2014/main" id="{374B4091-6E2F-63EF-BE52-3491AF71AF4F}"/>
-              </a:ext>
-            </a:extLst>
-          </p:cNvPr>
-          <p:cNvSpPr txBox="1"/>
-          <p:nvPr/>
-        </p:nvSpPr>
-        <p:spPr>
-          <a:xfrm>
-            <a:off x="487767" y="1033275"/>
-            <a:ext cx="7837367" cy="307777"/>
-          </a:xfrm>
-          <a:prstGeom prst="rect">
-            <a:avLst/>
-          </a:prstGeom>
-          <a:noFill/>
-        </p:spPr>
-        <p:txBody>
-          <a:bodyPr wrap="square" rtlCol="0">
-            <a:spAutoFit/>
-          </a:bodyPr>
-          <a:lstStyle/>
-          <a:p>
-            <a:r>
-              <a:rPr lang="en-GB" sz="1400" dirty="0" err="1">
-                <a:solidFill>
-                  <a:schemeClr val="tx1">
-                    <a:lumMod val="65000"/>
-                    <a:lumOff val="35000"/>
-                  </a:schemeClr>
-                </a:solidFill>
-                <a:latin typeface="Calibri" panose="020F0502020204030204" pitchFamily="34" charset="0"/>
-                <a:cs typeface="Calibri" panose="020F0502020204030204" pitchFamily="34" charset="0"/>
-              </a:rPr>
-              <a:t>Stage_narrative</a:t>
-            </a:r>
-            <a:endParaRPr lang="en-GB" sz="1400" dirty="0">
-              <a:solidFill>
-                <a:schemeClr val="tx1">
-                  <a:lumMod val="65000"/>
-                  <a:lumOff val="35000"/>
-                </a:schemeClr>
-              </a:solidFill>
-              <a:latin typeface="Calibri" panose="020F0502020204030204" pitchFamily="34" charset="0"/>
-              <a:cs typeface="Calibri" panose="020F0502020204030204" pitchFamily="34" charset="0"/>
-            </a:endParaRPr>
-          </a:p>
-        </p:txBody>
-      </p:sp>
-      <p:sp>
-        <p:nvSpPr>
-          <p:cNvPr id="6" name="TextBox 5">
-            <a:extLst>
-              <a:ext uri="{FF2B5EF4-FFF2-40B4-BE49-F238E27FC236}">
-                <a16:creationId xmlns:a16="http://schemas.microsoft.com/office/drawing/2014/main" id="{3806D234-BD73-B759-7A8F-EA93ACF5A543}"/>
-              </a:ext>
-            </a:extLst>
-          </p:cNvPr>
-          <p:cNvSpPr txBox="1"/>
-          <p:nvPr/>
-        </p:nvSpPr>
-        <p:spPr>
-          <a:xfrm>
-            <a:off x="487768" y="4095130"/>
-            <a:ext cx="3405360" cy="307777"/>
-          </a:xfrm>
-          <a:prstGeom prst="rect">
-            <a:avLst/>
-          </a:prstGeom>
-          <a:noFill/>
-        </p:spPr>
-        <p:txBody>
-          <a:bodyPr wrap="square" rtlCol="0">
-            <a:spAutoFit/>
-          </a:bodyPr>
-          <a:lstStyle/>
-          <a:p>
-            <a:r>
-              <a:rPr lang="en-GB" sz="1400" dirty="0" err="1">
-                <a:solidFill>
-                  <a:schemeClr val="tx1">
-                    <a:lumMod val="65000"/>
-                    <a:lumOff val="35000"/>
-                  </a:schemeClr>
-                </a:solidFill>
-                <a:latin typeface="Calibri" panose="020F0502020204030204" pitchFamily="34" charset="0"/>
-                <a:cs typeface="Calibri" panose="020F0502020204030204" pitchFamily="34" charset="0"/>
-              </a:rPr>
-              <a:t>Thinking_bullets</a:t>
-            </a:r>
-            <a:endParaRPr lang="en-GB" sz="1400" dirty="0">
-              <a:solidFill>
-                <a:schemeClr val="tx1">
-                  <a:lumMod val="65000"/>
-                  <a:lumOff val="35000"/>
-                </a:schemeClr>
-              </a:solidFill>
-              <a:latin typeface="Calibri" panose="020F0502020204030204" pitchFamily="34" charset="0"/>
-              <a:cs typeface="Calibri" panose="020F0502020204030204" pitchFamily="34" charset="0"/>
-            </a:endParaRPr>
-          </a:p>
-        </p:txBody>
-      </p:sp>
-      <p:sp>
-        <p:nvSpPr>
-          <p:cNvPr id="7" name="TextBox 6">
-            <a:extLst>
-              <a:ext uri="{FF2B5EF4-FFF2-40B4-BE49-F238E27FC236}">
-                <a16:creationId xmlns:a16="http://schemas.microsoft.com/office/drawing/2014/main" id="{07701E74-E9CA-3415-1EEE-F7423502EF2C}"/>
-              </a:ext>
-            </a:extLst>
-          </p:cNvPr>
-          <p:cNvSpPr txBox="1"/>
-          <p:nvPr/>
-        </p:nvSpPr>
-        <p:spPr>
-          <a:xfrm>
-            <a:off x="4387249" y="4092292"/>
-            <a:ext cx="3405360" cy="307777"/>
-          </a:xfrm>
-          <a:prstGeom prst="rect">
-            <a:avLst/>
-          </a:prstGeom>
-          <a:noFill/>
-        </p:spPr>
-        <p:txBody>
-          <a:bodyPr wrap="square" rtlCol="0">
-            <a:spAutoFit/>
-          </a:bodyPr>
-          <a:lstStyle/>
-          <a:p>
-            <a:r>
-              <a:rPr lang="en-GB" sz="1400" dirty="0" err="1">
-                <a:solidFill>
-                  <a:schemeClr val="tx1">
-                    <a:lumMod val="65000"/>
-                    <a:lumOff val="35000"/>
-                  </a:schemeClr>
-                </a:solidFill>
-                <a:latin typeface="Calibri" panose="020F0502020204030204" pitchFamily="34" charset="0"/>
-                <a:cs typeface="Calibri" panose="020F0502020204030204" pitchFamily="34" charset="0"/>
-              </a:rPr>
-              <a:t>Feeling_bullets</a:t>
-            </a:r>
-            <a:endParaRPr lang="en-GB" sz="1400" dirty="0">
-              <a:solidFill>
-                <a:schemeClr val="tx1">
-                  <a:lumMod val="65000"/>
-                  <a:lumOff val="35000"/>
-                </a:schemeClr>
-              </a:solidFill>
-              <a:latin typeface="Calibri" panose="020F0502020204030204" pitchFamily="34" charset="0"/>
-              <a:cs typeface="Calibri" panose="020F0502020204030204" pitchFamily="34" charset="0"/>
-            </a:endParaRPr>
-          </a:p>
-        </p:txBody>
-      </p:sp>
-      <p:sp>
-        <p:nvSpPr>
-          <p:cNvPr id="8" name="TextBox 7">
-            <a:extLst>
-              <a:ext uri="{FF2B5EF4-FFF2-40B4-BE49-F238E27FC236}">
-                <a16:creationId xmlns:a16="http://schemas.microsoft.com/office/drawing/2014/main" id="{F7798300-80F1-FCE7-CC62-0CBE47B0FC18}"/>
-              </a:ext>
-            </a:extLst>
-          </p:cNvPr>
-          <p:cNvSpPr txBox="1"/>
-          <p:nvPr/>
-        </p:nvSpPr>
-        <p:spPr>
-          <a:xfrm>
-            <a:off x="8275019" y="4092292"/>
-            <a:ext cx="3405360" cy="307777"/>
-          </a:xfrm>
-          <a:prstGeom prst="rect">
-            <a:avLst/>
-          </a:prstGeom>
-          <a:noFill/>
-        </p:spPr>
-        <p:txBody>
-          <a:bodyPr wrap="square" rtlCol="0">
-            <a:spAutoFit/>
-          </a:bodyPr>
-          <a:lstStyle/>
-          <a:p>
-            <a:r>
-              <a:rPr lang="en-GB" sz="1400" dirty="0" err="1">
-                <a:solidFill>
-                  <a:schemeClr val="tx1">
-                    <a:lumMod val="65000"/>
-                    <a:lumOff val="35000"/>
-                  </a:schemeClr>
-                </a:solidFill>
-                <a:latin typeface="Calibri" panose="020F0502020204030204" pitchFamily="34" charset="0"/>
-                <a:cs typeface="Calibri" panose="020F0502020204030204" pitchFamily="34" charset="0"/>
-              </a:rPr>
-              <a:t>Doing_bullets</a:t>
-            </a:r>
-            <a:endParaRPr lang="en-GB" sz="1400" dirty="0">
-              <a:solidFill>
-                <a:schemeClr val="tx1">
-                  <a:lumMod val="65000"/>
-                  <a:lumOff val="35000"/>
-                </a:schemeClr>
-              </a:solidFill>
-              <a:latin typeface="Calibri" panose="020F0502020204030204" pitchFamily="34" charset="0"/>
-              <a:cs typeface="Calibri" panose="020F0502020204030204" pitchFamily="34" charset="0"/>
-            </a:endParaRPr>
+            <a:endParaRPr lang="en-US" dirty="0"/>
           </a:p>
         </p:txBody>
       </p:sp>
     </p:spTree>
     <p:extLst>
       <p:ext uri="{BB962C8B-B14F-4D97-AF65-F5344CB8AC3E}">
-        <p14:creationId xmlns:p14="http://schemas.microsoft.com/office/powerpoint/2010/main" val="2676966428"/>
+        <p14:creationId xmlns:p14="http://schemas.microsoft.com/office/powerpoint/2010/main" val="3923640592"/>
       </p:ext>
     </p:extLst>
   </p:cSld>
@@ -3281,10 +2951,39 @@
       </p:grpSpPr>
       <p:sp>
         <p:nvSpPr>
-          <p:cNvPr id="2" name="Picture Placeholder 1">
-            <a:extLst>
-              <a:ext uri="{FF2B5EF4-FFF2-40B4-BE49-F238E27FC236}">
-                <a16:creationId xmlns:a16="http://schemas.microsoft.com/office/drawing/2014/main" id="{2EEA1161-F2B4-888C-81ED-7B43AC8E0CC0}"/>
+          <p:cNvPr id="2" name="Text Placeholder 1">
+            <a:extLst>
+              <a:ext uri="{FF2B5EF4-FFF2-40B4-BE49-F238E27FC236}">
+                <a16:creationId xmlns:a16="http://schemas.microsoft.com/office/drawing/2014/main" id="{54EED5A1-2BDF-65A8-42F1-69D522778C6C}"/>
+              </a:ext>
+            </a:extLst>
+          </p:cNvPr>
+          <p:cNvSpPr>
+            <a:spLocks noGrp="1"/>
+          </p:cNvSpPr>
+          <p:nvPr>
+            <p:ph type="body" sz="quarter" idx="16"/>
+          </p:nvPr>
+        </p:nvSpPr>
+        <p:spPr/>
+        <p:txBody>
+          <a:bodyPr/>
+          <a:lstStyle/>
+          <a:p>
+            <a:r>
+              <a:rPr lang="en-US" dirty="0" err="1"/>
+              <a:t>Stage_name</a:t>
+            </a:r>
+            <a:endParaRPr lang="en-US" dirty="0"/>
+          </a:p>
+        </p:txBody>
+      </p:sp>
+      <p:sp>
+        <p:nvSpPr>
+          <p:cNvPr id="3" name="Picture Placeholder 2">
+            <a:extLst>
+              <a:ext uri="{FF2B5EF4-FFF2-40B4-BE49-F238E27FC236}">
+                <a16:creationId xmlns:a16="http://schemas.microsoft.com/office/drawing/2014/main" id="{1BDA1A22-5F25-62EF-ABAE-81DE83464973}"/>
               </a:ext>
             </a:extLst>
           </p:cNvPr>
@@ -3300,381 +2999,160 @@
           <a:bodyPr/>
           <a:lstStyle/>
           <a:p>
-            <a:endParaRPr lang="en-GB"/>
-          </a:p>
-        </p:txBody>
-      </p:sp>
-      <p:sp>
-        <p:nvSpPr>
-          <p:cNvPr id="3" name="Title 1">
-            <a:extLst>
-              <a:ext uri="{FF2B5EF4-FFF2-40B4-BE49-F238E27FC236}">
-                <a16:creationId xmlns:a16="http://schemas.microsoft.com/office/drawing/2014/main" id="{60B68C2C-8264-C693-8456-8BA467FA8E06}"/>
-              </a:ext>
-            </a:extLst>
-          </p:cNvPr>
-          <p:cNvSpPr txBox="1">
-            <a:spLocks/>
-          </p:cNvSpPr>
-          <p:nvPr/>
-        </p:nvSpPr>
-        <p:spPr>
-          <a:xfrm>
-            <a:off x="487767" y="118875"/>
-            <a:ext cx="11204324" cy="914400"/>
-          </a:xfrm>
-          <a:prstGeom prst="rect">
-            <a:avLst/>
-          </a:prstGeom>
-        </p:spPr>
-        <p:txBody>
-          <a:bodyPr lIns="0" tIns="0" rIns="0" bIns="0" anchor="ctr" anchorCtr="0">
-            <a:noAutofit/>
-          </a:bodyPr>
-          <a:lstStyle>
-            <a:lvl1pPr algn="l" defTabSz="609265" rtl="0" eaLnBrk="1" latinLnBrk="0" hangingPunct="1">
-              <a:lnSpc>
-                <a:spcPct val="85000"/>
-              </a:lnSpc>
-              <a:spcBef>
-                <a:spcPct val="0"/>
-              </a:spcBef>
-              <a:buNone/>
-              <a:defRPr sz="2665" b="1" kern="1200" spc="-120" baseline="0">
-                <a:solidFill>
-                  <a:schemeClr val="bg1"/>
-                </a:solidFill>
-                <a:latin typeface="+mj-lt"/>
-                <a:ea typeface="+mj-ea"/>
-                <a:cs typeface="+mj-cs"/>
-              </a:defRPr>
-            </a:lvl1pPr>
-          </a:lstStyle>
-          <a:p>
-            <a:pPr marL="0" marR="0" lvl="0" indent="0" algn="l" defTabSz="609265" rtl="0" eaLnBrk="1" fontAlgn="auto" latinLnBrk="0" hangingPunct="1">
-              <a:lnSpc>
-                <a:spcPct val="85000"/>
-              </a:lnSpc>
-              <a:spcBef>
-                <a:spcPct val="0"/>
-              </a:spcBef>
-              <a:spcAft>
-                <a:spcPts val="0"/>
-              </a:spcAft>
-              <a:buClrTx/>
-              <a:buSzTx/>
-              <a:buFontTx/>
-              <a:buNone/>
-              <a:tabLst/>
-              <a:defRPr/>
-            </a:pPr>
-            <a:r>
-              <a:rPr kumimoji="0" lang="en-GB" sz="2665" b="1" i="0" u="none" strike="noStrike" kern="1200" cap="none" spc="-120" normalizeH="0" baseline="0" noProof="0" dirty="0" err="1">
-                <a:ln>
-                  <a:noFill/>
-                </a:ln>
-                <a:solidFill>
-                  <a:srgbClr val="EB3300"/>
-                </a:solidFill>
-                <a:effectLst/>
-                <a:uLnTx/>
-                <a:uFillTx/>
-                <a:latin typeface="Arial"/>
-                <a:ea typeface="+mj-ea"/>
-                <a:cs typeface="+mj-cs"/>
-              </a:rPr>
-              <a:t>Stage_name</a:t>
-            </a:r>
-            <a:endParaRPr kumimoji="0" lang="en-GB" sz="2665" b="1" i="0" u="none" strike="noStrike" kern="1200" cap="none" spc="-120" normalizeH="0" baseline="0" noProof="0" dirty="0">
-              <a:ln>
-                <a:noFill/>
-              </a:ln>
-              <a:solidFill>
-                <a:srgbClr val="63666A"/>
-              </a:solidFill>
-              <a:effectLst/>
-              <a:highlight>
-                <a:srgbClr val="FFFF00"/>
-              </a:highlight>
-              <a:uLnTx/>
-              <a:uFillTx/>
-              <a:latin typeface="Arial"/>
-              <a:ea typeface="+mj-ea"/>
-              <a:cs typeface="+mj-cs"/>
-            </a:endParaRPr>
-          </a:p>
-        </p:txBody>
-      </p:sp>
-      <p:sp>
-        <p:nvSpPr>
-          <p:cNvPr id="4" name="TextBox 3">
-            <a:extLst>
-              <a:ext uri="{FF2B5EF4-FFF2-40B4-BE49-F238E27FC236}">
-                <a16:creationId xmlns:a16="http://schemas.microsoft.com/office/drawing/2014/main" id="{73443A80-0C94-CE54-707F-C32F78F7EB00}"/>
-              </a:ext>
-            </a:extLst>
-          </p:cNvPr>
-          <p:cNvSpPr txBox="1"/>
-          <p:nvPr/>
-        </p:nvSpPr>
-        <p:spPr>
-          <a:xfrm>
-            <a:off x="1048871" y="3041982"/>
-            <a:ext cx="10112187" cy="369332"/>
-          </a:xfrm>
-          <a:prstGeom prst="rect">
-            <a:avLst/>
-          </a:prstGeom>
-          <a:noFill/>
-        </p:spPr>
-        <p:txBody>
-          <a:bodyPr wrap="square" rtlCol="0">
-            <a:spAutoFit/>
-          </a:bodyPr>
+            <a:endParaRPr lang="en-US"/>
+          </a:p>
+        </p:txBody>
+      </p:sp>
+      <p:sp>
+        <p:nvSpPr>
+          <p:cNvPr id="4" name="Text Placeholder 3">
+            <a:extLst>
+              <a:ext uri="{FF2B5EF4-FFF2-40B4-BE49-F238E27FC236}">
+                <a16:creationId xmlns:a16="http://schemas.microsoft.com/office/drawing/2014/main" id="{2B85AEE0-787A-171D-16F9-DE1BED2FC248}"/>
+              </a:ext>
+            </a:extLst>
+          </p:cNvPr>
+          <p:cNvSpPr>
+            <a:spLocks noGrp="1"/>
+          </p:cNvSpPr>
+          <p:nvPr>
+            <p:ph type="body" sz="quarter" idx="11"/>
+          </p:nvPr>
+        </p:nvSpPr>
+        <p:spPr/>
+        <p:txBody>
+          <a:bodyPr/>
+          <a:lstStyle/>
+          <a:p>
+            <a:r>
+              <a:rPr lang="en-US" dirty="0" err="1"/>
+              <a:t>Stage_narrative</a:t>
+            </a:r>
+            <a:endParaRPr lang="en-US" dirty="0"/>
+          </a:p>
+        </p:txBody>
+      </p:sp>
+      <p:sp>
+        <p:nvSpPr>
+          <p:cNvPr id="5" name="Text Placeholder 4">
+            <a:extLst>
+              <a:ext uri="{FF2B5EF4-FFF2-40B4-BE49-F238E27FC236}">
+                <a16:creationId xmlns:a16="http://schemas.microsoft.com/office/drawing/2014/main" id="{AADEF834-2372-DDAC-F65E-9157ADC403DA}"/>
+              </a:ext>
+            </a:extLst>
+          </p:cNvPr>
+          <p:cNvSpPr>
+            <a:spLocks noGrp="1"/>
+          </p:cNvSpPr>
+          <p:nvPr>
+            <p:ph type="body" sz="quarter" idx="12"/>
+          </p:nvPr>
+        </p:nvSpPr>
+        <p:spPr/>
+        <p:txBody>
+          <a:bodyPr/>
+          <a:lstStyle/>
+          <a:p>
+            <a:r>
+              <a:rPr lang="en-US" dirty="0" err="1"/>
+              <a:t>Thinking_bullets</a:t>
+            </a:r>
+            <a:endParaRPr lang="en-US" dirty="0"/>
+          </a:p>
+        </p:txBody>
+      </p:sp>
+      <p:sp>
+        <p:nvSpPr>
+          <p:cNvPr id="6" name="Text Placeholder 5">
+            <a:extLst>
+              <a:ext uri="{FF2B5EF4-FFF2-40B4-BE49-F238E27FC236}">
+                <a16:creationId xmlns:a16="http://schemas.microsoft.com/office/drawing/2014/main" id="{71E1EF30-5202-20E9-6E05-C8FA6D1AEDED}"/>
+              </a:ext>
+            </a:extLst>
+          </p:cNvPr>
+          <p:cNvSpPr>
+            <a:spLocks noGrp="1"/>
+          </p:cNvSpPr>
+          <p:nvPr>
+            <p:ph type="body" sz="quarter" idx="13"/>
+          </p:nvPr>
+        </p:nvSpPr>
+        <p:spPr/>
+        <p:txBody>
+          <a:bodyPr/>
+          <a:lstStyle/>
+          <a:p>
+            <a:r>
+              <a:rPr lang="en-US" dirty="0" err="1"/>
+              <a:t>Feeling_bullets</a:t>
+            </a:r>
+            <a:endParaRPr lang="en-US" dirty="0"/>
+          </a:p>
+        </p:txBody>
+      </p:sp>
+      <p:sp>
+        <p:nvSpPr>
+          <p:cNvPr id="7" name="Text Placeholder 6">
+            <a:extLst>
+              <a:ext uri="{FF2B5EF4-FFF2-40B4-BE49-F238E27FC236}">
+                <a16:creationId xmlns:a16="http://schemas.microsoft.com/office/drawing/2014/main" id="{4006D341-E1ED-C9E6-2CF6-B4F1383D7B23}"/>
+              </a:ext>
+            </a:extLst>
+          </p:cNvPr>
+          <p:cNvSpPr>
+            <a:spLocks noGrp="1"/>
+          </p:cNvSpPr>
+          <p:nvPr>
+            <p:ph type="body" sz="quarter" idx="14"/>
+          </p:nvPr>
+        </p:nvSpPr>
+        <p:spPr/>
+        <p:txBody>
+          <a:bodyPr/>
+          <a:lstStyle/>
+          <a:p>
+            <a:r>
+              <a:rPr lang="en-US" dirty="0" err="1"/>
+              <a:t>Doing_bullets</a:t>
+            </a:r>
+            <a:endParaRPr lang="en-US" dirty="0"/>
+          </a:p>
+        </p:txBody>
+      </p:sp>
+      <p:sp>
+        <p:nvSpPr>
+          <p:cNvPr id="8" name="Text Placeholder 7">
+            <a:extLst>
+              <a:ext uri="{FF2B5EF4-FFF2-40B4-BE49-F238E27FC236}">
+                <a16:creationId xmlns:a16="http://schemas.microsoft.com/office/drawing/2014/main" id="{EE2E3388-C98F-61B3-CA2C-12567BAA74EF}"/>
+              </a:ext>
+            </a:extLst>
+          </p:cNvPr>
+          <p:cNvSpPr>
+            <a:spLocks noGrp="1"/>
+          </p:cNvSpPr>
+          <p:nvPr>
+            <p:ph type="body" sz="quarter" idx="15"/>
+          </p:nvPr>
+        </p:nvSpPr>
+        <p:spPr/>
+        <p:txBody>
+          <a:bodyPr/>
           <a:lstStyle/>
           <a:p>
             <a:pPr algn="ctr"/>
             <a:r>
-              <a:rPr lang="en-GB" sz="1800" b="1" i="1" dirty="0" err="1">
-                <a:solidFill>
-                  <a:srgbClr val="EB3300"/>
-                </a:solidFill>
-                <a:latin typeface="Calibri" panose="020F0502020204030204" pitchFamily="34" charset="0"/>
-                <a:ea typeface="Times New Roman" panose="02020603050405020304" pitchFamily="18" charset="0"/>
-                <a:cs typeface="Calibri" panose="020F0502020204030204" pitchFamily="34" charset="0"/>
-              </a:rPr>
+              <a:rPr lang="en-US" dirty="0" err="1"/>
               <a:t>Short_quote</a:t>
             </a:r>
-            <a:endParaRPr lang="en-GB" sz="1800" b="1" i="1" dirty="0">
-              <a:solidFill>
-                <a:srgbClr val="EB3300"/>
-              </a:solidFill>
-              <a:latin typeface="Calibri" panose="020F0502020204030204" pitchFamily="34" charset="0"/>
-              <a:cs typeface="Calibri" panose="020F0502020204030204" pitchFamily="34" charset="0"/>
-            </a:endParaRPr>
-          </a:p>
-        </p:txBody>
-      </p:sp>
-      <p:sp>
-        <p:nvSpPr>
-          <p:cNvPr id="5" name="TextBox 4">
-            <a:extLst>
-              <a:ext uri="{FF2B5EF4-FFF2-40B4-BE49-F238E27FC236}">
-                <a16:creationId xmlns:a16="http://schemas.microsoft.com/office/drawing/2014/main" id="{374B4091-6E2F-63EF-BE52-3491AF71AF4F}"/>
-              </a:ext>
-            </a:extLst>
-          </p:cNvPr>
-          <p:cNvSpPr txBox="1"/>
-          <p:nvPr/>
-        </p:nvSpPr>
-        <p:spPr>
-          <a:xfrm>
-            <a:off x="487767" y="1033275"/>
-            <a:ext cx="7837367" cy="307777"/>
-          </a:xfrm>
-          <a:prstGeom prst="rect">
-            <a:avLst/>
-          </a:prstGeom>
-          <a:noFill/>
-        </p:spPr>
-        <p:txBody>
-          <a:bodyPr wrap="square" rtlCol="0">
-            <a:spAutoFit/>
-          </a:bodyPr>
-          <a:lstStyle/>
-          <a:p>
-            <a:r>
-              <a:rPr lang="en-GB" sz="1400" dirty="0" err="1">
-                <a:solidFill>
-                  <a:schemeClr val="tx1">
-                    <a:lumMod val="65000"/>
-                    <a:lumOff val="35000"/>
-                  </a:schemeClr>
-                </a:solidFill>
-                <a:latin typeface="Calibri" panose="020F0502020204030204" pitchFamily="34" charset="0"/>
-                <a:cs typeface="Calibri" panose="020F0502020204030204" pitchFamily="34" charset="0"/>
-              </a:rPr>
-              <a:t>Stage_narrative</a:t>
-            </a:r>
-            <a:endParaRPr lang="en-GB" sz="1400" dirty="0">
-              <a:solidFill>
-                <a:schemeClr val="tx1">
-                  <a:lumMod val="65000"/>
-                  <a:lumOff val="35000"/>
-                </a:schemeClr>
-              </a:solidFill>
-              <a:latin typeface="Calibri" panose="020F0502020204030204" pitchFamily="34" charset="0"/>
-              <a:cs typeface="Calibri" panose="020F0502020204030204" pitchFamily="34" charset="0"/>
-            </a:endParaRPr>
-          </a:p>
-        </p:txBody>
-      </p:sp>
-      <p:sp>
-        <p:nvSpPr>
-          <p:cNvPr id="6" name="TextBox 5">
-            <a:extLst>
-              <a:ext uri="{FF2B5EF4-FFF2-40B4-BE49-F238E27FC236}">
-                <a16:creationId xmlns:a16="http://schemas.microsoft.com/office/drawing/2014/main" id="{3806D234-BD73-B759-7A8F-EA93ACF5A543}"/>
-              </a:ext>
-            </a:extLst>
-          </p:cNvPr>
-          <p:cNvSpPr txBox="1"/>
-          <p:nvPr/>
-        </p:nvSpPr>
-        <p:spPr>
-          <a:xfrm>
-            <a:off x="487768" y="4095130"/>
-            <a:ext cx="3405360" cy="307777"/>
-          </a:xfrm>
-          <a:prstGeom prst="rect">
-            <a:avLst/>
-          </a:prstGeom>
-          <a:noFill/>
-        </p:spPr>
-        <p:txBody>
-          <a:bodyPr wrap="square" rtlCol="0">
-            <a:spAutoFit/>
-          </a:bodyPr>
-          <a:lstStyle/>
-          <a:p>
-            <a:r>
-              <a:rPr lang="en-GB" sz="1400" dirty="0" err="1">
-                <a:solidFill>
-                  <a:schemeClr val="tx1">
-                    <a:lumMod val="65000"/>
-                    <a:lumOff val="35000"/>
-                  </a:schemeClr>
-                </a:solidFill>
-                <a:latin typeface="Calibri" panose="020F0502020204030204" pitchFamily="34" charset="0"/>
-                <a:cs typeface="Calibri" panose="020F0502020204030204" pitchFamily="34" charset="0"/>
-              </a:rPr>
-              <a:t>Thinking_bullets</a:t>
-            </a:r>
-            <a:endParaRPr lang="en-GB" sz="1400" dirty="0">
-              <a:solidFill>
-                <a:schemeClr val="tx1">
-                  <a:lumMod val="65000"/>
-                  <a:lumOff val="35000"/>
-                </a:schemeClr>
-              </a:solidFill>
-              <a:latin typeface="Calibri" panose="020F0502020204030204" pitchFamily="34" charset="0"/>
-              <a:cs typeface="Calibri" panose="020F0502020204030204" pitchFamily="34" charset="0"/>
-            </a:endParaRPr>
-          </a:p>
-        </p:txBody>
-      </p:sp>
-      <p:sp>
-        <p:nvSpPr>
-          <p:cNvPr id="7" name="TextBox 6">
-            <a:extLst>
-              <a:ext uri="{FF2B5EF4-FFF2-40B4-BE49-F238E27FC236}">
-                <a16:creationId xmlns:a16="http://schemas.microsoft.com/office/drawing/2014/main" id="{07701E74-E9CA-3415-1EEE-F7423502EF2C}"/>
-              </a:ext>
-            </a:extLst>
-          </p:cNvPr>
-          <p:cNvSpPr txBox="1"/>
-          <p:nvPr/>
-        </p:nvSpPr>
-        <p:spPr>
-          <a:xfrm>
-            <a:off x="4387249" y="4092292"/>
-            <a:ext cx="3405360" cy="307777"/>
-          </a:xfrm>
-          <a:prstGeom prst="rect">
-            <a:avLst/>
-          </a:prstGeom>
-          <a:noFill/>
-        </p:spPr>
-        <p:txBody>
-          <a:bodyPr wrap="square" rtlCol="0">
-            <a:spAutoFit/>
-          </a:bodyPr>
-          <a:lstStyle/>
-          <a:p>
-            <a:r>
-              <a:rPr lang="en-GB" sz="1400" dirty="0" err="1">
-                <a:solidFill>
-                  <a:schemeClr val="tx1">
-                    <a:lumMod val="65000"/>
-                    <a:lumOff val="35000"/>
-                  </a:schemeClr>
-                </a:solidFill>
-                <a:latin typeface="Calibri" panose="020F0502020204030204" pitchFamily="34" charset="0"/>
-                <a:cs typeface="Calibri" panose="020F0502020204030204" pitchFamily="34" charset="0"/>
-              </a:rPr>
-              <a:t>Feeling_bullets</a:t>
-            </a:r>
-            <a:endParaRPr lang="en-GB" sz="1400" dirty="0">
-              <a:solidFill>
-                <a:schemeClr val="tx1">
-                  <a:lumMod val="65000"/>
-                  <a:lumOff val="35000"/>
-                </a:schemeClr>
-              </a:solidFill>
-              <a:latin typeface="Calibri" panose="020F0502020204030204" pitchFamily="34" charset="0"/>
-              <a:cs typeface="Calibri" panose="020F0502020204030204" pitchFamily="34" charset="0"/>
-            </a:endParaRPr>
-          </a:p>
-        </p:txBody>
-      </p:sp>
-      <p:sp>
-        <p:nvSpPr>
-          <p:cNvPr id="8" name="TextBox 7">
-            <a:extLst>
-              <a:ext uri="{FF2B5EF4-FFF2-40B4-BE49-F238E27FC236}">
-                <a16:creationId xmlns:a16="http://schemas.microsoft.com/office/drawing/2014/main" id="{F7798300-80F1-FCE7-CC62-0CBE47B0FC18}"/>
-              </a:ext>
-            </a:extLst>
-          </p:cNvPr>
-          <p:cNvSpPr txBox="1"/>
-          <p:nvPr/>
-        </p:nvSpPr>
-        <p:spPr>
-          <a:xfrm>
-            <a:off x="8275019" y="4092292"/>
-            <a:ext cx="3405360" cy="307777"/>
-          </a:xfrm>
-          <a:prstGeom prst="rect">
-            <a:avLst/>
-          </a:prstGeom>
-          <a:noFill/>
-        </p:spPr>
-        <p:txBody>
-          <a:bodyPr wrap="square" rtlCol="0">
-            <a:spAutoFit/>
-          </a:bodyPr>
-          <a:lstStyle/>
-          <a:p>
-            <a:r>
-              <a:rPr lang="en-GB" sz="1400" dirty="0" err="1">
-                <a:solidFill>
-                  <a:schemeClr val="tx1">
-                    <a:lumMod val="65000"/>
-                    <a:lumOff val="35000"/>
-                  </a:schemeClr>
-                </a:solidFill>
-                <a:latin typeface="Calibri" panose="020F0502020204030204" pitchFamily="34" charset="0"/>
-                <a:cs typeface="Calibri" panose="020F0502020204030204" pitchFamily="34" charset="0"/>
-              </a:rPr>
-              <a:t>Doing_bullets</a:t>
-            </a:r>
-            <a:endParaRPr lang="en-GB" sz="1400" dirty="0">
-              <a:solidFill>
-                <a:schemeClr val="tx1">
-                  <a:lumMod val="65000"/>
-                  <a:lumOff val="35000"/>
-                </a:schemeClr>
-              </a:solidFill>
-              <a:latin typeface="Calibri" panose="020F0502020204030204" pitchFamily="34" charset="0"/>
-              <a:cs typeface="Calibri" panose="020F0502020204030204" pitchFamily="34" charset="0"/>
-            </a:endParaRPr>
+            <a:endParaRPr lang="en-US" dirty="0"/>
           </a:p>
         </p:txBody>
       </p:sp>
     </p:spTree>
     <p:extLst>
       <p:ext uri="{BB962C8B-B14F-4D97-AF65-F5344CB8AC3E}">
-        <p14:creationId xmlns:p14="http://schemas.microsoft.com/office/powerpoint/2010/main" val="2322119040"/>
+        <p14:creationId xmlns:p14="http://schemas.microsoft.com/office/powerpoint/2010/main" val="342758158"/>
       </p:ext>
     </p:extLst>
   </p:cSld>
@@ -3703,10 +3181,39 @@
       </p:grpSpPr>
       <p:sp>
         <p:nvSpPr>
-          <p:cNvPr id="2" name="Picture Placeholder 1">
-            <a:extLst>
-              <a:ext uri="{FF2B5EF4-FFF2-40B4-BE49-F238E27FC236}">
-                <a16:creationId xmlns:a16="http://schemas.microsoft.com/office/drawing/2014/main" id="{2EEA1161-F2B4-888C-81ED-7B43AC8E0CC0}"/>
+          <p:cNvPr id="2" name="Text Placeholder 1">
+            <a:extLst>
+              <a:ext uri="{FF2B5EF4-FFF2-40B4-BE49-F238E27FC236}">
+                <a16:creationId xmlns:a16="http://schemas.microsoft.com/office/drawing/2014/main" id="{54EED5A1-2BDF-65A8-42F1-69D522778C6C}"/>
+              </a:ext>
+            </a:extLst>
+          </p:cNvPr>
+          <p:cNvSpPr>
+            <a:spLocks noGrp="1"/>
+          </p:cNvSpPr>
+          <p:nvPr>
+            <p:ph type="body" sz="quarter" idx="16"/>
+          </p:nvPr>
+        </p:nvSpPr>
+        <p:spPr/>
+        <p:txBody>
+          <a:bodyPr/>
+          <a:lstStyle/>
+          <a:p>
+            <a:r>
+              <a:rPr lang="en-US" dirty="0" err="1"/>
+              <a:t>Stage_name</a:t>
+            </a:r>
+            <a:endParaRPr lang="en-US" dirty="0"/>
+          </a:p>
+        </p:txBody>
+      </p:sp>
+      <p:sp>
+        <p:nvSpPr>
+          <p:cNvPr id="3" name="Picture Placeholder 2">
+            <a:extLst>
+              <a:ext uri="{FF2B5EF4-FFF2-40B4-BE49-F238E27FC236}">
+                <a16:creationId xmlns:a16="http://schemas.microsoft.com/office/drawing/2014/main" id="{1BDA1A22-5F25-62EF-ABAE-81DE83464973}"/>
               </a:ext>
             </a:extLst>
           </p:cNvPr>
@@ -3722,381 +3229,160 @@
           <a:bodyPr/>
           <a:lstStyle/>
           <a:p>
-            <a:endParaRPr lang="en-GB"/>
-          </a:p>
-        </p:txBody>
-      </p:sp>
-      <p:sp>
-        <p:nvSpPr>
-          <p:cNvPr id="3" name="Title 1">
-            <a:extLst>
-              <a:ext uri="{FF2B5EF4-FFF2-40B4-BE49-F238E27FC236}">
-                <a16:creationId xmlns:a16="http://schemas.microsoft.com/office/drawing/2014/main" id="{60B68C2C-8264-C693-8456-8BA467FA8E06}"/>
-              </a:ext>
-            </a:extLst>
-          </p:cNvPr>
-          <p:cNvSpPr txBox="1">
-            <a:spLocks/>
-          </p:cNvSpPr>
-          <p:nvPr/>
-        </p:nvSpPr>
-        <p:spPr>
-          <a:xfrm>
-            <a:off x="487767" y="118875"/>
-            <a:ext cx="11204324" cy="914400"/>
-          </a:xfrm>
-          <a:prstGeom prst="rect">
-            <a:avLst/>
-          </a:prstGeom>
-        </p:spPr>
-        <p:txBody>
-          <a:bodyPr lIns="0" tIns="0" rIns="0" bIns="0" anchor="ctr" anchorCtr="0">
-            <a:noAutofit/>
-          </a:bodyPr>
-          <a:lstStyle>
-            <a:lvl1pPr algn="l" defTabSz="609265" rtl="0" eaLnBrk="1" latinLnBrk="0" hangingPunct="1">
-              <a:lnSpc>
-                <a:spcPct val="85000"/>
-              </a:lnSpc>
-              <a:spcBef>
-                <a:spcPct val="0"/>
-              </a:spcBef>
-              <a:buNone/>
-              <a:defRPr sz="2665" b="1" kern="1200" spc="-120" baseline="0">
-                <a:solidFill>
-                  <a:schemeClr val="bg1"/>
-                </a:solidFill>
-                <a:latin typeface="+mj-lt"/>
-                <a:ea typeface="+mj-ea"/>
-                <a:cs typeface="+mj-cs"/>
-              </a:defRPr>
-            </a:lvl1pPr>
-          </a:lstStyle>
-          <a:p>
-            <a:pPr marL="0" marR="0" lvl="0" indent="0" algn="l" defTabSz="609265" rtl="0" eaLnBrk="1" fontAlgn="auto" latinLnBrk="0" hangingPunct="1">
-              <a:lnSpc>
-                <a:spcPct val="85000"/>
-              </a:lnSpc>
-              <a:spcBef>
-                <a:spcPct val="0"/>
-              </a:spcBef>
-              <a:spcAft>
-                <a:spcPts val="0"/>
-              </a:spcAft>
-              <a:buClrTx/>
-              <a:buSzTx/>
-              <a:buFontTx/>
-              <a:buNone/>
-              <a:tabLst/>
-              <a:defRPr/>
-            </a:pPr>
-            <a:r>
-              <a:rPr kumimoji="0" lang="en-GB" sz="2665" b="1" i="0" u="none" strike="noStrike" kern="1200" cap="none" spc="-120" normalizeH="0" baseline="0" noProof="0" dirty="0" err="1">
-                <a:ln>
-                  <a:noFill/>
-                </a:ln>
-                <a:solidFill>
-                  <a:srgbClr val="EB3300"/>
-                </a:solidFill>
-                <a:effectLst/>
-                <a:uLnTx/>
-                <a:uFillTx/>
-                <a:latin typeface="Arial"/>
-                <a:ea typeface="+mj-ea"/>
-                <a:cs typeface="+mj-cs"/>
-              </a:rPr>
-              <a:t>Stage_name</a:t>
-            </a:r>
-            <a:endParaRPr kumimoji="0" lang="en-GB" sz="2665" b="1" i="0" u="none" strike="noStrike" kern="1200" cap="none" spc="-120" normalizeH="0" baseline="0" noProof="0" dirty="0">
-              <a:ln>
-                <a:noFill/>
-              </a:ln>
-              <a:solidFill>
-                <a:srgbClr val="63666A"/>
-              </a:solidFill>
-              <a:effectLst/>
-              <a:highlight>
-                <a:srgbClr val="FFFF00"/>
-              </a:highlight>
-              <a:uLnTx/>
-              <a:uFillTx/>
-              <a:latin typeface="Arial"/>
-              <a:ea typeface="+mj-ea"/>
-              <a:cs typeface="+mj-cs"/>
-            </a:endParaRPr>
-          </a:p>
-        </p:txBody>
-      </p:sp>
-      <p:sp>
-        <p:nvSpPr>
-          <p:cNvPr id="4" name="TextBox 3">
-            <a:extLst>
-              <a:ext uri="{FF2B5EF4-FFF2-40B4-BE49-F238E27FC236}">
-                <a16:creationId xmlns:a16="http://schemas.microsoft.com/office/drawing/2014/main" id="{73443A80-0C94-CE54-707F-C32F78F7EB00}"/>
-              </a:ext>
-            </a:extLst>
-          </p:cNvPr>
-          <p:cNvSpPr txBox="1"/>
-          <p:nvPr/>
-        </p:nvSpPr>
-        <p:spPr>
-          <a:xfrm>
-            <a:off x="1048871" y="3041982"/>
-            <a:ext cx="10112187" cy="369332"/>
-          </a:xfrm>
-          <a:prstGeom prst="rect">
-            <a:avLst/>
-          </a:prstGeom>
-          <a:noFill/>
-        </p:spPr>
-        <p:txBody>
-          <a:bodyPr wrap="square" rtlCol="0">
-            <a:spAutoFit/>
-          </a:bodyPr>
+            <a:endParaRPr lang="en-US"/>
+          </a:p>
+        </p:txBody>
+      </p:sp>
+      <p:sp>
+        <p:nvSpPr>
+          <p:cNvPr id="4" name="Text Placeholder 3">
+            <a:extLst>
+              <a:ext uri="{FF2B5EF4-FFF2-40B4-BE49-F238E27FC236}">
+                <a16:creationId xmlns:a16="http://schemas.microsoft.com/office/drawing/2014/main" id="{2B85AEE0-787A-171D-16F9-DE1BED2FC248}"/>
+              </a:ext>
+            </a:extLst>
+          </p:cNvPr>
+          <p:cNvSpPr>
+            <a:spLocks noGrp="1"/>
+          </p:cNvSpPr>
+          <p:nvPr>
+            <p:ph type="body" sz="quarter" idx="11"/>
+          </p:nvPr>
+        </p:nvSpPr>
+        <p:spPr/>
+        <p:txBody>
+          <a:bodyPr/>
+          <a:lstStyle/>
+          <a:p>
+            <a:r>
+              <a:rPr lang="en-US" dirty="0" err="1"/>
+              <a:t>Stage_narrative</a:t>
+            </a:r>
+            <a:endParaRPr lang="en-US" dirty="0"/>
+          </a:p>
+        </p:txBody>
+      </p:sp>
+      <p:sp>
+        <p:nvSpPr>
+          <p:cNvPr id="5" name="Text Placeholder 4">
+            <a:extLst>
+              <a:ext uri="{FF2B5EF4-FFF2-40B4-BE49-F238E27FC236}">
+                <a16:creationId xmlns:a16="http://schemas.microsoft.com/office/drawing/2014/main" id="{AADEF834-2372-DDAC-F65E-9157ADC403DA}"/>
+              </a:ext>
+            </a:extLst>
+          </p:cNvPr>
+          <p:cNvSpPr>
+            <a:spLocks noGrp="1"/>
+          </p:cNvSpPr>
+          <p:nvPr>
+            <p:ph type="body" sz="quarter" idx="12"/>
+          </p:nvPr>
+        </p:nvSpPr>
+        <p:spPr/>
+        <p:txBody>
+          <a:bodyPr/>
+          <a:lstStyle/>
+          <a:p>
+            <a:r>
+              <a:rPr lang="en-US" dirty="0" err="1"/>
+              <a:t>Thinking_bullets</a:t>
+            </a:r>
+            <a:endParaRPr lang="en-US" dirty="0"/>
+          </a:p>
+        </p:txBody>
+      </p:sp>
+      <p:sp>
+        <p:nvSpPr>
+          <p:cNvPr id="6" name="Text Placeholder 5">
+            <a:extLst>
+              <a:ext uri="{FF2B5EF4-FFF2-40B4-BE49-F238E27FC236}">
+                <a16:creationId xmlns:a16="http://schemas.microsoft.com/office/drawing/2014/main" id="{71E1EF30-5202-20E9-6E05-C8FA6D1AEDED}"/>
+              </a:ext>
+            </a:extLst>
+          </p:cNvPr>
+          <p:cNvSpPr>
+            <a:spLocks noGrp="1"/>
+          </p:cNvSpPr>
+          <p:nvPr>
+            <p:ph type="body" sz="quarter" idx="13"/>
+          </p:nvPr>
+        </p:nvSpPr>
+        <p:spPr/>
+        <p:txBody>
+          <a:bodyPr/>
+          <a:lstStyle/>
+          <a:p>
+            <a:r>
+              <a:rPr lang="en-US" dirty="0" err="1"/>
+              <a:t>Feeling_bullets</a:t>
+            </a:r>
+            <a:endParaRPr lang="en-US" dirty="0"/>
+          </a:p>
+        </p:txBody>
+      </p:sp>
+      <p:sp>
+        <p:nvSpPr>
+          <p:cNvPr id="7" name="Text Placeholder 6">
+            <a:extLst>
+              <a:ext uri="{FF2B5EF4-FFF2-40B4-BE49-F238E27FC236}">
+                <a16:creationId xmlns:a16="http://schemas.microsoft.com/office/drawing/2014/main" id="{4006D341-E1ED-C9E6-2CF6-B4F1383D7B23}"/>
+              </a:ext>
+            </a:extLst>
+          </p:cNvPr>
+          <p:cNvSpPr>
+            <a:spLocks noGrp="1"/>
+          </p:cNvSpPr>
+          <p:nvPr>
+            <p:ph type="body" sz="quarter" idx="14"/>
+          </p:nvPr>
+        </p:nvSpPr>
+        <p:spPr/>
+        <p:txBody>
+          <a:bodyPr/>
+          <a:lstStyle/>
+          <a:p>
+            <a:r>
+              <a:rPr lang="en-US" dirty="0" err="1"/>
+              <a:t>Doing_bullets</a:t>
+            </a:r>
+            <a:endParaRPr lang="en-US" dirty="0"/>
+          </a:p>
+        </p:txBody>
+      </p:sp>
+      <p:sp>
+        <p:nvSpPr>
+          <p:cNvPr id="8" name="Text Placeholder 7">
+            <a:extLst>
+              <a:ext uri="{FF2B5EF4-FFF2-40B4-BE49-F238E27FC236}">
+                <a16:creationId xmlns:a16="http://schemas.microsoft.com/office/drawing/2014/main" id="{EE2E3388-C98F-61B3-CA2C-12567BAA74EF}"/>
+              </a:ext>
+            </a:extLst>
+          </p:cNvPr>
+          <p:cNvSpPr>
+            <a:spLocks noGrp="1"/>
+          </p:cNvSpPr>
+          <p:nvPr>
+            <p:ph type="body" sz="quarter" idx="15"/>
+          </p:nvPr>
+        </p:nvSpPr>
+        <p:spPr/>
+        <p:txBody>
+          <a:bodyPr/>
           <a:lstStyle/>
           <a:p>
             <a:pPr algn="ctr"/>
             <a:r>
-              <a:rPr lang="en-GB" sz="1800" b="1" i="1" dirty="0" err="1">
-                <a:solidFill>
-                  <a:srgbClr val="EB3300"/>
-                </a:solidFill>
-                <a:latin typeface="Calibri" panose="020F0502020204030204" pitchFamily="34" charset="0"/>
-                <a:ea typeface="Times New Roman" panose="02020603050405020304" pitchFamily="18" charset="0"/>
-                <a:cs typeface="Calibri" panose="020F0502020204030204" pitchFamily="34" charset="0"/>
-              </a:rPr>
+              <a:rPr lang="en-US" dirty="0" err="1"/>
               <a:t>Short_quote</a:t>
             </a:r>
-            <a:endParaRPr lang="en-GB" sz="1800" b="1" i="1" dirty="0">
-              <a:solidFill>
-                <a:srgbClr val="EB3300"/>
-              </a:solidFill>
-              <a:latin typeface="Calibri" panose="020F0502020204030204" pitchFamily="34" charset="0"/>
-              <a:cs typeface="Calibri" panose="020F0502020204030204" pitchFamily="34" charset="0"/>
-            </a:endParaRPr>
-          </a:p>
-        </p:txBody>
-      </p:sp>
-      <p:sp>
-        <p:nvSpPr>
-          <p:cNvPr id="5" name="TextBox 4">
-            <a:extLst>
-              <a:ext uri="{FF2B5EF4-FFF2-40B4-BE49-F238E27FC236}">
-                <a16:creationId xmlns:a16="http://schemas.microsoft.com/office/drawing/2014/main" id="{374B4091-6E2F-63EF-BE52-3491AF71AF4F}"/>
-              </a:ext>
-            </a:extLst>
-          </p:cNvPr>
-          <p:cNvSpPr txBox="1"/>
-          <p:nvPr/>
-        </p:nvSpPr>
-        <p:spPr>
-          <a:xfrm>
-            <a:off x="487767" y="1033275"/>
-            <a:ext cx="7837367" cy="307777"/>
-          </a:xfrm>
-          <a:prstGeom prst="rect">
-            <a:avLst/>
-          </a:prstGeom>
-          <a:noFill/>
-        </p:spPr>
-        <p:txBody>
-          <a:bodyPr wrap="square" rtlCol="0">
-            <a:spAutoFit/>
-          </a:bodyPr>
-          <a:lstStyle/>
-          <a:p>
-            <a:r>
-              <a:rPr lang="en-GB" sz="1400" dirty="0" err="1">
-                <a:solidFill>
-                  <a:schemeClr val="tx1">
-                    <a:lumMod val="65000"/>
-                    <a:lumOff val="35000"/>
-                  </a:schemeClr>
-                </a:solidFill>
-                <a:latin typeface="Calibri" panose="020F0502020204030204" pitchFamily="34" charset="0"/>
-                <a:cs typeface="Calibri" panose="020F0502020204030204" pitchFamily="34" charset="0"/>
-              </a:rPr>
-              <a:t>Stage_narrative</a:t>
-            </a:r>
-            <a:endParaRPr lang="en-GB" sz="1400" dirty="0">
-              <a:solidFill>
-                <a:schemeClr val="tx1">
-                  <a:lumMod val="65000"/>
-                  <a:lumOff val="35000"/>
-                </a:schemeClr>
-              </a:solidFill>
-              <a:latin typeface="Calibri" panose="020F0502020204030204" pitchFamily="34" charset="0"/>
-              <a:cs typeface="Calibri" panose="020F0502020204030204" pitchFamily="34" charset="0"/>
-            </a:endParaRPr>
-          </a:p>
-        </p:txBody>
-      </p:sp>
-      <p:sp>
-        <p:nvSpPr>
-          <p:cNvPr id="6" name="TextBox 5">
-            <a:extLst>
-              <a:ext uri="{FF2B5EF4-FFF2-40B4-BE49-F238E27FC236}">
-                <a16:creationId xmlns:a16="http://schemas.microsoft.com/office/drawing/2014/main" id="{3806D234-BD73-B759-7A8F-EA93ACF5A543}"/>
-              </a:ext>
-            </a:extLst>
-          </p:cNvPr>
-          <p:cNvSpPr txBox="1"/>
-          <p:nvPr/>
-        </p:nvSpPr>
-        <p:spPr>
-          <a:xfrm>
-            <a:off x="487768" y="4095130"/>
-            <a:ext cx="3405360" cy="307777"/>
-          </a:xfrm>
-          <a:prstGeom prst="rect">
-            <a:avLst/>
-          </a:prstGeom>
-          <a:noFill/>
-        </p:spPr>
-        <p:txBody>
-          <a:bodyPr wrap="square" rtlCol="0">
-            <a:spAutoFit/>
-          </a:bodyPr>
-          <a:lstStyle/>
-          <a:p>
-            <a:r>
-              <a:rPr lang="en-GB" sz="1400" dirty="0" err="1">
-                <a:solidFill>
-                  <a:schemeClr val="tx1">
-                    <a:lumMod val="65000"/>
-                    <a:lumOff val="35000"/>
-                  </a:schemeClr>
-                </a:solidFill>
-                <a:latin typeface="Calibri" panose="020F0502020204030204" pitchFamily="34" charset="0"/>
-                <a:cs typeface="Calibri" panose="020F0502020204030204" pitchFamily="34" charset="0"/>
-              </a:rPr>
-              <a:t>Thinking_bullets</a:t>
-            </a:r>
-            <a:endParaRPr lang="en-GB" sz="1400" dirty="0">
-              <a:solidFill>
-                <a:schemeClr val="tx1">
-                  <a:lumMod val="65000"/>
-                  <a:lumOff val="35000"/>
-                </a:schemeClr>
-              </a:solidFill>
-              <a:latin typeface="Calibri" panose="020F0502020204030204" pitchFamily="34" charset="0"/>
-              <a:cs typeface="Calibri" panose="020F0502020204030204" pitchFamily="34" charset="0"/>
-            </a:endParaRPr>
-          </a:p>
-        </p:txBody>
-      </p:sp>
-      <p:sp>
-        <p:nvSpPr>
-          <p:cNvPr id="7" name="TextBox 6">
-            <a:extLst>
-              <a:ext uri="{FF2B5EF4-FFF2-40B4-BE49-F238E27FC236}">
-                <a16:creationId xmlns:a16="http://schemas.microsoft.com/office/drawing/2014/main" id="{07701E74-E9CA-3415-1EEE-F7423502EF2C}"/>
-              </a:ext>
-            </a:extLst>
-          </p:cNvPr>
-          <p:cNvSpPr txBox="1"/>
-          <p:nvPr/>
-        </p:nvSpPr>
-        <p:spPr>
-          <a:xfrm>
-            <a:off x="4387249" y="4092292"/>
-            <a:ext cx="3405360" cy="307777"/>
-          </a:xfrm>
-          <a:prstGeom prst="rect">
-            <a:avLst/>
-          </a:prstGeom>
-          <a:noFill/>
-        </p:spPr>
-        <p:txBody>
-          <a:bodyPr wrap="square" rtlCol="0">
-            <a:spAutoFit/>
-          </a:bodyPr>
-          <a:lstStyle/>
-          <a:p>
-            <a:r>
-              <a:rPr lang="en-GB" sz="1400" dirty="0" err="1">
-                <a:solidFill>
-                  <a:schemeClr val="tx1">
-                    <a:lumMod val="65000"/>
-                    <a:lumOff val="35000"/>
-                  </a:schemeClr>
-                </a:solidFill>
-                <a:latin typeface="Calibri" panose="020F0502020204030204" pitchFamily="34" charset="0"/>
-                <a:cs typeface="Calibri" panose="020F0502020204030204" pitchFamily="34" charset="0"/>
-              </a:rPr>
-              <a:t>Feeling_bullets</a:t>
-            </a:r>
-            <a:endParaRPr lang="en-GB" sz="1400" dirty="0">
-              <a:solidFill>
-                <a:schemeClr val="tx1">
-                  <a:lumMod val="65000"/>
-                  <a:lumOff val="35000"/>
-                </a:schemeClr>
-              </a:solidFill>
-              <a:latin typeface="Calibri" panose="020F0502020204030204" pitchFamily="34" charset="0"/>
-              <a:cs typeface="Calibri" panose="020F0502020204030204" pitchFamily="34" charset="0"/>
-            </a:endParaRPr>
-          </a:p>
-        </p:txBody>
-      </p:sp>
-      <p:sp>
-        <p:nvSpPr>
-          <p:cNvPr id="8" name="TextBox 7">
-            <a:extLst>
-              <a:ext uri="{FF2B5EF4-FFF2-40B4-BE49-F238E27FC236}">
-                <a16:creationId xmlns:a16="http://schemas.microsoft.com/office/drawing/2014/main" id="{F7798300-80F1-FCE7-CC62-0CBE47B0FC18}"/>
-              </a:ext>
-            </a:extLst>
-          </p:cNvPr>
-          <p:cNvSpPr txBox="1"/>
-          <p:nvPr/>
-        </p:nvSpPr>
-        <p:spPr>
-          <a:xfrm>
-            <a:off x="8275019" y="4092292"/>
-            <a:ext cx="3405360" cy="307777"/>
-          </a:xfrm>
-          <a:prstGeom prst="rect">
-            <a:avLst/>
-          </a:prstGeom>
-          <a:noFill/>
-        </p:spPr>
-        <p:txBody>
-          <a:bodyPr wrap="square" rtlCol="0">
-            <a:spAutoFit/>
-          </a:bodyPr>
-          <a:lstStyle/>
-          <a:p>
-            <a:r>
-              <a:rPr lang="en-GB" sz="1400" dirty="0" err="1">
-                <a:solidFill>
-                  <a:schemeClr val="tx1">
-                    <a:lumMod val="65000"/>
-                    <a:lumOff val="35000"/>
-                  </a:schemeClr>
-                </a:solidFill>
-                <a:latin typeface="Calibri" panose="020F0502020204030204" pitchFamily="34" charset="0"/>
-                <a:cs typeface="Calibri" panose="020F0502020204030204" pitchFamily="34" charset="0"/>
-              </a:rPr>
-              <a:t>Doing_bullets</a:t>
-            </a:r>
-            <a:endParaRPr lang="en-GB" sz="1400" dirty="0">
-              <a:solidFill>
-                <a:schemeClr val="tx1">
-                  <a:lumMod val="65000"/>
-                  <a:lumOff val="35000"/>
-                </a:schemeClr>
-              </a:solidFill>
-              <a:latin typeface="Calibri" panose="020F0502020204030204" pitchFamily="34" charset="0"/>
-              <a:cs typeface="Calibri" panose="020F0502020204030204" pitchFamily="34" charset="0"/>
-            </a:endParaRPr>
+            <a:endParaRPr lang="en-US" dirty="0"/>
           </a:p>
         </p:txBody>
       </p:sp>
     </p:spTree>
     <p:extLst>
       <p:ext uri="{BB962C8B-B14F-4D97-AF65-F5344CB8AC3E}">
-        <p14:creationId xmlns:p14="http://schemas.microsoft.com/office/powerpoint/2010/main" val="742049823"/>
+        <p14:creationId xmlns:p14="http://schemas.microsoft.com/office/powerpoint/2010/main" val="2844222128"/>
       </p:ext>
     </p:extLst>
   </p:cSld>

--- a/Journey_template.pptx
+++ b/Journey_template.pptx
@@ -2358,16 +2358,23 @@
             <p:ph type="body" sz="quarter" idx="12"/>
           </p:nvPr>
         </p:nvSpPr>
-        <p:spPr/>
-        <p:txBody>
-          <a:bodyPr/>
-          <a:lstStyle/>
-          <a:p>
-            <a:r>
-              <a:rPr lang="en-US" dirty="0" err="1"/>
+        <p:spPr>
+          <a:xfrm>
+            <a:off x="527050" y="3834024"/>
+            <a:ext cx="3320121" cy="2384193"/>
+          </a:xfrm>
+        </p:spPr>
+        <p:txBody>
+          <a:bodyPr>
+            <a:normAutofit/>
+          </a:bodyPr>
+          <a:lstStyle/>
+          <a:p>
+            <a:r>
+              <a:rPr lang="en-US" sz="1400" dirty="0" err="1"/>
               <a:t>Thinking_bullets</a:t>
             </a:r>
-            <a:endParaRPr lang="en-US" dirty="0"/>
+            <a:endParaRPr lang="en-US" sz="1400" dirty="0"/>
           </a:p>
         </p:txBody>
       </p:sp>
@@ -2387,16 +2394,23 @@
             <p:ph type="body" sz="quarter" idx="13"/>
           </p:nvPr>
         </p:nvSpPr>
-        <p:spPr/>
-        <p:txBody>
-          <a:bodyPr/>
-          <a:lstStyle/>
-          <a:p>
-            <a:r>
-              <a:rPr lang="en-US" dirty="0" err="1"/>
+        <p:spPr>
+          <a:xfrm>
+            <a:off x="4432300" y="3834024"/>
+            <a:ext cx="3320121" cy="2384193"/>
+          </a:xfrm>
+        </p:spPr>
+        <p:txBody>
+          <a:bodyPr>
+            <a:normAutofit/>
+          </a:bodyPr>
+          <a:lstStyle/>
+          <a:p>
+            <a:r>
+              <a:rPr lang="en-US" sz="1400" dirty="0" err="1"/>
               <a:t>Feeling_bullets</a:t>
             </a:r>
-            <a:endParaRPr lang="en-US" dirty="0"/>
+            <a:endParaRPr lang="en-US" sz="1400" dirty="0"/>
           </a:p>
         </p:txBody>
       </p:sp>
@@ -2416,16 +2430,23 @@
             <p:ph type="body" sz="quarter" idx="14"/>
           </p:nvPr>
         </p:nvSpPr>
-        <p:spPr/>
-        <p:txBody>
-          <a:bodyPr/>
-          <a:lstStyle/>
-          <a:p>
-            <a:r>
-              <a:rPr lang="en-US" dirty="0" err="1"/>
+        <p:spPr>
+          <a:xfrm>
+            <a:off x="8297050" y="3834023"/>
+            <a:ext cx="3320121" cy="2384193"/>
+          </a:xfrm>
+        </p:spPr>
+        <p:txBody>
+          <a:bodyPr>
+            <a:normAutofit/>
+          </a:bodyPr>
+          <a:lstStyle/>
+          <a:p>
+            <a:r>
+              <a:rPr lang="en-US" sz="1400" dirty="0" err="1"/>
               <a:t>Doing_bullets</a:t>
             </a:r>
-            <a:endParaRPr lang="en-US" dirty="0"/>
+            <a:endParaRPr lang="en-US" sz="1400" dirty="0"/>
           </a:p>
         </p:txBody>
       </p:sp>
@@ -2588,16 +2609,23 @@
             <p:ph type="body" sz="quarter" idx="12"/>
           </p:nvPr>
         </p:nvSpPr>
-        <p:spPr/>
-        <p:txBody>
-          <a:bodyPr/>
-          <a:lstStyle/>
-          <a:p>
-            <a:r>
-              <a:rPr lang="en-US" dirty="0" err="1"/>
+        <p:spPr>
+          <a:xfrm>
+            <a:off x="527050" y="3834024"/>
+            <a:ext cx="3320121" cy="2384193"/>
+          </a:xfrm>
+        </p:spPr>
+        <p:txBody>
+          <a:bodyPr>
+            <a:normAutofit/>
+          </a:bodyPr>
+          <a:lstStyle/>
+          <a:p>
+            <a:r>
+              <a:rPr lang="en-US" sz="1400" dirty="0" err="1"/>
               <a:t>Thinking_bullets</a:t>
             </a:r>
-            <a:endParaRPr lang="en-US" dirty="0"/>
+            <a:endParaRPr lang="en-US" sz="1400" dirty="0"/>
           </a:p>
         </p:txBody>
       </p:sp>
@@ -2617,16 +2645,23 @@
             <p:ph type="body" sz="quarter" idx="13"/>
           </p:nvPr>
         </p:nvSpPr>
-        <p:spPr/>
-        <p:txBody>
-          <a:bodyPr/>
-          <a:lstStyle/>
-          <a:p>
-            <a:r>
-              <a:rPr lang="en-US" dirty="0" err="1"/>
+        <p:spPr>
+          <a:xfrm>
+            <a:off x="4432300" y="3834024"/>
+            <a:ext cx="3320121" cy="2384193"/>
+          </a:xfrm>
+        </p:spPr>
+        <p:txBody>
+          <a:bodyPr>
+            <a:normAutofit/>
+          </a:bodyPr>
+          <a:lstStyle/>
+          <a:p>
+            <a:r>
+              <a:rPr lang="en-US" sz="1400" dirty="0" err="1"/>
               <a:t>Feeling_bullets</a:t>
             </a:r>
-            <a:endParaRPr lang="en-US" dirty="0"/>
+            <a:endParaRPr lang="en-US" sz="1400" dirty="0"/>
           </a:p>
         </p:txBody>
       </p:sp>
@@ -2646,16 +2681,23 @@
             <p:ph type="body" sz="quarter" idx="14"/>
           </p:nvPr>
         </p:nvSpPr>
-        <p:spPr/>
-        <p:txBody>
-          <a:bodyPr/>
-          <a:lstStyle/>
-          <a:p>
-            <a:r>
-              <a:rPr lang="en-US" dirty="0" err="1"/>
+        <p:spPr>
+          <a:xfrm>
+            <a:off x="8297050" y="3834023"/>
+            <a:ext cx="3320121" cy="2384193"/>
+          </a:xfrm>
+        </p:spPr>
+        <p:txBody>
+          <a:bodyPr>
+            <a:normAutofit/>
+          </a:bodyPr>
+          <a:lstStyle/>
+          <a:p>
+            <a:r>
+              <a:rPr lang="en-US" sz="1400" dirty="0" err="1"/>
               <a:t>Doing_bullets</a:t>
             </a:r>
-            <a:endParaRPr lang="en-US" dirty="0"/>
+            <a:endParaRPr lang="en-US" sz="1400" dirty="0"/>
           </a:p>
         </p:txBody>
       </p:sp>
@@ -2692,7 +2734,7 @@
     </p:spTree>
     <p:extLst>
       <p:ext uri="{BB962C8B-B14F-4D97-AF65-F5344CB8AC3E}">
-        <p14:creationId xmlns:p14="http://schemas.microsoft.com/office/powerpoint/2010/main" val="3290019749"/>
+        <p14:creationId xmlns:p14="http://schemas.microsoft.com/office/powerpoint/2010/main" val="1003080330"/>
       </p:ext>
     </p:extLst>
   </p:cSld>
@@ -2818,16 +2860,23 @@
             <p:ph type="body" sz="quarter" idx="12"/>
           </p:nvPr>
         </p:nvSpPr>
-        <p:spPr/>
-        <p:txBody>
-          <a:bodyPr/>
-          <a:lstStyle/>
-          <a:p>
-            <a:r>
-              <a:rPr lang="en-US" dirty="0" err="1"/>
+        <p:spPr>
+          <a:xfrm>
+            <a:off x="527050" y="3834024"/>
+            <a:ext cx="3320121" cy="2384193"/>
+          </a:xfrm>
+        </p:spPr>
+        <p:txBody>
+          <a:bodyPr>
+            <a:normAutofit/>
+          </a:bodyPr>
+          <a:lstStyle/>
+          <a:p>
+            <a:r>
+              <a:rPr lang="en-US" sz="1400" dirty="0" err="1"/>
               <a:t>Thinking_bullets</a:t>
             </a:r>
-            <a:endParaRPr lang="en-US" dirty="0"/>
+            <a:endParaRPr lang="en-US" sz="1400" dirty="0"/>
           </a:p>
         </p:txBody>
       </p:sp>
@@ -2847,16 +2896,23 @@
             <p:ph type="body" sz="quarter" idx="13"/>
           </p:nvPr>
         </p:nvSpPr>
-        <p:spPr/>
-        <p:txBody>
-          <a:bodyPr/>
-          <a:lstStyle/>
-          <a:p>
-            <a:r>
-              <a:rPr lang="en-US" dirty="0" err="1"/>
+        <p:spPr>
+          <a:xfrm>
+            <a:off x="4432300" y="3834024"/>
+            <a:ext cx="3320121" cy="2384193"/>
+          </a:xfrm>
+        </p:spPr>
+        <p:txBody>
+          <a:bodyPr>
+            <a:normAutofit/>
+          </a:bodyPr>
+          <a:lstStyle/>
+          <a:p>
+            <a:r>
+              <a:rPr lang="en-US" sz="1400" dirty="0" err="1"/>
               <a:t>Feeling_bullets</a:t>
             </a:r>
-            <a:endParaRPr lang="en-US" dirty="0"/>
+            <a:endParaRPr lang="en-US" sz="1400" dirty="0"/>
           </a:p>
         </p:txBody>
       </p:sp>
@@ -2876,16 +2932,23 @@
             <p:ph type="body" sz="quarter" idx="14"/>
           </p:nvPr>
         </p:nvSpPr>
-        <p:spPr/>
-        <p:txBody>
-          <a:bodyPr/>
-          <a:lstStyle/>
-          <a:p>
-            <a:r>
-              <a:rPr lang="en-US" dirty="0" err="1"/>
+        <p:spPr>
+          <a:xfrm>
+            <a:off x="8297050" y="3834023"/>
+            <a:ext cx="3320121" cy="2384193"/>
+          </a:xfrm>
+        </p:spPr>
+        <p:txBody>
+          <a:bodyPr>
+            <a:normAutofit/>
+          </a:bodyPr>
+          <a:lstStyle/>
+          <a:p>
+            <a:r>
+              <a:rPr lang="en-US" sz="1400" dirty="0" err="1"/>
               <a:t>Doing_bullets</a:t>
             </a:r>
-            <a:endParaRPr lang="en-US" dirty="0"/>
+            <a:endParaRPr lang="en-US" sz="1400" dirty="0"/>
           </a:p>
         </p:txBody>
       </p:sp>
@@ -2922,7 +2985,7 @@
     </p:spTree>
     <p:extLst>
       <p:ext uri="{BB962C8B-B14F-4D97-AF65-F5344CB8AC3E}">
-        <p14:creationId xmlns:p14="http://schemas.microsoft.com/office/powerpoint/2010/main" val="3923640592"/>
+        <p14:creationId xmlns:p14="http://schemas.microsoft.com/office/powerpoint/2010/main" val="2899313115"/>
       </p:ext>
     </p:extLst>
   </p:cSld>
@@ -3048,16 +3111,23 @@
             <p:ph type="body" sz="quarter" idx="12"/>
           </p:nvPr>
         </p:nvSpPr>
-        <p:spPr/>
-        <p:txBody>
-          <a:bodyPr/>
-          <a:lstStyle/>
-          <a:p>
-            <a:r>
-              <a:rPr lang="en-US" dirty="0" err="1"/>
+        <p:spPr>
+          <a:xfrm>
+            <a:off x="527050" y="3834024"/>
+            <a:ext cx="3320121" cy="2384193"/>
+          </a:xfrm>
+        </p:spPr>
+        <p:txBody>
+          <a:bodyPr>
+            <a:normAutofit/>
+          </a:bodyPr>
+          <a:lstStyle/>
+          <a:p>
+            <a:r>
+              <a:rPr lang="en-US" sz="1400" dirty="0" err="1"/>
               <a:t>Thinking_bullets</a:t>
             </a:r>
-            <a:endParaRPr lang="en-US" dirty="0"/>
+            <a:endParaRPr lang="en-US" sz="1400" dirty="0"/>
           </a:p>
         </p:txBody>
       </p:sp>
@@ -3077,16 +3147,23 @@
             <p:ph type="body" sz="quarter" idx="13"/>
           </p:nvPr>
         </p:nvSpPr>
-        <p:spPr/>
-        <p:txBody>
-          <a:bodyPr/>
-          <a:lstStyle/>
-          <a:p>
-            <a:r>
-              <a:rPr lang="en-US" dirty="0" err="1"/>
+        <p:spPr>
+          <a:xfrm>
+            <a:off x="4432300" y="3834024"/>
+            <a:ext cx="3320121" cy="2384193"/>
+          </a:xfrm>
+        </p:spPr>
+        <p:txBody>
+          <a:bodyPr>
+            <a:normAutofit/>
+          </a:bodyPr>
+          <a:lstStyle/>
+          <a:p>
+            <a:r>
+              <a:rPr lang="en-US" sz="1400" dirty="0" err="1"/>
               <a:t>Feeling_bullets</a:t>
             </a:r>
-            <a:endParaRPr lang="en-US" dirty="0"/>
+            <a:endParaRPr lang="en-US" sz="1400" dirty="0"/>
           </a:p>
         </p:txBody>
       </p:sp>
@@ -3106,16 +3183,23 @@
             <p:ph type="body" sz="quarter" idx="14"/>
           </p:nvPr>
         </p:nvSpPr>
-        <p:spPr/>
-        <p:txBody>
-          <a:bodyPr/>
-          <a:lstStyle/>
-          <a:p>
-            <a:r>
-              <a:rPr lang="en-US" dirty="0" err="1"/>
+        <p:spPr>
+          <a:xfrm>
+            <a:off x="8297050" y="3834023"/>
+            <a:ext cx="3320121" cy="2384193"/>
+          </a:xfrm>
+        </p:spPr>
+        <p:txBody>
+          <a:bodyPr>
+            <a:normAutofit/>
+          </a:bodyPr>
+          <a:lstStyle/>
+          <a:p>
+            <a:r>
+              <a:rPr lang="en-US" sz="1400" dirty="0" err="1"/>
               <a:t>Doing_bullets</a:t>
             </a:r>
-            <a:endParaRPr lang="en-US" dirty="0"/>
+            <a:endParaRPr lang="en-US" sz="1400" dirty="0"/>
           </a:p>
         </p:txBody>
       </p:sp>
@@ -3152,7 +3236,7 @@
     </p:spTree>
     <p:extLst>
       <p:ext uri="{BB962C8B-B14F-4D97-AF65-F5344CB8AC3E}">
-        <p14:creationId xmlns:p14="http://schemas.microsoft.com/office/powerpoint/2010/main" val="342758158"/>
+        <p14:creationId xmlns:p14="http://schemas.microsoft.com/office/powerpoint/2010/main" val="1576520713"/>
       </p:ext>
     </p:extLst>
   </p:cSld>
@@ -3278,16 +3362,23 @@
             <p:ph type="body" sz="quarter" idx="12"/>
           </p:nvPr>
         </p:nvSpPr>
-        <p:spPr/>
-        <p:txBody>
-          <a:bodyPr/>
-          <a:lstStyle/>
-          <a:p>
-            <a:r>
-              <a:rPr lang="en-US" dirty="0" err="1"/>
+        <p:spPr>
+          <a:xfrm>
+            <a:off x="527050" y="3834024"/>
+            <a:ext cx="3320121" cy="2384193"/>
+          </a:xfrm>
+        </p:spPr>
+        <p:txBody>
+          <a:bodyPr>
+            <a:normAutofit/>
+          </a:bodyPr>
+          <a:lstStyle/>
+          <a:p>
+            <a:r>
+              <a:rPr lang="en-US" sz="1400" dirty="0" err="1"/>
               <a:t>Thinking_bullets</a:t>
             </a:r>
-            <a:endParaRPr lang="en-US" dirty="0"/>
+            <a:endParaRPr lang="en-US" sz="1400" dirty="0"/>
           </a:p>
         </p:txBody>
       </p:sp>
@@ -3307,16 +3398,23 @@
             <p:ph type="body" sz="quarter" idx="13"/>
           </p:nvPr>
         </p:nvSpPr>
-        <p:spPr/>
-        <p:txBody>
-          <a:bodyPr/>
-          <a:lstStyle/>
-          <a:p>
-            <a:r>
-              <a:rPr lang="en-US" dirty="0" err="1"/>
+        <p:spPr>
+          <a:xfrm>
+            <a:off x="4432300" y="3834024"/>
+            <a:ext cx="3320121" cy="2384193"/>
+          </a:xfrm>
+        </p:spPr>
+        <p:txBody>
+          <a:bodyPr>
+            <a:normAutofit/>
+          </a:bodyPr>
+          <a:lstStyle/>
+          <a:p>
+            <a:r>
+              <a:rPr lang="en-US" sz="1400" dirty="0" err="1"/>
               <a:t>Feeling_bullets</a:t>
             </a:r>
-            <a:endParaRPr lang="en-US" dirty="0"/>
+            <a:endParaRPr lang="en-US" sz="1400" dirty="0"/>
           </a:p>
         </p:txBody>
       </p:sp>
@@ -3336,16 +3434,23 @@
             <p:ph type="body" sz="quarter" idx="14"/>
           </p:nvPr>
         </p:nvSpPr>
-        <p:spPr/>
-        <p:txBody>
-          <a:bodyPr/>
-          <a:lstStyle/>
-          <a:p>
-            <a:r>
-              <a:rPr lang="en-US" dirty="0" err="1"/>
+        <p:spPr>
+          <a:xfrm>
+            <a:off x="8297050" y="3834023"/>
+            <a:ext cx="3320121" cy="2384193"/>
+          </a:xfrm>
+        </p:spPr>
+        <p:txBody>
+          <a:bodyPr>
+            <a:normAutofit/>
+          </a:bodyPr>
+          <a:lstStyle/>
+          <a:p>
+            <a:r>
+              <a:rPr lang="en-US" sz="1400" dirty="0" err="1"/>
               <a:t>Doing_bullets</a:t>
             </a:r>
-            <a:endParaRPr lang="en-US" dirty="0"/>
+            <a:endParaRPr lang="en-US" sz="1400" dirty="0"/>
           </a:p>
         </p:txBody>
       </p:sp>
@@ -3382,7 +3487,7 @@
     </p:spTree>
     <p:extLst>
       <p:ext uri="{BB962C8B-B14F-4D97-AF65-F5344CB8AC3E}">
-        <p14:creationId xmlns:p14="http://schemas.microsoft.com/office/powerpoint/2010/main" val="2844222128"/>
+        <p14:creationId xmlns:p14="http://schemas.microsoft.com/office/powerpoint/2010/main" val="2707261398"/>
       </p:ext>
     </p:extLst>
   </p:cSld>
